--- a/Slides/Baseball 3/Baseball_3_Lecture.pptx
+++ b/Slides/Baseball 3/Baseball_3_Lecture.pptx
@@ -5,7 +5,7 @@
     <p:sldMasterId id="2147483648" r:id="rId1"/>
   </p:sldMasterIdLst>
   <p:notesMasterIdLst>
-    <p:notesMasterId r:id="rId24"/>
+    <p:notesMasterId r:id="rId17"/>
   </p:notesMasterIdLst>
   <p:sldIdLst>
     <p:sldId id="298" r:id="rId2"/>
@@ -22,14 +22,7 @@
     <p:sldId id="329" r:id="rId13"/>
     <p:sldId id="330" r:id="rId14"/>
     <p:sldId id="331" r:id="rId15"/>
-    <p:sldId id="332" r:id="rId16"/>
-    <p:sldId id="333" r:id="rId17"/>
-    <p:sldId id="334" r:id="rId18"/>
-    <p:sldId id="335" r:id="rId19"/>
-    <p:sldId id="336" r:id="rId20"/>
-    <p:sldId id="337" r:id="rId21"/>
-    <p:sldId id="319" r:id="rId22"/>
-    <p:sldId id="281" r:id="rId23"/>
+    <p:sldId id="281" r:id="rId16"/>
   </p:sldIdLst>
   <p:sldSz cx="12192000" cy="6858000"/>
   <p:notesSz cx="6858000" cy="9144000"/>
@@ -218,7 +211,7 @@
           <a:p>
             <a:fld id="{C04E5E84-956F-4423-97B3-5936A6D8EEEE}" type="datetimeFigureOut">
               <a:rPr lang="en-US" smtClean="0"/>
-              <a:t>9/8/2019</a:t>
+              <a:t>9/10/2019</a:t>
             </a:fld>
             <a:endParaRPr lang="en-US"/>
           </a:p>
@@ -632,7 +625,7 @@
           <a:p>
             <a:fld id="{3881C039-66A3-4640-815B-3B5A8B7D868D}" type="datetimeFigureOut">
               <a:rPr lang="en-US" smtClean="0"/>
-              <a:t>9/8/2019</a:t>
+              <a:t>9/10/2019</a:t>
             </a:fld>
             <a:endParaRPr lang="en-US"/>
           </a:p>
@@ -830,7 +823,7 @@
           <a:p>
             <a:fld id="{3881C039-66A3-4640-815B-3B5A8B7D868D}" type="datetimeFigureOut">
               <a:rPr lang="en-US" smtClean="0"/>
-              <a:t>9/8/2019</a:t>
+              <a:t>9/10/2019</a:t>
             </a:fld>
             <a:endParaRPr lang="en-US"/>
           </a:p>
@@ -1038,7 +1031,7 @@
           <a:p>
             <a:fld id="{3881C039-66A3-4640-815B-3B5A8B7D868D}" type="datetimeFigureOut">
               <a:rPr lang="en-US" smtClean="0"/>
-              <a:t>9/8/2019</a:t>
+              <a:t>9/10/2019</a:t>
             </a:fld>
             <a:endParaRPr lang="en-US"/>
           </a:p>
@@ -1236,7 +1229,7 @@
           <a:p>
             <a:fld id="{3881C039-66A3-4640-815B-3B5A8B7D868D}" type="datetimeFigureOut">
               <a:rPr lang="en-US" smtClean="0"/>
-              <a:t>9/8/2019</a:t>
+              <a:t>9/10/2019</a:t>
             </a:fld>
             <a:endParaRPr lang="en-US"/>
           </a:p>
@@ -1511,7 +1504,7 @@
           <a:p>
             <a:fld id="{3881C039-66A3-4640-815B-3B5A8B7D868D}" type="datetimeFigureOut">
               <a:rPr lang="en-US" smtClean="0"/>
-              <a:t>9/8/2019</a:t>
+              <a:t>9/10/2019</a:t>
             </a:fld>
             <a:endParaRPr lang="en-US"/>
           </a:p>
@@ -1776,7 +1769,7 @@
           <a:p>
             <a:fld id="{3881C039-66A3-4640-815B-3B5A8B7D868D}" type="datetimeFigureOut">
               <a:rPr lang="en-US" smtClean="0"/>
-              <a:t>9/8/2019</a:t>
+              <a:t>9/10/2019</a:t>
             </a:fld>
             <a:endParaRPr lang="en-US"/>
           </a:p>
@@ -2188,7 +2181,7 @@
           <a:p>
             <a:fld id="{3881C039-66A3-4640-815B-3B5A8B7D868D}" type="datetimeFigureOut">
               <a:rPr lang="en-US" smtClean="0"/>
-              <a:t>9/8/2019</a:t>
+              <a:t>9/10/2019</a:t>
             </a:fld>
             <a:endParaRPr lang="en-US"/>
           </a:p>
@@ -2329,7 +2322,7 @@
           <a:p>
             <a:fld id="{3881C039-66A3-4640-815B-3B5A8B7D868D}" type="datetimeFigureOut">
               <a:rPr lang="en-US" smtClean="0"/>
-              <a:t>9/8/2019</a:t>
+              <a:t>9/10/2019</a:t>
             </a:fld>
             <a:endParaRPr lang="en-US"/>
           </a:p>
@@ -2442,7 +2435,7 @@
           <a:p>
             <a:fld id="{3881C039-66A3-4640-815B-3B5A8B7D868D}" type="datetimeFigureOut">
               <a:rPr lang="en-US" smtClean="0"/>
-              <a:t>9/8/2019</a:t>
+              <a:t>9/10/2019</a:t>
             </a:fld>
             <a:endParaRPr lang="en-US"/>
           </a:p>
@@ -2753,7 +2746,7 @@
           <a:p>
             <a:fld id="{3881C039-66A3-4640-815B-3B5A8B7D868D}" type="datetimeFigureOut">
               <a:rPr lang="en-US" smtClean="0"/>
-              <a:t>9/8/2019</a:t>
+              <a:t>9/10/2019</a:t>
             </a:fld>
             <a:endParaRPr lang="en-US"/>
           </a:p>
@@ -3041,7 +3034,7 @@
           <a:p>
             <a:fld id="{3881C039-66A3-4640-815B-3B5A8B7D868D}" type="datetimeFigureOut">
               <a:rPr lang="en-US" smtClean="0"/>
-              <a:t>9/8/2019</a:t>
+              <a:t>9/10/2019</a:t>
             </a:fld>
             <a:endParaRPr lang="en-US"/>
           </a:p>
@@ -3285,7 +3278,7 @@
           <a:p>
             <a:fld id="{3881C039-66A3-4640-815B-3B5A8B7D868D}" type="datetimeFigureOut">
               <a:rPr lang="en-US" smtClean="0"/>
-              <a:t>9/8/2019</a:t>
+              <a:t>9/10/2019</a:t>
             </a:fld>
             <a:endParaRPr lang="en-US"/>
           </a:p>
@@ -4575,8 +4568,8 @@
           </a:p>
         </p:txBody>
       </p:sp>
-      <mc:AlternateContent xmlns:mc="http://schemas.openxmlformats.org/markup-compatibility/2006">
-        <mc:Choice xmlns:a14="http://schemas.microsoft.com/office/drawing/2010/main" Requires="a14">
+      <mc:AlternateContent xmlns:mc="http://schemas.openxmlformats.org/markup-compatibility/2006" xmlns:a14="http://schemas.microsoft.com/office/drawing/2010/main">
+        <mc:Choice Requires="a14">
           <p:sp>
             <p:nvSpPr>
               <p:cNvPr id="15" name="TextBox 14">
@@ -4605,6 +4598,7 @@
               </a:bodyPr>
               <a:lstStyle/>
               <a:p>
+                <a:pPr/>
                 <a14:m>
                   <m:oMathPara xmlns:m="http://schemas.openxmlformats.org/officeDocument/2006/math">
                     <m:oMathParaPr>
@@ -4818,7 +4812,7 @@
             </p:txBody>
           </p:sp>
         </mc:Choice>
-        <mc:Fallback>
+        <mc:Fallback xmlns="">
           <p:sp>
             <p:nvSpPr>
               <p:cNvPr id="15" name="TextBox 14">
@@ -4893,8 +4887,8 @@
           </a:prstGeom>
         </p:spPr>
       </p:pic>
-      <mc:AlternateContent xmlns:mc="http://schemas.openxmlformats.org/markup-compatibility/2006">
-        <mc:Choice xmlns:a14="http://schemas.microsoft.com/office/drawing/2010/main" Requires="a14">
+      <mc:AlternateContent xmlns:mc="http://schemas.openxmlformats.org/markup-compatibility/2006" xmlns:a14="http://schemas.microsoft.com/office/drawing/2010/main">
+        <mc:Choice Requires="a14">
           <p:sp>
             <p:nvSpPr>
               <p:cNvPr id="18" name="TextBox 17">
@@ -5114,7 +5108,7 @@
             </p:txBody>
           </p:sp>
         </mc:Choice>
-        <mc:Fallback>
+        <mc:Fallback xmlns="">
           <p:sp>
             <p:nvSpPr>
               <p:cNvPr id="18" name="TextBox 17">
@@ -6579,8 +6573,8 @@
           </a:p>
         </p:txBody>
       </p:sp>
-      <mc:AlternateContent xmlns:mc="http://schemas.openxmlformats.org/markup-compatibility/2006">
-        <mc:Choice xmlns:a14="http://schemas.microsoft.com/office/drawing/2010/main" Requires="a14">
+      <mc:AlternateContent xmlns:mc="http://schemas.openxmlformats.org/markup-compatibility/2006" xmlns:a14="http://schemas.microsoft.com/office/drawing/2010/main">
+        <mc:Choice Requires="a14">
           <p:sp>
             <p:nvSpPr>
               <p:cNvPr id="11" name="Rectangle 10">
@@ -6645,7 +6639,7 @@
             </p:txBody>
           </p:sp>
         </mc:Choice>
-        <mc:Fallback>
+        <mc:Fallback xmlns="">
           <p:sp>
             <p:nvSpPr>
               <p:cNvPr id="11" name="Rectangle 10">
@@ -6690,8 +6684,8 @@
           </p:sp>
         </mc:Fallback>
       </mc:AlternateContent>
-      <mc:AlternateContent xmlns:mc="http://schemas.openxmlformats.org/markup-compatibility/2006">
-        <mc:Choice xmlns:a14="http://schemas.microsoft.com/office/drawing/2010/main" Requires="a14">
+      <mc:AlternateContent xmlns:mc="http://schemas.openxmlformats.org/markup-compatibility/2006" xmlns:a14="http://schemas.microsoft.com/office/drawing/2010/main">
+        <mc:Choice Requires="a14">
           <p:sp>
             <p:nvSpPr>
               <p:cNvPr id="12" name="Rectangle 11">
@@ -6826,7 +6820,7 @@
             </p:txBody>
           </p:sp>
         </mc:Choice>
-        <mc:Fallback>
+        <mc:Fallback xmlns="">
           <p:sp>
             <p:nvSpPr>
               <p:cNvPr id="12" name="Rectangle 11">
@@ -6871,8 +6865,8 @@
           </p:sp>
         </mc:Fallback>
       </mc:AlternateContent>
-      <mc:AlternateContent xmlns:mc="http://schemas.openxmlformats.org/markup-compatibility/2006">
-        <mc:Choice xmlns:a14="http://schemas.microsoft.com/office/drawing/2010/main" Requires="a14">
+      <mc:AlternateContent xmlns:mc="http://schemas.openxmlformats.org/markup-compatibility/2006" xmlns:a14="http://schemas.microsoft.com/office/drawing/2010/main">
+        <mc:Choice Requires="a14">
           <p:sp>
             <p:nvSpPr>
               <p:cNvPr id="14" name="Rectangle 13">
@@ -6900,7 +6894,6 @@
               </a:bodyPr>
               <a:lstStyle/>
               <a:p>
-                <a:pPr/>
                 <a14:m>
                   <m:oMath xmlns:m="http://schemas.openxmlformats.org/officeDocument/2006/math">
                     <m:r>
@@ -7048,7 +7041,7 @@
             </p:txBody>
           </p:sp>
         </mc:Choice>
-        <mc:Fallback>
+        <mc:Fallback xmlns="">
           <p:sp>
             <p:nvSpPr>
               <p:cNvPr id="14" name="Rectangle 13">
@@ -8533,6 +8526,435 @@
     <p:bg>
       <p:bgPr>
         <a:solidFill>
+          <a:srgbClr val="395583"/>
+        </a:solidFill>
+        <a:effectLst/>
+      </p:bgPr>
+    </p:bg>
+    <p:spTree>
+      <p:nvGrpSpPr>
+        <p:cNvPr id="1" name=""/>
+        <p:cNvGrpSpPr/>
+        <p:nvPr/>
+      </p:nvGrpSpPr>
+      <p:grpSpPr>
+        <a:xfrm>
+          <a:off x="0" y="0"/>
+          <a:ext cx="0" cy="0"/>
+          <a:chOff x="0" y="0"/>
+          <a:chExt cx="0" cy="0"/>
+        </a:xfrm>
+      </p:grpSpPr>
+      <p:pic>
+        <p:nvPicPr>
+          <p:cNvPr id="5" name="Picture 4" descr="A picture containing indoor&#10;&#10;Description automatically generated">
+            <a:extLst>
+              <a:ext uri="{FF2B5EF4-FFF2-40B4-BE49-F238E27FC236}">
+                <a16:creationId xmlns:a16="http://schemas.microsoft.com/office/drawing/2014/main" id="{48589EA3-03B9-4D42-8282-8AC52D63CBF3}"/>
+              </a:ext>
+            </a:extLst>
+          </p:cNvPr>
+          <p:cNvPicPr>
+            <a:picLocks noChangeAspect="1"/>
+          </p:cNvPicPr>
+          <p:nvPr/>
+        </p:nvPicPr>
+        <p:blipFill rotWithShape="1">
+          <a:blip r:embed="rId2">
+            <a:extLst>
+              <a:ext uri="{28A0092B-C50C-407E-A947-70E740481C1C}">
+                <a14:useLocalDpi xmlns:a14="http://schemas.microsoft.com/office/drawing/2010/main" val="0"/>
+              </a:ext>
+            </a:extLst>
+          </a:blip>
+          <a:srcRect l="19805" r="19804" b="-1"/>
+          <a:stretch/>
+        </p:blipFill>
+        <p:spPr>
+          <a:xfrm>
+            <a:off x="20" y="10"/>
+            <a:ext cx="6024134" cy="6857990"/>
+          </a:xfrm>
+          <a:custGeom>
+            <a:avLst/>
+            <a:gdLst>
+              <a:gd name="connsiteX0" fmla="*/ 0 w 6024154"/>
+              <a:gd name="connsiteY0" fmla="*/ 0 h 6858000"/>
+              <a:gd name="connsiteX1" fmla="*/ 5953780 w 6024154"/>
+              <a:gd name="connsiteY1" fmla="*/ 0 h 6858000"/>
+              <a:gd name="connsiteX2" fmla="*/ 5989880 w 6024154"/>
+              <a:gd name="connsiteY2" fmla="*/ 284091 h 6858000"/>
+              <a:gd name="connsiteX3" fmla="*/ 6024154 w 6024154"/>
+              <a:gd name="connsiteY3" fmla="*/ 962844 h 6858000"/>
+              <a:gd name="connsiteX4" fmla="*/ 2549934 w 6024154"/>
+              <a:gd name="connsiteY4" fmla="*/ 6800152 h 6858000"/>
+              <a:gd name="connsiteX5" fmla="*/ 2436987 w 6024154"/>
+              <a:gd name="connsiteY5" fmla="*/ 6858000 h 6858000"/>
+              <a:gd name="connsiteX6" fmla="*/ 0 w 6024154"/>
+              <a:gd name="connsiteY6" fmla="*/ 6858000 h 6858000"/>
+            </a:gdLst>
+            <a:ahLst/>
+            <a:cxnLst>
+              <a:cxn ang="0">
+                <a:pos x="connsiteX0" y="connsiteY0"/>
+              </a:cxn>
+              <a:cxn ang="0">
+                <a:pos x="connsiteX1" y="connsiteY1"/>
+              </a:cxn>
+              <a:cxn ang="0">
+                <a:pos x="connsiteX2" y="connsiteY2"/>
+              </a:cxn>
+              <a:cxn ang="0">
+                <a:pos x="connsiteX3" y="connsiteY3"/>
+              </a:cxn>
+              <a:cxn ang="0">
+                <a:pos x="connsiteX4" y="connsiteY4"/>
+              </a:cxn>
+              <a:cxn ang="0">
+                <a:pos x="connsiteX5" y="connsiteY5"/>
+              </a:cxn>
+              <a:cxn ang="0">
+                <a:pos x="connsiteX6" y="connsiteY6"/>
+              </a:cxn>
+            </a:cxnLst>
+            <a:rect l="l" t="t" r="r" b="b"/>
+            <a:pathLst>
+              <a:path w="6024154" h="6858000">
+                <a:moveTo>
+                  <a:pt x="0" y="0"/>
+                </a:moveTo>
+                <a:lnTo>
+                  <a:pt x="5953780" y="0"/>
+                </a:lnTo>
+                <a:lnTo>
+                  <a:pt x="5989880" y="284091"/>
+                </a:lnTo>
+                <a:cubicBezTo>
+                  <a:pt x="6012544" y="507260"/>
+                  <a:pt x="6024154" y="733696"/>
+                  <a:pt x="6024154" y="962844"/>
+                </a:cubicBezTo>
+                <a:cubicBezTo>
+                  <a:pt x="6024154" y="3483472"/>
+                  <a:pt x="4619336" y="5675986"/>
+                  <a:pt x="2549934" y="6800152"/>
+                </a:cubicBezTo>
+                <a:lnTo>
+                  <a:pt x="2436987" y="6858000"/>
+                </a:lnTo>
+                <a:lnTo>
+                  <a:pt x="0" y="6858000"/>
+                </a:lnTo>
+                <a:close/>
+              </a:path>
+            </a:pathLst>
+          </a:custGeom>
+          <a:ln w="28575">
+            <a:noFill/>
+          </a:ln>
+        </p:spPr>
+      </p:pic>
+      <p:sp>
+        <p:nvSpPr>
+          <p:cNvPr id="12" name="Title 1">
+            <a:extLst>
+              <a:ext uri="{FF2B5EF4-FFF2-40B4-BE49-F238E27FC236}">
+                <a16:creationId xmlns:a16="http://schemas.microsoft.com/office/drawing/2014/main" id="{0B9C460C-DD3D-4F1C-9FEE-8EC7228DF8C8}"/>
+              </a:ext>
+            </a:extLst>
+          </p:cNvPr>
+          <p:cNvSpPr>
+            <a:spLocks noGrp="1"/>
+          </p:cNvSpPr>
+          <p:nvPr>
+            <p:ph type="ctrTitle"/>
+          </p:nvPr>
+        </p:nvSpPr>
+        <p:spPr>
+          <a:xfrm>
+            <a:off x="4232779" y="359964"/>
+            <a:ext cx="7834193" cy="1264588"/>
+          </a:xfrm>
+        </p:spPr>
+        <p:txBody>
+          <a:bodyPr anchor="ctr">
+            <a:normAutofit/>
+          </a:bodyPr>
+          <a:lstStyle/>
+          <a:p>
+            <a:pPr algn="r"/>
+            <a:r>
+              <a:rPr lang="en-US" dirty="0">
+                <a:latin typeface="Selawik Semibold" panose="020B0702040204020203" pitchFamily="34" charset="0"/>
+              </a:rPr>
+              <a:t>Final Inspiration</a:t>
+            </a:r>
+          </a:p>
+        </p:txBody>
+      </p:sp>
+      <p:sp>
+        <p:nvSpPr>
+          <p:cNvPr id="16" name="Content Placeholder 8">
+            <a:extLst>
+              <a:ext uri="{FF2B5EF4-FFF2-40B4-BE49-F238E27FC236}">
+                <a16:creationId xmlns:a16="http://schemas.microsoft.com/office/drawing/2014/main" id="{EFC1D832-5298-413A-ACCB-93C0C72C636D}"/>
+              </a:ext>
+            </a:extLst>
+          </p:cNvPr>
+          <p:cNvSpPr txBox="1">
+            <a:spLocks/>
+          </p:cNvSpPr>
+          <p:nvPr/>
+        </p:nvSpPr>
+        <p:spPr>
+          <a:xfrm>
+            <a:off x="5160335" y="4357577"/>
+            <a:ext cx="6725573" cy="3247008"/>
+          </a:xfrm>
+          <a:prstGeom prst="rect">
+            <a:avLst/>
+          </a:prstGeom>
+        </p:spPr>
+        <p:txBody>
+          <a:bodyPr vert="horz" lIns="91440" tIns="45720" rIns="91440" bIns="45720" rtlCol="0">
+            <a:normAutofit/>
+          </a:bodyPr>
+          <a:lstStyle>
+            <a:lvl1pPr marL="0" indent="0" algn="ctr" defTabSz="914400" rtl="0" eaLnBrk="1" latinLnBrk="0" hangingPunct="1">
+              <a:lnSpc>
+                <a:spcPct val="90000"/>
+              </a:lnSpc>
+              <a:spcBef>
+                <a:spcPts val="1000"/>
+              </a:spcBef>
+              <a:buFont typeface="Arial" panose="020B0604020202020204" pitchFamily="34" charset="0"/>
+              <a:buNone/>
+              <a:defRPr sz="2400" kern="1200">
+                <a:solidFill>
+                  <a:schemeClr val="tx1"/>
+                </a:solidFill>
+                <a:latin typeface="+mn-lt"/>
+                <a:ea typeface="+mn-ea"/>
+                <a:cs typeface="+mn-cs"/>
+              </a:defRPr>
+            </a:lvl1pPr>
+            <a:lvl2pPr marL="457200" indent="0" algn="ctr" defTabSz="914400" rtl="0" eaLnBrk="1" latinLnBrk="0" hangingPunct="1">
+              <a:lnSpc>
+                <a:spcPct val="90000"/>
+              </a:lnSpc>
+              <a:spcBef>
+                <a:spcPts val="500"/>
+              </a:spcBef>
+              <a:buFont typeface="Arial" panose="020B0604020202020204" pitchFamily="34" charset="0"/>
+              <a:buNone/>
+              <a:defRPr sz="2000" kern="1200">
+                <a:solidFill>
+                  <a:schemeClr val="tx1"/>
+                </a:solidFill>
+                <a:latin typeface="+mn-lt"/>
+                <a:ea typeface="+mn-ea"/>
+                <a:cs typeface="+mn-cs"/>
+              </a:defRPr>
+            </a:lvl2pPr>
+            <a:lvl3pPr marL="914400" indent="0" algn="ctr" defTabSz="914400" rtl="0" eaLnBrk="1" latinLnBrk="0" hangingPunct="1">
+              <a:lnSpc>
+                <a:spcPct val="90000"/>
+              </a:lnSpc>
+              <a:spcBef>
+                <a:spcPts val="500"/>
+              </a:spcBef>
+              <a:buFont typeface="Arial" panose="020B0604020202020204" pitchFamily="34" charset="0"/>
+              <a:buNone/>
+              <a:defRPr sz="1800" kern="1200">
+                <a:solidFill>
+                  <a:schemeClr val="tx1"/>
+                </a:solidFill>
+                <a:latin typeface="+mn-lt"/>
+                <a:ea typeface="+mn-ea"/>
+                <a:cs typeface="+mn-cs"/>
+              </a:defRPr>
+            </a:lvl3pPr>
+            <a:lvl4pPr marL="1371600" indent="0" algn="ctr" defTabSz="914400" rtl="0" eaLnBrk="1" latinLnBrk="0" hangingPunct="1">
+              <a:lnSpc>
+                <a:spcPct val="90000"/>
+              </a:lnSpc>
+              <a:spcBef>
+                <a:spcPts val="500"/>
+              </a:spcBef>
+              <a:buFont typeface="Arial" panose="020B0604020202020204" pitchFamily="34" charset="0"/>
+              <a:buNone/>
+              <a:defRPr sz="1600" kern="1200">
+                <a:solidFill>
+                  <a:schemeClr val="tx1"/>
+                </a:solidFill>
+                <a:latin typeface="+mn-lt"/>
+                <a:ea typeface="+mn-ea"/>
+                <a:cs typeface="+mn-cs"/>
+              </a:defRPr>
+            </a:lvl4pPr>
+            <a:lvl5pPr marL="1828800" indent="0" algn="ctr" defTabSz="914400" rtl="0" eaLnBrk="1" latinLnBrk="0" hangingPunct="1">
+              <a:lnSpc>
+                <a:spcPct val="90000"/>
+              </a:lnSpc>
+              <a:spcBef>
+                <a:spcPts val="500"/>
+              </a:spcBef>
+              <a:buFont typeface="Arial" panose="020B0604020202020204" pitchFamily="34" charset="0"/>
+              <a:buNone/>
+              <a:defRPr sz="1600" kern="1200">
+                <a:solidFill>
+                  <a:schemeClr val="tx1"/>
+                </a:solidFill>
+                <a:latin typeface="+mn-lt"/>
+                <a:ea typeface="+mn-ea"/>
+                <a:cs typeface="+mn-cs"/>
+              </a:defRPr>
+            </a:lvl5pPr>
+            <a:lvl6pPr marL="2286000" indent="0" algn="ctr" defTabSz="914400" rtl="0" eaLnBrk="1" latinLnBrk="0" hangingPunct="1">
+              <a:lnSpc>
+                <a:spcPct val="90000"/>
+              </a:lnSpc>
+              <a:spcBef>
+                <a:spcPts val="500"/>
+              </a:spcBef>
+              <a:buFont typeface="Arial" panose="020B0604020202020204" pitchFamily="34" charset="0"/>
+              <a:buNone/>
+              <a:defRPr sz="1600" kern="1200">
+                <a:solidFill>
+                  <a:schemeClr val="tx1"/>
+                </a:solidFill>
+                <a:latin typeface="+mn-lt"/>
+                <a:ea typeface="+mn-ea"/>
+                <a:cs typeface="+mn-cs"/>
+              </a:defRPr>
+            </a:lvl6pPr>
+            <a:lvl7pPr marL="2743200" indent="0" algn="ctr" defTabSz="914400" rtl="0" eaLnBrk="1" latinLnBrk="0" hangingPunct="1">
+              <a:lnSpc>
+                <a:spcPct val="90000"/>
+              </a:lnSpc>
+              <a:spcBef>
+                <a:spcPts val="500"/>
+              </a:spcBef>
+              <a:buFont typeface="Arial" panose="020B0604020202020204" pitchFamily="34" charset="0"/>
+              <a:buNone/>
+              <a:defRPr sz="1600" kern="1200">
+                <a:solidFill>
+                  <a:schemeClr val="tx1"/>
+                </a:solidFill>
+                <a:latin typeface="+mn-lt"/>
+                <a:ea typeface="+mn-ea"/>
+                <a:cs typeface="+mn-cs"/>
+              </a:defRPr>
+            </a:lvl7pPr>
+            <a:lvl8pPr marL="3200400" indent="0" algn="ctr" defTabSz="914400" rtl="0" eaLnBrk="1" latinLnBrk="0" hangingPunct="1">
+              <a:lnSpc>
+                <a:spcPct val="90000"/>
+              </a:lnSpc>
+              <a:spcBef>
+                <a:spcPts val="500"/>
+              </a:spcBef>
+              <a:buFont typeface="Arial" panose="020B0604020202020204" pitchFamily="34" charset="0"/>
+              <a:buNone/>
+              <a:defRPr sz="1600" kern="1200">
+                <a:solidFill>
+                  <a:schemeClr val="tx1"/>
+                </a:solidFill>
+                <a:latin typeface="+mn-lt"/>
+                <a:ea typeface="+mn-ea"/>
+                <a:cs typeface="+mn-cs"/>
+              </a:defRPr>
+            </a:lvl8pPr>
+            <a:lvl9pPr marL="3657600" indent="0" algn="ctr" defTabSz="914400" rtl="0" eaLnBrk="1" latinLnBrk="0" hangingPunct="1">
+              <a:lnSpc>
+                <a:spcPct val="90000"/>
+              </a:lnSpc>
+              <a:spcBef>
+                <a:spcPts val="500"/>
+              </a:spcBef>
+              <a:buFont typeface="Arial" panose="020B0604020202020204" pitchFamily="34" charset="0"/>
+              <a:buNone/>
+              <a:defRPr sz="1600" kern="1200">
+                <a:solidFill>
+                  <a:schemeClr val="tx1"/>
+                </a:solidFill>
+                <a:latin typeface="+mn-lt"/>
+                <a:ea typeface="+mn-ea"/>
+                <a:cs typeface="+mn-cs"/>
+              </a:defRPr>
+            </a:lvl9pPr>
+          </a:lstStyle>
+          <a:p>
+            <a:pPr algn="r"/>
+            <a:r>
+              <a:rPr lang="en-US" sz="2800" dirty="0">
+                <a:latin typeface="Selawik Semibold" panose="020B0702040204020203" pitchFamily="34" charset="0"/>
+              </a:rPr>
+              <a:t>If you don’t like sports, </a:t>
+            </a:r>
+          </a:p>
+          <a:p>
+            <a:pPr algn="r"/>
+            <a:r>
+              <a:rPr lang="en-US" sz="2800" dirty="0">
+                <a:latin typeface="Selawik Semibold" panose="020B0702040204020203" pitchFamily="34" charset="0"/>
+              </a:rPr>
+              <a:t>you may like baseball.</a:t>
+            </a:r>
+          </a:p>
+          <a:p>
+            <a:pPr algn="r"/>
+            <a:endParaRPr lang="en-US" sz="2800" dirty="0">
+              <a:latin typeface="Selawik Semibold" panose="020B0702040204020203" pitchFamily="34" charset="0"/>
+            </a:endParaRPr>
+          </a:p>
+          <a:p>
+            <a:pPr algn="r"/>
+            <a:r>
+              <a:rPr lang="en-US" sz="2800" dirty="0">
+                <a:latin typeface="Selawik Semibold" panose="020B0702040204020203" pitchFamily="34" charset="0"/>
+              </a:rPr>
+              <a:t>- Mahatma Mario</a:t>
+            </a:r>
+          </a:p>
+          <a:p>
+            <a:pPr lvl="2" algn="r"/>
+            <a:endParaRPr lang="en-US" sz="2800" dirty="0">
+              <a:latin typeface="Selawik Semibold" panose="020B0702040204020203" pitchFamily="34" charset="0"/>
+            </a:endParaRPr>
+          </a:p>
+          <a:p>
+            <a:pPr lvl="2" algn="r"/>
+            <a:endParaRPr lang="en-US" sz="2800" dirty="0">
+              <a:latin typeface="Selawik Semibold" panose="020B0702040204020203" pitchFamily="34" charset="0"/>
+            </a:endParaRPr>
+          </a:p>
+          <a:p>
+            <a:pPr lvl="2" algn="r"/>
+            <a:endParaRPr lang="en-US" sz="2800" dirty="0">
+              <a:latin typeface="Selawik Semibold" panose="020B0702040204020203" pitchFamily="34" charset="0"/>
+            </a:endParaRPr>
+          </a:p>
+        </p:txBody>
+      </p:sp>
+    </p:spTree>
+    <p:extLst>
+      <p:ext uri="{BB962C8B-B14F-4D97-AF65-F5344CB8AC3E}">
+        <p14:creationId xmlns:p14="http://schemas.microsoft.com/office/powerpoint/2010/main" val="1593475065"/>
+      </p:ext>
+    </p:extLst>
+  </p:cSld>
+  <p:clrMapOvr>
+    <a:overrideClrMapping bg1="dk1" tx1="lt1" bg2="dk2" tx2="lt2" accent1="accent1" accent2="accent2" accent3="accent3" accent4="accent4" accent5="accent5" accent6="accent6" hlink="hlink" folHlink="folHlink"/>
+  </p:clrMapOvr>
+</p:sld>
+</file>
+
+<file path=ppt/slides/slide2.xml><?xml version="1.0" encoding="utf-8"?>
+<p:sld xmlns:a="http://schemas.openxmlformats.org/drawingml/2006/main" xmlns:r="http://schemas.openxmlformats.org/officeDocument/2006/relationships" xmlns:p="http://schemas.openxmlformats.org/presentationml/2006/main">
+  <p:cSld>
+    <p:bg>
+      <p:bgPr>
+        <a:solidFill>
           <a:schemeClr val="bg1"/>
         </a:solidFill>
         <a:effectLst/>
@@ -8784,7 +9206,7 @@
                 </a:solidFill>
                 <a:latin typeface="Selawik Semibold" panose="020B0702040204020203" pitchFamily="34" charset="0"/>
               </a:rPr>
-              <a:t>Monte Carlo Simulation</a:t>
+              <a:t>Linear Weights</a:t>
             </a:r>
           </a:p>
         </p:txBody>
@@ -8905,3601 +9327,8 @@
           </a:p>
         </p:txBody>
       </p:sp>
-      <p:sp>
-        <p:nvSpPr>
-          <p:cNvPr id="10" name="TextBox 9">
-            <a:extLst>
-              <a:ext uri="{FF2B5EF4-FFF2-40B4-BE49-F238E27FC236}">
-                <a16:creationId xmlns:a16="http://schemas.microsoft.com/office/drawing/2014/main" id="{8A07C2CC-416F-4D29-84CF-D1F8B766EE5F}"/>
-              </a:ext>
-            </a:extLst>
-          </p:cNvPr>
-          <p:cNvSpPr txBox="1"/>
-          <p:nvPr/>
-        </p:nvSpPr>
-        <p:spPr>
-          <a:xfrm>
-            <a:off x="3080082" y="1520792"/>
-            <a:ext cx="8522109" cy="4893647"/>
-          </a:xfrm>
-          <a:prstGeom prst="rect">
-            <a:avLst/>
-          </a:prstGeom>
-          <a:noFill/>
-        </p:spPr>
-        <p:txBody>
-          <a:bodyPr wrap="square" rtlCol="0">
-            <a:spAutoFit/>
-          </a:bodyPr>
-          <a:lstStyle/>
-          <a:p>
-            <a:pPr marL="342900" indent="-342900">
-              <a:buFont typeface="Arial" panose="020B0604020202020204" pitchFamily="34" charset="0"/>
-              <a:buChar char="•"/>
-            </a:pPr>
-            <a:r>
-              <a:rPr lang="en-US" sz="2400" dirty="0">
-                <a:solidFill>
-                  <a:schemeClr val="bg1"/>
-                </a:solidFill>
-                <a:latin typeface="Selawik Semibold" panose="020B0702040204020203" pitchFamily="34" charset="0"/>
-              </a:rPr>
-              <a:t>Recall Evaluation of Hitter Effectiveness</a:t>
-            </a:r>
-          </a:p>
-          <a:p>
-            <a:pPr marL="800100" lvl="1" indent="-342900">
-              <a:buFont typeface="Arial" panose="020B0604020202020204" pitchFamily="34" charset="0"/>
-              <a:buChar char="•"/>
-            </a:pPr>
-            <a:r>
-              <a:rPr lang="en-US" sz="2000" dirty="0">
-                <a:solidFill>
-                  <a:schemeClr val="bg1"/>
-                </a:solidFill>
-                <a:latin typeface="Selawik Semibold" panose="020B0702040204020203" pitchFamily="34" charset="0"/>
-              </a:rPr>
-              <a:t>Runs Created </a:t>
-            </a:r>
-          </a:p>
-          <a:p>
-            <a:pPr marL="800100" lvl="1" indent="-342900">
-              <a:buFont typeface="Arial" panose="020B0604020202020204" pitchFamily="34" charset="0"/>
-              <a:buChar char="•"/>
-            </a:pPr>
-            <a:r>
-              <a:rPr lang="en-US" sz="2000" dirty="0">
-                <a:solidFill>
-                  <a:schemeClr val="bg1"/>
-                </a:solidFill>
-                <a:latin typeface="Selawik Semibold" panose="020B0702040204020203" pitchFamily="34" charset="0"/>
-              </a:rPr>
-              <a:t>Linear Weights</a:t>
-            </a:r>
-          </a:p>
-          <a:p>
-            <a:pPr marL="800100" lvl="1" indent="-342900">
-              <a:buFont typeface="Arial" panose="020B0604020202020204" pitchFamily="34" charset="0"/>
-              <a:buChar char="•"/>
-            </a:pPr>
-            <a:r>
-              <a:rPr lang="en-US" sz="2000" dirty="0">
-                <a:solidFill>
-                  <a:schemeClr val="bg1"/>
-                </a:solidFill>
-                <a:latin typeface="Selawik Semibold" panose="020B0702040204020203" pitchFamily="34" charset="0"/>
-              </a:rPr>
-              <a:t>Both Based on Team Data</a:t>
-            </a:r>
-          </a:p>
-          <a:p>
-            <a:pPr marL="800100" lvl="1" indent="-342900">
-              <a:buFont typeface="Arial" panose="020B0604020202020204" pitchFamily="34" charset="0"/>
-              <a:buChar char="•"/>
-            </a:pPr>
-            <a:r>
-              <a:rPr lang="en-US" sz="2000" dirty="0">
-                <a:solidFill>
-                  <a:schemeClr val="bg1"/>
-                </a:solidFill>
-                <a:latin typeface="Selawik Semibold" panose="020B0702040204020203" pitchFamily="34" charset="0"/>
-              </a:rPr>
-              <a:t>Scaled Player Information for Prediction</a:t>
-            </a:r>
-          </a:p>
-          <a:p>
-            <a:pPr marL="800100" lvl="1" indent="-342900">
-              <a:buFont typeface="Arial" panose="020B0604020202020204" pitchFamily="34" charset="0"/>
-              <a:buChar char="•"/>
-            </a:pPr>
-            <a:endParaRPr lang="en-US" sz="2000" dirty="0">
-              <a:solidFill>
-                <a:schemeClr val="bg1"/>
-              </a:solidFill>
-              <a:latin typeface="Selawik Semibold" panose="020B0702040204020203" pitchFamily="34" charset="0"/>
-            </a:endParaRPr>
-          </a:p>
-          <a:p>
-            <a:pPr marL="342900" indent="-342900">
-              <a:buFont typeface="Arial" panose="020B0604020202020204" pitchFamily="34" charset="0"/>
-              <a:buChar char="•"/>
-            </a:pPr>
-            <a:r>
-              <a:rPr lang="en-US" sz="2400" dirty="0">
-                <a:solidFill>
-                  <a:schemeClr val="bg1"/>
-                </a:solidFill>
-                <a:latin typeface="Selawik Semibold" panose="020B0702040204020203" pitchFamily="34" charset="0"/>
-              </a:rPr>
-              <a:t>Problem: Player Hits HR 50% of Time = 54 RC/G</a:t>
-            </a:r>
-          </a:p>
-          <a:p>
-            <a:pPr marL="800100" lvl="1" indent="-342900">
-              <a:buFont typeface="Arial" panose="020B0604020202020204" pitchFamily="34" charset="0"/>
-              <a:buChar char="•"/>
-            </a:pPr>
-            <a:endParaRPr lang="en-US" sz="2000" dirty="0">
-              <a:solidFill>
-                <a:schemeClr val="bg1"/>
-              </a:solidFill>
-              <a:latin typeface="Selawik Semibold" panose="020B0702040204020203" pitchFamily="34" charset="0"/>
-            </a:endParaRPr>
-          </a:p>
-          <a:p>
-            <a:pPr marL="342900" indent="-342900">
-              <a:buFont typeface="Arial" panose="020B0604020202020204" pitchFamily="34" charset="0"/>
-              <a:buChar char="•"/>
-            </a:pPr>
-            <a:r>
-              <a:rPr lang="en-US" sz="2400" dirty="0">
-                <a:solidFill>
-                  <a:schemeClr val="bg1"/>
-                </a:solidFill>
-                <a:latin typeface="Selawik Semibold" panose="020B0702040204020203" pitchFamily="34" charset="0"/>
-              </a:rPr>
-              <a:t>Definition of Monte Carlo Simulation</a:t>
-            </a:r>
-          </a:p>
-          <a:p>
-            <a:pPr marL="800100" lvl="1" indent="-342900">
-              <a:buFont typeface="Arial" panose="020B0604020202020204" pitchFamily="34" charset="0"/>
-              <a:buChar char="•"/>
-            </a:pPr>
-            <a:r>
-              <a:rPr lang="en-US" sz="2000" dirty="0">
-                <a:solidFill>
-                  <a:schemeClr val="bg1"/>
-                </a:solidFill>
-                <a:latin typeface="Selawik Semibold" panose="020B0702040204020203" pitchFamily="34" charset="0"/>
-              </a:rPr>
-              <a:t>Developing a Computer Model to Repeatedly Play Out an Uncertain Situation</a:t>
-            </a:r>
-          </a:p>
-          <a:p>
-            <a:pPr marL="800100" lvl="1" indent="-342900">
-              <a:buFont typeface="Arial" panose="020B0604020202020204" pitchFamily="34" charset="0"/>
-              <a:buChar char="•"/>
-            </a:pPr>
-            <a:r>
-              <a:rPr lang="en-US" sz="2000" dirty="0">
-                <a:solidFill>
-                  <a:schemeClr val="bg1"/>
-                </a:solidFill>
-                <a:latin typeface="Selawik Semibold" panose="020B0702040204020203" pitchFamily="34" charset="0"/>
-              </a:rPr>
-              <a:t>Used Across All Industries</a:t>
-            </a:r>
-          </a:p>
-          <a:p>
-            <a:pPr marL="800100" lvl="1" indent="-342900">
-              <a:buFont typeface="Arial" panose="020B0604020202020204" pitchFamily="34" charset="0"/>
-              <a:buChar char="•"/>
-            </a:pPr>
-            <a:r>
-              <a:rPr lang="en-US" sz="2000" dirty="0">
-                <a:solidFill>
-                  <a:schemeClr val="bg1"/>
-                </a:solidFill>
-                <a:latin typeface="Selawik Semibold" panose="020B0702040204020203" pitchFamily="34" charset="0"/>
-              </a:rPr>
-              <a:t>Term Coined by Polish Physicist Stanislaw </a:t>
-            </a:r>
-            <a:r>
-              <a:rPr lang="en-US" sz="2000" dirty="0" err="1">
-                <a:solidFill>
-                  <a:schemeClr val="bg1"/>
-                </a:solidFill>
-                <a:latin typeface="Selawik Semibold" panose="020B0702040204020203" pitchFamily="34" charset="0"/>
-              </a:rPr>
-              <a:t>Ulam</a:t>
-            </a:r>
-            <a:endParaRPr lang="en-US" sz="2000" dirty="0">
-              <a:solidFill>
-                <a:schemeClr val="bg1"/>
-              </a:solidFill>
-              <a:latin typeface="Selawik Semibold" panose="020B0702040204020203" pitchFamily="34" charset="0"/>
-            </a:endParaRPr>
-          </a:p>
-          <a:p>
-            <a:pPr marL="800100" lvl="1" indent="-342900">
-              <a:buFont typeface="Arial" panose="020B0604020202020204" pitchFamily="34" charset="0"/>
-              <a:buChar char="•"/>
-            </a:pPr>
-            <a:r>
-              <a:rPr lang="en-US" sz="2000" dirty="0">
-                <a:solidFill>
-                  <a:schemeClr val="bg1"/>
-                </a:solidFill>
-                <a:latin typeface="Selawik Semibold" panose="020B0702040204020203" pitchFamily="34" charset="0"/>
-              </a:rPr>
-              <a:t>Simple Simulation Shows Previously Discussed Player = 27 RC/G</a:t>
-            </a:r>
-          </a:p>
-          <a:p>
-            <a:pPr marL="800100" lvl="1" indent="-342900">
-              <a:buFont typeface="Arial" panose="020B0604020202020204" pitchFamily="34" charset="0"/>
-              <a:buChar char="•"/>
-            </a:pPr>
-            <a:endParaRPr lang="en-US" sz="2000" dirty="0">
-              <a:solidFill>
-                <a:schemeClr val="bg1"/>
-              </a:solidFill>
-              <a:latin typeface="Selawik Semibold" panose="020B0702040204020203" pitchFamily="34" charset="0"/>
-            </a:endParaRPr>
-          </a:p>
-        </p:txBody>
-      </p:sp>
-    </p:spTree>
-    <p:extLst>
-      <p:ext uri="{BB962C8B-B14F-4D97-AF65-F5344CB8AC3E}">
-        <p14:creationId xmlns:p14="http://schemas.microsoft.com/office/powerpoint/2010/main" val="3178363569"/>
-      </p:ext>
-    </p:extLst>
-  </p:cSld>
-  <p:clrMapOvr>
-    <a:masterClrMapping/>
-  </p:clrMapOvr>
-</p:sld>
-</file>
-
-<file path=ppt/slides/slide16.xml><?xml version="1.0" encoding="utf-8"?>
-<p:sld xmlns:a="http://schemas.openxmlformats.org/drawingml/2006/main" xmlns:r="http://schemas.openxmlformats.org/officeDocument/2006/relationships" xmlns:p="http://schemas.openxmlformats.org/presentationml/2006/main">
-  <p:cSld>
-    <p:bg>
-      <p:bgPr>
-        <a:solidFill>
-          <a:schemeClr val="bg1"/>
-        </a:solidFill>
-        <a:effectLst/>
-      </p:bgPr>
-    </p:bg>
-    <p:spTree>
-      <p:nvGrpSpPr>
-        <p:cNvPr id="1" name=""/>
-        <p:cNvGrpSpPr/>
-        <p:nvPr/>
-      </p:nvGrpSpPr>
-      <p:grpSpPr>
-        <a:xfrm>
-          <a:off x="0" y="0"/>
-          <a:ext cx="0" cy="0"/>
-          <a:chOff x="0" y="0"/>
-          <a:chExt cx="0" cy="0"/>
-        </a:xfrm>
-      </p:grpSpPr>
-      <p:sp>
-        <p:nvSpPr>
-          <p:cNvPr id="17" name="Rectangle 16">
-            <a:extLst>
-              <a:ext uri="{FF2B5EF4-FFF2-40B4-BE49-F238E27FC236}">
-                <a16:creationId xmlns:a16="http://schemas.microsoft.com/office/drawing/2014/main" id="{0A8FE870-A334-4DE1-84A7-AB191ED10D63}"/>
-              </a:ext>
-            </a:extLst>
-          </p:cNvPr>
-          <p:cNvSpPr/>
-          <p:nvPr/>
-        </p:nvSpPr>
-        <p:spPr>
-          <a:xfrm>
-            <a:off x="0" y="-52157"/>
-            <a:ext cx="12192000" cy="6910157"/>
-          </a:xfrm>
-          <a:prstGeom prst="rect">
-            <a:avLst/>
-          </a:prstGeom>
-          <a:solidFill>
-            <a:srgbClr val="395583"/>
-          </a:solidFill>
-        </p:spPr>
-        <p:style>
-          <a:lnRef idx="2">
-            <a:schemeClr val="accent1">
-              <a:shade val="50000"/>
-            </a:schemeClr>
-          </a:lnRef>
-          <a:fillRef idx="1">
-            <a:schemeClr val="accent1"/>
-          </a:fillRef>
-          <a:effectRef idx="0">
-            <a:schemeClr val="accent1"/>
-          </a:effectRef>
-          <a:fontRef idx="minor">
-            <a:schemeClr val="lt1"/>
-          </a:fontRef>
-        </p:style>
-        <p:txBody>
-          <a:bodyPr rtlCol="0" anchor="ctr"/>
-          <a:lstStyle/>
-          <a:p>
-            <a:pPr algn="ctr"/>
-            <a:endParaRPr lang="en-US"/>
-          </a:p>
-        </p:txBody>
-      </p:sp>
-      <p:pic>
-        <p:nvPicPr>
-          <p:cNvPr id="8" name="Picture 7" descr="A close up of a toy&#10;&#10;Description automatically generated">
-            <a:extLst>
-              <a:ext uri="{FF2B5EF4-FFF2-40B4-BE49-F238E27FC236}">
-                <a16:creationId xmlns:a16="http://schemas.microsoft.com/office/drawing/2014/main" id="{131D5527-B848-4F84-9601-62DB93565332}"/>
-              </a:ext>
-            </a:extLst>
-          </p:cNvPr>
-          <p:cNvPicPr>
-            <a:picLocks noChangeAspect="1"/>
-          </p:cNvPicPr>
-          <p:nvPr/>
-        </p:nvPicPr>
-        <p:blipFill rotWithShape="1">
-          <a:blip r:embed="rId2">
-            <a:extLst>
-              <a:ext uri="{28A0092B-C50C-407E-A947-70E740481C1C}">
-                <a14:useLocalDpi xmlns:a14="http://schemas.microsoft.com/office/drawing/2010/main" val="0"/>
-              </a:ext>
-            </a:extLst>
-          </a:blip>
-          <a:srcRect l="6238" r="10796"/>
-          <a:stretch/>
-        </p:blipFill>
-        <p:spPr>
-          <a:xfrm>
-            <a:off x="0" y="-52157"/>
-            <a:ext cx="2684015" cy="3969421"/>
-          </a:xfrm>
-          <a:prstGeom prst="rect">
-            <a:avLst/>
-          </a:prstGeom>
-        </p:spPr>
-      </p:pic>
-      <p:sp>
-        <p:nvSpPr>
-          <p:cNvPr id="33" name="Rectangle 32">
-            <a:extLst>
-              <a:ext uri="{FF2B5EF4-FFF2-40B4-BE49-F238E27FC236}">
-                <a16:creationId xmlns:a16="http://schemas.microsoft.com/office/drawing/2014/main" id="{6F93929A-DE1C-47C4-AF97-F99DB104E96F}"/>
-              </a:ext>
-            </a:extLst>
-          </p:cNvPr>
-          <p:cNvSpPr/>
-          <p:nvPr/>
-        </p:nvSpPr>
-        <p:spPr>
-          <a:xfrm rot="16200000">
-            <a:off x="782431" y="1849427"/>
-            <a:ext cx="3969421" cy="166254"/>
-          </a:xfrm>
-          <a:prstGeom prst="rect">
-            <a:avLst/>
-          </a:prstGeom>
-          <a:solidFill>
-            <a:schemeClr val="tx1"/>
-          </a:solidFill>
-          <a:ln>
-            <a:noFill/>
-          </a:ln>
-        </p:spPr>
-        <p:style>
-          <a:lnRef idx="2">
-            <a:schemeClr val="accent1">
-              <a:shade val="50000"/>
-            </a:schemeClr>
-          </a:lnRef>
-          <a:fillRef idx="1">
-            <a:schemeClr val="accent1"/>
-          </a:fillRef>
-          <a:effectRef idx="0">
-            <a:schemeClr val="accent1"/>
-          </a:effectRef>
-          <a:fontRef idx="minor">
-            <a:schemeClr val="lt1"/>
-          </a:fontRef>
-        </p:style>
-        <p:txBody>
-          <a:bodyPr rtlCol="0" anchor="ctr"/>
-          <a:lstStyle/>
-          <a:p>
-            <a:pPr algn="ctr"/>
-            <a:endParaRPr lang="en-US" dirty="0">
-              <a:solidFill>
-                <a:srgbClr val="DB5B5C"/>
-              </a:solidFill>
-            </a:endParaRPr>
-          </a:p>
-        </p:txBody>
-      </p:sp>
-      <p:sp>
-        <p:nvSpPr>
-          <p:cNvPr id="35" name="Rectangle 34">
-            <a:extLst>
-              <a:ext uri="{FF2B5EF4-FFF2-40B4-BE49-F238E27FC236}">
-                <a16:creationId xmlns:a16="http://schemas.microsoft.com/office/drawing/2014/main" id="{259A39E4-556F-4581-82A2-C6B68A8147A4}"/>
-              </a:ext>
-            </a:extLst>
-          </p:cNvPr>
-          <p:cNvSpPr/>
-          <p:nvPr/>
-        </p:nvSpPr>
-        <p:spPr>
-          <a:xfrm rot="10800000">
-            <a:off x="-2" y="3756674"/>
-            <a:ext cx="2850269" cy="3101326"/>
-          </a:xfrm>
-          <a:prstGeom prst="rect">
-            <a:avLst/>
-          </a:prstGeom>
-          <a:solidFill>
-            <a:schemeClr val="tx1"/>
-          </a:solidFill>
-          <a:ln>
-            <a:noFill/>
-          </a:ln>
-        </p:spPr>
-        <p:style>
-          <a:lnRef idx="2">
-            <a:schemeClr val="accent1">
-              <a:shade val="50000"/>
-            </a:schemeClr>
-          </a:lnRef>
-          <a:fillRef idx="1">
-            <a:schemeClr val="accent1"/>
-          </a:fillRef>
-          <a:effectRef idx="0">
-            <a:schemeClr val="accent1"/>
-          </a:effectRef>
-          <a:fontRef idx="minor">
-            <a:schemeClr val="lt1"/>
-          </a:fontRef>
-        </p:style>
-        <p:txBody>
-          <a:bodyPr rtlCol="0" anchor="ctr"/>
-          <a:lstStyle/>
-          <a:p>
-            <a:pPr algn="ctr"/>
-            <a:endParaRPr lang="en-US" dirty="0">
-              <a:solidFill>
-                <a:srgbClr val="DB5B5C"/>
-              </a:solidFill>
-            </a:endParaRPr>
-          </a:p>
-        </p:txBody>
-      </p:sp>
-      <p:sp>
-        <p:nvSpPr>
-          <p:cNvPr id="23" name="Subtitle 22">
-            <a:extLst>
-              <a:ext uri="{FF2B5EF4-FFF2-40B4-BE49-F238E27FC236}">
-                <a16:creationId xmlns:a16="http://schemas.microsoft.com/office/drawing/2014/main" id="{1E5D6413-9C6F-483D-BE52-F3BBB1E74630}"/>
-              </a:ext>
-            </a:extLst>
-          </p:cNvPr>
-          <p:cNvSpPr>
-            <a:spLocks noGrp="1"/>
-          </p:cNvSpPr>
-          <p:nvPr>
-            <p:ph type="subTitle" idx="1"/>
-          </p:nvPr>
-        </p:nvSpPr>
-        <p:spPr>
-          <a:xfrm>
-            <a:off x="3007491" y="137620"/>
-            <a:ext cx="9341732" cy="1684867"/>
-          </a:xfrm>
-        </p:spPr>
-        <p:txBody>
-          <a:bodyPr>
-            <a:normAutofit/>
-          </a:bodyPr>
-          <a:lstStyle/>
-          <a:p>
-            <a:pPr algn="l"/>
-            <a:r>
-              <a:rPr lang="en-US" sz="4400" dirty="0">
-                <a:solidFill>
-                  <a:schemeClr val="bg1"/>
-                </a:solidFill>
-                <a:latin typeface="Selawik Semibold" panose="020B0702040204020203" pitchFamily="34" charset="0"/>
-              </a:rPr>
-              <a:t>Monte Carlo Simulation</a:t>
-            </a:r>
-          </a:p>
-        </p:txBody>
-      </p:sp>
-      <p:pic>
-        <p:nvPicPr>
-          <p:cNvPr id="16" name="Picture 15" descr="A close up of a toy&#10;&#10;Description automatically generated">
-            <a:extLst>
-              <a:ext uri="{FF2B5EF4-FFF2-40B4-BE49-F238E27FC236}">
-                <a16:creationId xmlns:a16="http://schemas.microsoft.com/office/drawing/2014/main" id="{94C75949-F15C-4E05-810D-EF40FCE89107}"/>
-              </a:ext>
-            </a:extLst>
-          </p:cNvPr>
-          <p:cNvPicPr>
-            <a:picLocks noChangeAspect="1"/>
-          </p:cNvPicPr>
-          <p:nvPr/>
-        </p:nvPicPr>
-        <p:blipFill>
-          <a:blip r:embed="rId3">
-            <a:extLst>
-              <a:ext uri="{28A0092B-C50C-407E-A947-70E740481C1C}">
-                <a14:useLocalDpi xmlns:a14="http://schemas.microsoft.com/office/drawing/2010/main" val="0"/>
-              </a:ext>
-            </a:extLst>
-          </a:blip>
-          <a:stretch>
-            <a:fillRect/>
-          </a:stretch>
-        </p:blipFill>
-        <p:spPr>
-          <a:xfrm>
-            <a:off x="417789" y="4380288"/>
-            <a:ext cx="2014687" cy="2014687"/>
-          </a:xfrm>
-          <a:prstGeom prst="ellipse">
-            <a:avLst/>
-          </a:prstGeom>
-          <a:ln w="63500" cap="rnd">
-            <a:solidFill>
-              <a:srgbClr val="333333"/>
-            </a:solidFill>
-          </a:ln>
-          <a:effectLst>
-            <a:outerShdw blurRad="381000" dist="292100" dir="5400000" sx="-80000" sy="-18000" rotWithShape="0">
-              <a:srgbClr val="000000">
-                <a:alpha val="22000"/>
-              </a:srgbClr>
-            </a:outerShdw>
-          </a:effectLst>
-          <a:scene3d>
-            <a:camera prst="orthographicFront"/>
-            <a:lightRig rig="contrasting" dir="t">
-              <a:rot lat="0" lon="0" rev="3000000"/>
-            </a:lightRig>
-          </a:scene3d>
-          <a:sp3d contourW="7620">
-            <a:bevelT w="95250" h="31750"/>
-            <a:contourClr>
-              <a:srgbClr val="333333"/>
-            </a:contourClr>
-          </a:sp3d>
-        </p:spPr>
-      </p:pic>
-      <p:sp>
-        <p:nvSpPr>
-          <p:cNvPr id="38" name="Rectangle 37">
-            <a:extLst>
-              <a:ext uri="{FF2B5EF4-FFF2-40B4-BE49-F238E27FC236}">
-                <a16:creationId xmlns:a16="http://schemas.microsoft.com/office/drawing/2014/main" id="{28B1909D-4141-4FB1-8633-83F335349C97}"/>
-              </a:ext>
-            </a:extLst>
-          </p:cNvPr>
-          <p:cNvSpPr/>
-          <p:nvPr/>
-        </p:nvSpPr>
-        <p:spPr>
-          <a:xfrm rot="10800000">
-            <a:off x="3007493" y="844062"/>
-            <a:ext cx="9027282" cy="137067"/>
-          </a:xfrm>
-          <a:prstGeom prst="rect">
-            <a:avLst/>
-          </a:prstGeom>
-          <a:solidFill>
-            <a:schemeClr val="tx1"/>
-          </a:solidFill>
-          <a:ln>
-            <a:noFill/>
-          </a:ln>
-        </p:spPr>
-        <p:style>
-          <a:lnRef idx="2">
-            <a:schemeClr val="accent1">
-              <a:shade val="50000"/>
-            </a:schemeClr>
-          </a:lnRef>
-          <a:fillRef idx="1">
-            <a:schemeClr val="accent1"/>
-          </a:fillRef>
-          <a:effectRef idx="0">
-            <a:schemeClr val="accent1"/>
-          </a:effectRef>
-          <a:fontRef idx="minor">
-            <a:schemeClr val="lt1"/>
-          </a:fontRef>
-        </p:style>
-        <p:txBody>
-          <a:bodyPr rtlCol="0" anchor="ctr"/>
-          <a:lstStyle/>
-          <a:p>
-            <a:pPr algn="ctr"/>
-            <a:endParaRPr lang="en-US" dirty="0">
-              <a:solidFill>
-                <a:srgbClr val="DB5B5C"/>
-              </a:solidFill>
-            </a:endParaRPr>
-          </a:p>
-        </p:txBody>
-      </p:sp>
-      <p:sp>
-        <p:nvSpPr>
-          <p:cNvPr id="10" name="TextBox 9">
-            <a:extLst>
-              <a:ext uri="{FF2B5EF4-FFF2-40B4-BE49-F238E27FC236}">
-                <a16:creationId xmlns:a16="http://schemas.microsoft.com/office/drawing/2014/main" id="{8A07C2CC-416F-4D29-84CF-D1F8B766EE5F}"/>
-              </a:ext>
-            </a:extLst>
-          </p:cNvPr>
-          <p:cNvSpPr txBox="1"/>
-          <p:nvPr/>
-        </p:nvSpPr>
-        <p:spPr>
-          <a:xfrm>
-            <a:off x="3080083" y="1520792"/>
-            <a:ext cx="6427904" cy="4247317"/>
-          </a:xfrm>
-          <a:prstGeom prst="rect">
-            <a:avLst/>
-          </a:prstGeom>
-          <a:noFill/>
-        </p:spPr>
-        <p:txBody>
-          <a:bodyPr wrap="square" rtlCol="0">
-            <a:spAutoFit/>
-          </a:bodyPr>
-          <a:lstStyle/>
-          <a:p>
-            <a:pPr marL="342900" indent="-342900">
-              <a:buFont typeface="Arial" panose="020B0604020202020204" pitchFamily="34" charset="0"/>
-              <a:buChar char="•"/>
-            </a:pPr>
-            <a:r>
-              <a:rPr lang="en-US" sz="2400" dirty="0">
-                <a:solidFill>
-                  <a:schemeClr val="bg1"/>
-                </a:solidFill>
-                <a:latin typeface="Selawik Semibold" panose="020B0702040204020203" pitchFamily="34" charset="0"/>
-              </a:rPr>
-              <a:t>Simulating Runs from Team Full of </a:t>
-            </a:r>
-            <a:r>
-              <a:rPr lang="en-US" sz="2400" dirty="0" err="1">
-                <a:solidFill>
-                  <a:schemeClr val="bg1"/>
-                </a:solidFill>
-                <a:latin typeface="Selawik Semibold" panose="020B0702040204020203" pitchFamily="34" charset="0"/>
-              </a:rPr>
-              <a:t>Ichiros</a:t>
-            </a:r>
-            <a:endParaRPr lang="en-US" sz="2400" dirty="0">
-              <a:solidFill>
-                <a:schemeClr val="bg1"/>
-              </a:solidFill>
-              <a:latin typeface="Selawik Semibold" panose="020B0702040204020203" pitchFamily="34" charset="0"/>
-            </a:endParaRPr>
-          </a:p>
-          <a:p>
-            <a:pPr marL="800100" lvl="1" indent="-342900">
-              <a:buFont typeface="Arial" panose="020B0604020202020204" pitchFamily="34" charset="0"/>
-              <a:buChar char="•"/>
-            </a:pPr>
-            <a:r>
-              <a:rPr lang="en-US" sz="2000" dirty="0">
-                <a:solidFill>
-                  <a:schemeClr val="bg1"/>
-                </a:solidFill>
-                <a:latin typeface="Selawik Semibold" panose="020B0702040204020203" pitchFamily="34" charset="0"/>
-              </a:rPr>
-              <a:t>Possible Plate Appearances Events</a:t>
-            </a:r>
-          </a:p>
-          <a:p>
-            <a:pPr marL="800100" lvl="1" indent="-342900">
-              <a:buFont typeface="Arial" panose="020B0604020202020204" pitchFamily="34" charset="0"/>
-              <a:buChar char="•"/>
-            </a:pPr>
-            <a:r>
-              <a:rPr lang="en-US" sz="2000" dirty="0">
-                <a:solidFill>
-                  <a:schemeClr val="bg1"/>
-                </a:solidFill>
-                <a:latin typeface="Selawik Semibold" panose="020B0702040204020203" pitchFamily="34" charset="0"/>
-              </a:rPr>
-              <a:t>Long List of Assumptions </a:t>
-            </a:r>
-          </a:p>
-          <a:p>
-            <a:pPr marL="1257300" lvl="2" indent="-342900">
-              <a:buFont typeface="Arial" panose="020B0604020202020204" pitchFamily="34" charset="0"/>
-              <a:buChar char="•"/>
-            </a:pPr>
-            <a:r>
-              <a:rPr lang="en-US" dirty="0">
-                <a:solidFill>
-                  <a:schemeClr val="bg1"/>
-                </a:solidFill>
-                <a:latin typeface="Selawik Semibold" panose="020B0702040204020203" pitchFamily="34" charset="0"/>
-              </a:rPr>
-              <a:t>Errors Advance All Base Runners 1 Base</a:t>
-            </a:r>
-          </a:p>
-          <a:p>
-            <a:pPr marL="1257300" lvl="2" indent="-342900">
-              <a:buFont typeface="Arial" panose="020B0604020202020204" pitchFamily="34" charset="0"/>
-              <a:buChar char="•"/>
-            </a:pPr>
-            <a:r>
-              <a:rPr lang="en-US" dirty="0">
-                <a:solidFill>
-                  <a:schemeClr val="bg1"/>
-                </a:solidFill>
-                <a:latin typeface="Selawik Semibold" panose="020B0702040204020203" pitchFamily="34" charset="0"/>
-              </a:rPr>
-              <a:t>Long Single Advances Each Runner 2 Bases</a:t>
-            </a:r>
-          </a:p>
-          <a:p>
-            <a:pPr marL="1257300" lvl="2" indent="-342900">
-              <a:buFont typeface="Arial" panose="020B0604020202020204" pitchFamily="34" charset="0"/>
-              <a:buChar char="•"/>
-            </a:pPr>
-            <a:r>
-              <a:rPr lang="en-US" dirty="0">
-                <a:solidFill>
-                  <a:schemeClr val="bg1"/>
-                </a:solidFill>
-                <a:latin typeface="Selawik Semibold" panose="020B0702040204020203" pitchFamily="34" charset="0"/>
-              </a:rPr>
-              <a:t>Short Single Advances All Runners 1 Base</a:t>
-            </a:r>
-          </a:p>
-          <a:p>
-            <a:pPr marL="1257300" lvl="2" indent="-342900">
-              <a:buFont typeface="Arial" panose="020B0604020202020204" pitchFamily="34" charset="0"/>
-              <a:buChar char="•"/>
-            </a:pPr>
-            <a:r>
-              <a:rPr lang="en-US" dirty="0">
-                <a:solidFill>
-                  <a:schemeClr val="bg1"/>
-                </a:solidFill>
-                <a:latin typeface="Selawik Semibold" panose="020B0702040204020203" pitchFamily="34" charset="0"/>
-              </a:rPr>
-              <a:t>Short Double Advances Each Runner 2 Bases</a:t>
-            </a:r>
-          </a:p>
-          <a:p>
-            <a:pPr marL="1257300" lvl="2" indent="-342900">
-              <a:buFont typeface="Arial" panose="020B0604020202020204" pitchFamily="34" charset="0"/>
-              <a:buChar char="•"/>
-            </a:pPr>
-            <a:r>
-              <a:rPr lang="en-US" dirty="0">
-                <a:solidFill>
-                  <a:schemeClr val="bg1"/>
-                </a:solidFill>
-                <a:latin typeface="Selawik Semibold" panose="020B0702040204020203" pitchFamily="34" charset="0"/>
-              </a:rPr>
-              <a:t>Long Double Scores a Runner from First</a:t>
-            </a:r>
-          </a:p>
-          <a:p>
-            <a:pPr marL="1257300" lvl="2" indent="-342900">
-              <a:buFont typeface="Arial" panose="020B0604020202020204" pitchFamily="34" charset="0"/>
-              <a:buChar char="•"/>
-            </a:pPr>
-            <a:r>
-              <a:rPr lang="en-US" dirty="0">
-                <a:solidFill>
-                  <a:schemeClr val="bg1"/>
-                </a:solidFill>
-                <a:latin typeface="Selawik Semibold" panose="020B0702040204020203" pitchFamily="34" charset="0"/>
-              </a:rPr>
-              <a:t>Etc.</a:t>
-            </a:r>
-          </a:p>
-          <a:p>
-            <a:pPr marL="800100" lvl="1" indent="-342900">
-              <a:buFont typeface="Arial" panose="020B0604020202020204" pitchFamily="34" charset="0"/>
-              <a:buChar char="•"/>
-            </a:pPr>
-            <a:r>
-              <a:rPr lang="en-US" sz="2000" dirty="0">
-                <a:solidFill>
-                  <a:schemeClr val="bg1"/>
-                </a:solidFill>
-                <a:latin typeface="Selawik Semibold" panose="020B0702040204020203" pitchFamily="34" charset="0"/>
-              </a:rPr>
-              <a:t>Assign Probabilities According to Relative Frequencies of Player</a:t>
-            </a:r>
-          </a:p>
-          <a:p>
-            <a:pPr marL="800100" lvl="1" indent="-342900">
-              <a:buFont typeface="Arial" panose="020B0604020202020204" pitchFamily="34" charset="0"/>
-              <a:buChar char="•"/>
-            </a:pPr>
-            <a:r>
-              <a:rPr lang="en-US" sz="2000" dirty="0">
-                <a:solidFill>
-                  <a:schemeClr val="bg1"/>
-                </a:solidFill>
-                <a:latin typeface="Selawik Semibold" panose="020B0702040204020203" pitchFamily="34" charset="0"/>
-              </a:rPr>
-              <a:t>Program for Simulation</a:t>
-            </a:r>
-          </a:p>
-          <a:p>
-            <a:pPr marL="1257300" lvl="2" indent="-342900">
-              <a:buFont typeface="Arial" panose="020B0604020202020204" pitchFamily="34" charset="0"/>
-              <a:buChar char="•"/>
-            </a:pPr>
-            <a:endParaRPr lang="en-US" dirty="0">
-              <a:solidFill>
-                <a:schemeClr val="bg1"/>
-              </a:solidFill>
-              <a:latin typeface="Selawik Semibold" panose="020B0702040204020203" pitchFamily="34" charset="0"/>
-            </a:endParaRPr>
-          </a:p>
-          <a:p>
-            <a:pPr marL="800100" lvl="1" indent="-342900">
-              <a:buFont typeface="Arial" panose="020B0604020202020204" pitchFamily="34" charset="0"/>
-              <a:buChar char="•"/>
-            </a:pPr>
-            <a:endParaRPr lang="en-US" sz="2000" dirty="0">
-              <a:solidFill>
-                <a:schemeClr val="bg1"/>
-              </a:solidFill>
-              <a:latin typeface="Selawik Semibold" panose="020B0702040204020203" pitchFamily="34" charset="0"/>
-            </a:endParaRPr>
-          </a:p>
-        </p:txBody>
-      </p:sp>
-      <p:pic>
-        <p:nvPicPr>
-          <p:cNvPr id="2" name="Picture 1">
-            <a:extLst>
-              <a:ext uri="{FF2B5EF4-FFF2-40B4-BE49-F238E27FC236}">
-                <a16:creationId xmlns:a16="http://schemas.microsoft.com/office/drawing/2014/main" id="{3F484A83-7D96-491B-AD1F-A2D6A1EB2FDB}"/>
-              </a:ext>
-            </a:extLst>
-          </p:cNvPr>
-          <p:cNvPicPr>
-            <a:picLocks noChangeAspect="1"/>
-          </p:cNvPicPr>
-          <p:nvPr/>
-        </p:nvPicPr>
-        <p:blipFill>
-          <a:blip r:embed="rId4"/>
-          <a:stretch>
-            <a:fillRect/>
-          </a:stretch>
-        </p:blipFill>
-        <p:spPr>
-          <a:xfrm>
-            <a:off x="9403358" y="2012264"/>
-            <a:ext cx="2631417" cy="4316447"/>
-          </a:xfrm>
-          <a:prstGeom prst="rect">
-            <a:avLst/>
-          </a:prstGeom>
-          <a:ln w="38100">
-            <a:solidFill>
-              <a:schemeClr val="tx1"/>
-            </a:solidFill>
-          </a:ln>
-        </p:spPr>
-      </p:pic>
-      <p:cxnSp>
-        <p:nvCxnSpPr>
-          <p:cNvPr id="11" name="Straight Arrow Connector 10">
-            <a:extLst>
-              <a:ext uri="{FF2B5EF4-FFF2-40B4-BE49-F238E27FC236}">
-                <a16:creationId xmlns:a16="http://schemas.microsoft.com/office/drawing/2014/main" id="{83ED68AF-6146-46D7-8B16-FD7B64C9B088}"/>
-              </a:ext>
-            </a:extLst>
-          </p:cNvPr>
-          <p:cNvCxnSpPr>
-            <a:cxnSpLocks/>
-          </p:cNvCxnSpPr>
-          <p:nvPr/>
-        </p:nvCxnSpPr>
-        <p:spPr>
-          <a:xfrm>
-            <a:off x="8087096" y="2142526"/>
-            <a:ext cx="1190155" cy="0"/>
-          </a:xfrm>
-          <a:prstGeom prst="straightConnector1">
-            <a:avLst/>
-          </a:prstGeom>
-          <a:ln w="57150">
-            <a:solidFill>
-              <a:schemeClr val="tx1"/>
-            </a:solidFill>
-            <a:tailEnd type="triangle"/>
-          </a:ln>
-        </p:spPr>
-        <p:style>
-          <a:lnRef idx="1">
-            <a:schemeClr val="accent1"/>
-          </a:lnRef>
-          <a:fillRef idx="0">
-            <a:schemeClr val="accent1"/>
-          </a:fillRef>
-          <a:effectRef idx="0">
-            <a:schemeClr val="accent1"/>
-          </a:effectRef>
-          <a:fontRef idx="minor">
-            <a:schemeClr val="tx1"/>
-          </a:fontRef>
-        </p:style>
-      </p:cxnSp>
-    </p:spTree>
-    <p:extLst>
-      <p:ext uri="{BB962C8B-B14F-4D97-AF65-F5344CB8AC3E}">
-        <p14:creationId xmlns:p14="http://schemas.microsoft.com/office/powerpoint/2010/main" val="1220821459"/>
-      </p:ext>
-    </p:extLst>
-  </p:cSld>
-  <p:clrMapOvr>
-    <a:masterClrMapping/>
-  </p:clrMapOvr>
-</p:sld>
-</file>
-
-<file path=ppt/slides/slide17.xml><?xml version="1.0" encoding="utf-8"?>
-<p:sld xmlns:a="http://schemas.openxmlformats.org/drawingml/2006/main" xmlns:r="http://schemas.openxmlformats.org/officeDocument/2006/relationships" xmlns:p="http://schemas.openxmlformats.org/presentationml/2006/main">
-  <p:cSld>
-    <p:bg>
-      <p:bgPr>
-        <a:solidFill>
-          <a:schemeClr val="bg1"/>
-        </a:solidFill>
-        <a:effectLst/>
-      </p:bgPr>
-    </p:bg>
-    <p:spTree>
-      <p:nvGrpSpPr>
-        <p:cNvPr id="1" name=""/>
-        <p:cNvGrpSpPr/>
-        <p:nvPr/>
-      </p:nvGrpSpPr>
-      <p:grpSpPr>
-        <a:xfrm>
-          <a:off x="0" y="0"/>
-          <a:ext cx="0" cy="0"/>
-          <a:chOff x="0" y="0"/>
-          <a:chExt cx="0" cy="0"/>
-        </a:xfrm>
-      </p:grpSpPr>
-      <p:sp>
-        <p:nvSpPr>
-          <p:cNvPr id="17" name="Rectangle 16">
-            <a:extLst>
-              <a:ext uri="{FF2B5EF4-FFF2-40B4-BE49-F238E27FC236}">
-                <a16:creationId xmlns:a16="http://schemas.microsoft.com/office/drawing/2014/main" id="{0A8FE870-A334-4DE1-84A7-AB191ED10D63}"/>
-              </a:ext>
-            </a:extLst>
-          </p:cNvPr>
-          <p:cNvSpPr/>
-          <p:nvPr/>
-        </p:nvSpPr>
-        <p:spPr>
-          <a:xfrm>
-            <a:off x="0" y="-52157"/>
-            <a:ext cx="12192000" cy="6910157"/>
-          </a:xfrm>
-          <a:prstGeom prst="rect">
-            <a:avLst/>
-          </a:prstGeom>
-          <a:solidFill>
-            <a:srgbClr val="395583"/>
-          </a:solidFill>
-        </p:spPr>
-        <p:style>
-          <a:lnRef idx="2">
-            <a:schemeClr val="accent1">
-              <a:shade val="50000"/>
-            </a:schemeClr>
-          </a:lnRef>
-          <a:fillRef idx="1">
-            <a:schemeClr val="accent1"/>
-          </a:fillRef>
-          <a:effectRef idx="0">
-            <a:schemeClr val="accent1"/>
-          </a:effectRef>
-          <a:fontRef idx="minor">
-            <a:schemeClr val="lt1"/>
-          </a:fontRef>
-        </p:style>
-        <p:txBody>
-          <a:bodyPr rtlCol="0" anchor="ctr"/>
-          <a:lstStyle/>
-          <a:p>
-            <a:pPr algn="ctr"/>
-            <a:endParaRPr lang="en-US"/>
-          </a:p>
-        </p:txBody>
-      </p:sp>
-      <p:pic>
-        <p:nvPicPr>
-          <p:cNvPr id="8" name="Picture 7" descr="A close up of a toy&#10;&#10;Description automatically generated">
-            <a:extLst>
-              <a:ext uri="{FF2B5EF4-FFF2-40B4-BE49-F238E27FC236}">
-                <a16:creationId xmlns:a16="http://schemas.microsoft.com/office/drawing/2014/main" id="{131D5527-B848-4F84-9601-62DB93565332}"/>
-              </a:ext>
-            </a:extLst>
-          </p:cNvPr>
-          <p:cNvPicPr>
-            <a:picLocks noChangeAspect="1"/>
-          </p:cNvPicPr>
-          <p:nvPr/>
-        </p:nvPicPr>
-        <p:blipFill rotWithShape="1">
-          <a:blip r:embed="rId2">
-            <a:extLst>
-              <a:ext uri="{28A0092B-C50C-407E-A947-70E740481C1C}">
-                <a14:useLocalDpi xmlns:a14="http://schemas.microsoft.com/office/drawing/2010/main" val="0"/>
-              </a:ext>
-            </a:extLst>
-          </a:blip>
-          <a:srcRect l="6238" r="10796"/>
-          <a:stretch/>
-        </p:blipFill>
-        <p:spPr>
-          <a:xfrm>
-            <a:off x="0" y="-52157"/>
-            <a:ext cx="2684015" cy="3969421"/>
-          </a:xfrm>
-          <a:prstGeom prst="rect">
-            <a:avLst/>
-          </a:prstGeom>
-        </p:spPr>
-      </p:pic>
-      <p:sp>
-        <p:nvSpPr>
-          <p:cNvPr id="33" name="Rectangle 32">
-            <a:extLst>
-              <a:ext uri="{FF2B5EF4-FFF2-40B4-BE49-F238E27FC236}">
-                <a16:creationId xmlns:a16="http://schemas.microsoft.com/office/drawing/2014/main" id="{6F93929A-DE1C-47C4-AF97-F99DB104E96F}"/>
-              </a:ext>
-            </a:extLst>
-          </p:cNvPr>
-          <p:cNvSpPr/>
-          <p:nvPr/>
-        </p:nvSpPr>
-        <p:spPr>
-          <a:xfrm rot="16200000">
-            <a:off x="782431" y="1849427"/>
-            <a:ext cx="3969421" cy="166254"/>
-          </a:xfrm>
-          <a:prstGeom prst="rect">
-            <a:avLst/>
-          </a:prstGeom>
-          <a:solidFill>
-            <a:schemeClr val="tx1"/>
-          </a:solidFill>
-          <a:ln>
-            <a:noFill/>
-          </a:ln>
-        </p:spPr>
-        <p:style>
-          <a:lnRef idx="2">
-            <a:schemeClr val="accent1">
-              <a:shade val="50000"/>
-            </a:schemeClr>
-          </a:lnRef>
-          <a:fillRef idx="1">
-            <a:schemeClr val="accent1"/>
-          </a:fillRef>
-          <a:effectRef idx="0">
-            <a:schemeClr val="accent1"/>
-          </a:effectRef>
-          <a:fontRef idx="minor">
-            <a:schemeClr val="lt1"/>
-          </a:fontRef>
-        </p:style>
-        <p:txBody>
-          <a:bodyPr rtlCol="0" anchor="ctr"/>
-          <a:lstStyle/>
-          <a:p>
-            <a:pPr algn="ctr"/>
-            <a:endParaRPr lang="en-US" dirty="0">
-              <a:solidFill>
-                <a:srgbClr val="DB5B5C"/>
-              </a:solidFill>
-            </a:endParaRPr>
-          </a:p>
-        </p:txBody>
-      </p:sp>
-      <p:sp>
-        <p:nvSpPr>
-          <p:cNvPr id="35" name="Rectangle 34">
-            <a:extLst>
-              <a:ext uri="{FF2B5EF4-FFF2-40B4-BE49-F238E27FC236}">
-                <a16:creationId xmlns:a16="http://schemas.microsoft.com/office/drawing/2014/main" id="{259A39E4-556F-4581-82A2-C6B68A8147A4}"/>
-              </a:ext>
-            </a:extLst>
-          </p:cNvPr>
-          <p:cNvSpPr/>
-          <p:nvPr/>
-        </p:nvSpPr>
-        <p:spPr>
-          <a:xfrm rot="10800000">
-            <a:off x="-2" y="3756674"/>
-            <a:ext cx="2850269" cy="3101326"/>
-          </a:xfrm>
-          <a:prstGeom prst="rect">
-            <a:avLst/>
-          </a:prstGeom>
-          <a:solidFill>
-            <a:schemeClr val="tx1"/>
-          </a:solidFill>
-          <a:ln>
-            <a:noFill/>
-          </a:ln>
-        </p:spPr>
-        <p:style>
-          <a:lnRef idx="2">
-            <a:schemeClr val="accent1">
-              <a:shade val="50000"/>
-            </a:schemeClr>
-          </a:lnRef>
-          <a:fillRef idx="1">
-            <a:schemeClr val="accent1"/>
-          </a:fillRef>
-          <a:effectRef idx="0">
-            <a:schemeClr val="accent1"/>
-          </a:effectRef>
-          <a:fontRef idx="minor">
-            <a:schemeClr val="lt1"/>
-          </a:fontRef>
-        </p:style>
-        <p:txBody>
-          <a:bodyPr rtlCol="0" anchor="ctr"/>
-          <a:lstStyle/>
-          <a:p>
-            <a:pPr algn="ctr"/>
-            <a:endParaRPr lang="en-US" dirty="0">
-              <a:solidFill>
-                <a:srgbClr val="DB5B5C"/>
-              </a:solidFill>
-            </a:endParaRPr>
-          </a:p>
-        </p:txBody>
-      </p:sp>
-      <p:sp>
-        <p:nvSpPr>
-          <p:cNvPr id="23" name="Subtitle 22">
-            <a:extLst>
-              <a:ext uri="{FF2B5EF4-FFF2-40B4-BE49-F238E27FC236}">
-                <a16:creationId xmlns:a16="http://schemas.microsoft.com/office/drawing/2014/main" id="{1E5D6413-9C6F-483D-BE52-F3BBB1E74630}"/>
-              </a:ext>
-            </a:extLst>
-          </p:cNvPr>
-          <p:cNvSpPr>
-            <a:spLocks noGrp="1"/>
-          </p:cNvSpPr>
-          <p:nvPr>
-            <p:ph type="subTitle" idx="1"/>
-          </p:nvPr>
-        </p:nvSpPr>
-        <p:spPr>
-          <a:xfrm>
-            <a:off x="3007491" y="137620"/>
-            <a:ext cx="9341732" cy="1684867"/>
-          </a:xfrm>
-        </p:spPr>
-        <p:txBody>
-          <a:bodyPr>
-            <a:normAutofit/>
-          </a:bodyPr>
-          <a:lstStyle/>
-          <a:p>
-            <a:pPr algn="l"/>
-            <a:r>
-              <a:rPr lang="en-US" sz="4400" dirty="0">
-                <a:solidFill>
-                  <a:schemeClr val="bg1"/>
-                </a:solidFill>
-                <a:latin typeface="Selawik Semibold" panose="020B0702040204020203" pitchFamily="34" charset="0"/>
-              </a:rPr>
-              <a:t>Monte Carlo Simulation</a:t>
-            </a:r>
-          </a:p>
-        </p:txBody>
-      </p:sp>
-      <p:pic>
-        <p:nvPicPr>
-          <p:cNvPr id="16" name="Picture 15" descr="A close up of a toy&#10;&#10;Description automatically generated">
-            <a:extLst>
-              <a:ext uri="{FF2B5EF4-FFF2-40B4-BE49-F238E27FC236}">
-                <a16:creationId xmlns:a16="http://schemas.microsoft.com/office/drawing/2014/main" id="{94C75949-F15C-4E05-810D-EF40FCE89107}"/>
-              </a:ext>
-            </a:extLst>
-          </p:cNvPr>
-          <p:cNvPicPr>
-            <a:picLocks noChangeAspect="1"/>
-          </p:cNvPicPr>
-          <p:nvPr/>
-        </p:nvPicPr>
-        <p:blipFill>
-          <a:blip r:embed="rId3">
-            <a:extLst>
-              <a:ext uri="{28A0092B-C50C-407E-A947-70E740481C1C}">
-                <a14:useLocalDpi xmlns:a14="http://schemas.microsoft.com/office/drawing/2010/main" val="0"/>
-              </a:ext>
-            </a:extLst>
-          </a:blip>
-          <a:stretch>
-            <a:fillRect/>
-          </a:stretch>
-        </p:blipFill>
-        <p:spPr>
-          <a:xfrm>
-            <a:off x="417789" y="4380288"/>
-            <a:ext cx="2014687" cy="2014687"/>
-          </a:xfrm>
-          <a:prstGeom prst="ellipse">
-            <a:avLst/>
-          </a:prstGeom>
-          <a:ln w="63500" cap="rnd">
-            <a:solidFill>
-              <a:srgbClr val="333333"/>
-            </a:solidFill>
-          </a:ln>
-          <a:effectLst>
-            <a:outerShdw blurRad="381000" dist="292100" dir="5400000" sx="-80000" sy="-18000" rotWithShape="0">
-              <a:srgbClr val="000000">
-                <a:alpha val="22000"/>
-              </a:srgbClr>
-            </a:outerShdw>
-          </a:effectLst>
-          <a:scene3d>
-            <a:camera prst="orthographicFront"/>
-            <a:lightRig rig="contrasting" dir="t">
-              <a:rot lat="0" lon="0" rev="3000000"/>
-            </a:lightRig>
-          </a:scene3d>
-          <a:sp3d contourW="7620">
-            <a:bevelT w="95250" h="31750"/>
-            <a:contourClr>
-              <a:srgbClr val="333333"/>
-            </a:contourClr>
-          </a:sp3d>
-        </p:spPr>
-      </p:pic>
-      <p:sp>
-        <p:nvSpPr>
-          <p:cNvPr id="38" name="Rectangle 37">
-            <a:extLst>
-              <a:ext uri="{FF2B5EF4-FFF2-40B4-BE49-F238E27FC236}">
-                <a16:creationId xmlns:a16="http://schemas.microsoft.com/office/drawing/2014/main" id="{28B1909D-4141-4FB1-8633-83F335349C97}"/>
-              </a:ext>
-            </a:extLst>
-          </p:cNvPr>
-          <p:cNvSpPr/>
-          <p:nvPr/>
-        </p:nvSpPr>
-        <p:spPr>
-          <a:xfrm rot="10800000">
-            <a:off x="3007493" y="844062"/>
-            <a:ext cx="9027282" cy="137067"/>
-          </a:xfrm>
-          <a:prstGeom prst="rect">
-            <a:avLst/>
-          </a:prstGeom>
-          <a:solidFill>
-            <a:schemeClr val="tx1"/>
-          </a:solidFill>
-          <a:ln>
-            <a:noFill/>
-          </a:ln>
-        </p:spPr>
-        <p:style>
-          <a:lnRef idx="2">
-            <a:schemeClr val="accent1">
-              <a:shade val="50000"/>
-            </a:schemeClr>
-          </a:lnRef>
-          <a:fillRef idx="1">
-            <a:schemeClr val="accent1"/>
-          </a:fillRef>
-          <a:effectRef idx="0">
-            <a:schemeClr val="accent1"/>
-          </a:effectRef>
-          <a:fontRef idx="minor">
-            <a:schemeClr val="lt1"/>
-          </a:fontRef>
-        </p:style>
-        <p:txBody>
-          <a:bodyPr rtlCol="0" anchor="ctr"/>
-          <a:lstStyle/>
-          <a:p>
-            <a:pPr algn="ctr"/>
-            <a:endParaRPr lang="en-US" dirty="0">
-              <a:solidFill>
-                <a:srgbClr val="DB5B5C"/>
-              </a:solidFill>
-            </a:endParaRPr>
-          </a:p>
-        </p:txBody>
-      </p:sp>
-      <p:sp>
-        <p:nvSpPr>
-          <p:cNvPr id="10" name="TextBox 9">
-            <a:extLst>
-              <a:ext uri="{FF2B5EF4-FFF2-40B4-BE49-F238E27FC236}">
-                <a16:creationId xmlns:a16="http://schemas.microsoft.com/office/drawing/2014/main" id="{8A07C2CC-416F-4D29-84CF-D1F8B766EE5F}"/>
-              </a:ext>
-            </a:extLst>
-          </p:cNvPr>
-          <p:cNvSpPr txBox="1"/>
-          <p:nvPr/>
-        </p:nvSpPr>
-        <p:spPr>
-          <a:xfrm>
-            <a:off x="3080082" y="1520792"/>
-            <a:ext cx="8522109" cy="1354217"/>
-          </a:xfrm>
-          <a:prstGeom prst="rect">
-            <a:avLst/>
-          </a:prstGeom>
-          <a:noFill/>
-        </p:spPr>
-        <p:txBody>
-          <a:bodyPr wrap="square" rtlCol="0">
-            <a:spAutoFit/>
-          </a:bodyPr>
-          <a:lstStyle/>
-          <a:p>
-            <a:pPr marL="342900" indent="-342900">
-              <a:buFont typeface="Arial" panose="020B0604020202020204" pitchFamily="34" charset="0"/>
-              <a:buChar char="•"/>
-            </a:pPr>
-            <a:r>
-              <a:rPr lang="en-US" sz="2400" dirty="0">
-                <a:solidFill>
-                  <a:schemeClr val="bg1"/>
-                </a:solidFill>
-                <a:latin typeface="Selawik Semibold" panose="020B0702040204020203" pitchFamily="34" charset="0"/>
-              </a:rPr>
-              <a:t>Simulating Runs from Team Full of </a:t>
-            </a:r>
-            <a:r>
-              <a:rPr lang="en-US" sz="2400" dirty="0" err="1">
-                <a:solidFill>
-                  <a:schemeClr val="bg1"/>
-                </a:solidFill>
-                <a:latin typeface="Selawik Semibold" panose="020B0702040204020203" pitchFamily="34" charset="0"/>
-              </a:rPr>
-              <a:t>Ichiros</a:t>
-            </a:r>
-            <a:endParaRPr lang="en-US" sz="2400" dirty="0">
-              <a:solidFill>
-                <a:schemeClr val="bg1"/>
-              </a:solidFill>
-              <a:latin typeface="Selawik Semibold" panose="020B0702040204020203" pitchFamily="34" charset="0"/>
-            </a:endParaRPr>
-          </a:p>
-          <a:p>
-            <a:pPr marL="800100" lvl="1" indent="-342900">
-              <a:buFont typeface="Arial" panose="020B0604020202020204" pitchFamily="34" charset="0"/>
-              <a:buChar char="•"/>
-            </a:pPr>
-            <a:r>
-              <a:rPr lang="en-US" sz="2000" dirty="0">
-                <a:solidFill>
-                  <a:schemeClr val="bg1"/>
-                </a:solidFill>
-                <a:latin typeface="Selawik Semibold" panose="020B0702040204020203" pitchFamily="34" charset="0"/>
-              </a:rPr>
-              <a:t>Probabilities Based on Ichiro 2004 Statistics</a:t>
-            </a:r>
-          </a:p>
-          <a:p>
-            <a:pPr marL="1257300" lvl="2" indent="-342900">
-              <a:buFont typeface="Arial" panose="020B0604020202020204" pitchFamily="34" charset="0"/>
-              <a:buChar char="•"/>
-            </a:pPr>
-            <a:endParaRPr lang="en-US" dirty="0">
-              <a:solidFill>
-                <a:schemeClr val="bg1"/>
-              </a:solidFill>
-              <a:latin typeface="Selawik Semibold" panose="020B0702040204020203" pitchFamily="34" charset="0"/>
-            </a:endParaRPr>
-          </a:p>
-          <a:p>
-            <a:pPr marL="800100" lvl="1" indent="-342900">
-              <a:buFont typeface="Arial" panose="020B0604020202020204" pitchFamily="34" charset="0"/>
-              <a:buChar char="•"/>
-            </a:pPr>
-            <a:endParaRPr lang="en-US" sz="2000" dirty="0">
-              <a:solidFill>
-                <a:schemeClr val="bg1"/>
-              </a:solidFill>
-              <a:latin typeface="Selawik Semibold" panose="020B0702040204020203" pitchFamily="34" charset="0"/>
-            </a:endParaRPr>
-          </a:p>
-        </p:txBody>
-      </p:sp>
-      <p:pic>
-        <p:nvPicPr>
-          <p:cNvPr id="3" name="Picture 2">
-            <a:extLst>
-              <a:ext uri="{FF2B5EF4-FFF2-40B4-BE49-F238E27FC236}">
-                <a16:creationId xmlns:a16="http://schemas.microsoft.com/office/drawing/2014/main" id="{05E88B5E-A7EC-44CA-A0EB-CFCE90A1EDEA}"/>
-              </a:ext>
-            </a:extLst>
-          </p:cNvPr>
-          <p:cNvPicPr>
-            <a:picLocks noChangeAspect="1"/>
-          </p:cNvPicPr>
-          <p:nvPr/>
-        </p:nvPicPr>
-        <p:blipFill>
-          <a:blip r:embed="rId4"/>
-          <a:stretch>
-            <a:fillRect/>
-          </a:stretch>
-        </p:blipFill>
-        <p:spPr>
-          <a:xfrm>
-            <a:off x="3950628" y="2304154"/>
-            <a:ext cx="6891081" cy="4463726"/>
-          </a:xfrm>
-          <a:prstGeom prst="rect">
-            <a:avLst/>
-          </a:prstGeom>
-          <a:ln w="38100">
-            <a:solidFill>
-              <a:srgbClr val="395583"/>
-            </a:solidFill>
-          </a:ln>
-        </p:spPr>
-      </p:pic>
-    </p:spTree>
-    <p:extLst>
-      <p:ext uri="{BB962C8B-B14F-4D97-AF65-F5344CB8AC3E}">
-        <p14:creationId xmlns:p14="http://schemas.microsoft.com/office/powerpoint/2010/main" val="3049916464"/>
-      </p:ext>
-    </p:extLst>
-  </p:cSld>
-  <p:clrMapOvr>
-    <a:masterClrMapping/>
-  </p:clrMapOvr>
-</p:sld>
-</file>
-
-<file path=ppt/slides/slide18.xml><?xml version="1.0" encoding="utf-8"?>
-<p:sld xmlns:a="http://schemas.openxmlformats.org/drawingml/2006/main" xmlns:r="http://schemas.openxmlformats.org/officeDocument/2006/relationships" xmlns:p="http://schemas.openxmlformats.org/presentationml/2006/main">
-  <p:cSld>
-    <p:bg>
-      <p:bgPr>
-        <a:solidFill>
-          <a:schemeClr val="bg1"/>
-        </a:solidFill>
-        <a:effectLst/>
-      </p:bgPr>
-    </p:bg>
-    <p:spTree>
-      <p:nvGrpSpPr>
-        <p:cNvPr id="1" name=""/>
-        <p:cNvGrpSpPr/>
-        <p:nvPr/>
-      </p:nvGrpSpPr>
-      <p:grpSpPr>
-        <a:xfrm>
-          <a:off x="0" y="0"/>
-          <a:ext cx="0" cy="0"/>
-          <a:chOff x="0" y="0"/>
-          <a:chExt cx="0" cy="0"/>
-        </a:xfrm>
-      </p:grpSpPr>
-      <p:sp>
-        <p:nvSpPr>
-          <p:cNvPr id="17" name="Rectangle 16">
-            <a:extLst>
-              <a:ext uri="{FF2B5EF4-FFF2-40B4-BE49-F238E27FC236}">
-                <a16:creationId xmlns:a16="http://schemas.microsoft.com/office/drawing/2014/main" id="{0A8FE870-A334-4DE1-84A7-AB191ED10D63}"/>
-              </a:ext>
-            </a:extLst>
-          </p:cNvPr>
-          <p:cNvSpPr/>
-          <p:nvPr/>
-        </p:nvSpPr>
-        <p:spPr>
-          <a:xfrm>
-            <a:off x="0" y="-52157"/>
-            <a:ext cx="12192000" cy="6910157"/>
-          </a:xfrm>
-          <a:prstGeom prst="rect">
-            <a:avLst/>
-          </a:prstGeom>
-          <a:solidFill>
-            <a:srgbClr val="395583"/>
-          </a:solidFill>
-        </p:spPr>
-        <p:style>
-          <a:lnRef idx="2">
-            <a:schemeClr val="accent1">
-              <a:shade val="50000"/>
-            </a:schemeClr>
-          </a:lnRef>
-          <a:fillRef idx="1">
-            <a:schemeClr val="accent1"/>
-          </a:fillRef>
-          <a:effectRef idx="0">
-            <a:schemeClr val="accent1"/>
-          </a:effectRef>
-          <a:fontRef idx="minor">
-            <a:schemeClr val="lt1"/>
-          </a:fontRef>
-        </p:style>
-        <p:txBody>
-          <a:bodyPr rtlCol="0" anchor="ctr"/>
-          <a:lstStyle/>
-          <a:p>
-            <a:pPr algn="ctr"/>
-            <a:endParaRPr lang="en-US"/>
-          </a:p>
-        </p:txBody>
-      </p:sp>
-      <p:pic>
-        <p:nvPicPr>
-          <p:cNvPr id="8" name="Picture 7" descr="A close up of a toy&#10;&#10;Description automatically generated">
-            <a:extLst>
-              <a:ext uri="{FF2B5EF4-FFF2-40B4-BE49-F238E27FC236}">
-                <a16:creationId xmlns:a16="http://schemas.microsoft.com/office/drawing/2014/main" id="{131D5527-B848-4F84-9601-62DB93565332}"/>
-              </a:ext>
-            </a:extLst>
-          </p:cNvPr>
-          <p:cNvPicPr>
-            <a:picLocks noChangeAspect="1"/>
-          </p:cNvPicPr>
-          <p:nvPr/>
-        </p:nvPicPr>
-        <p:blipFill rotWithShape="1">
-          <a:blip r:embed="rId2">
-            <a:extLst>
-              <a:ext uri="{28A0092B-C50C-407E-A947-70E740481C1C}">
-                <a14:useLocalDpi xmlns:a14="http://schemas.microsoft.com/office/drawing/2010/main" val="0"/>
-              </a:ext>
-            </a:extLst>
-          </a:blip>
-          <a:srcRect l="6238" r="10796"/>
-          <a:stretch/>
-        </p:blipFill>
-        <p:spPr>
-          <a:xfrm>
-            <a:off x="0" y="-52157"/>
-            <a:ext cx="2684015" cy="3969421"/>
-          </a:xfrm>
-          <a:prstGeom prst="rect">
-            <a:avLst/>
-          </a:prstGeom>
-        </p:spPr>
-      </p:pic>
-      <p:sp>
-        <p:nvSpPr>
-          <p:cNvPr id="33" name="Rectangle 32">
-            <a:extLst>
-              <a:ext uri="{FF2B5EF4-FFF2-40B4-BE49-F238E27FC236}">
-                <a16:creationId xmlns:a16="http://schemas.microsoft.com/office/drawing/2014/main" id="{6F93929A-DE1C-47C4-AF97-F99DB104E96F}"/>
-              </a:ext>
-            </a:extLst>
-          </p:cNvPr>
-          <p:cNvSpPr/>
-          <p:nvPr/>
-        </p:nvSpPr>
-        <p:spPr>
-          <a:xfrm rot="16200000">
-            <a:off x="782431" y="1849427"/>
-            <a:ext cx="3969421" cy="166254"/>
-          </a:xfrm>
-          <a:prstGeom prst="rect">
-            <a:avLst/>
-          </a:prstGeom>
-          <a:solidFill>
-            <a:schemeClr val="tx1"/>
-          </a:solidFill>
-          <a:ln>
-            <a:noFill/>
-          </a:ln>
-        </p:spPr>
-        <p:style>
-          <a:lnRef idx="2">
-            <a:schemeClr val="accent1">
-              <a:shade val="50000"/>
-            </a:schemeClr>
-          </a:lnRef>
-          <a:fillRef idx="1">
-            <a:schemeClr val="accent1"/>
-          </a:fillRef>
-          <a:effectRef idx="0">
-            <a:schemeClr val="accent1"/>
-          </a:effectRef>
-          <a:fontRef idx="minor">
-            <a:schemeClr val="lt1"/>
-          </a:fontRef>
-        </p:style>
-        <p:txBody>
-          <a:bodyPr rtlCol="0" anchor="ctr"/>
-          <a:lstStyle/>
-          <a:p>
-            <a:pPr algn="ctr"/>
-            <a:endParaRPr lang="en-US" dirty="0">
-              <a:solidFill>
-                <a:srgbClr val="DB5B5C"/>
-              </a:solidFill>
-            </a:endParaRPr>
-          </a:p>
-        </p:txBody>
-      </p:sp>
-      <p:sp>
-        <p:nvSpPr>
-          <p:cNvPr id="35" name="Rectangle 34">
-            <a:extLst>
-              <a:ext uri="{FF2B5EF4-FFF2-40B4-BE49-F238E27FC236}">
-                <a16:creationId xmlns:a16="http://schemas.microsoft.com/office/drawing/2014/main" id="{259A39E4-556F-4581-82A2-C6B68A8147A4}"/>
-              </a:ext>
-            </a:extLst>
-          </p:cNvPr>
-          <p:cNvSpPr/>
-          <p:nvPr/>
-        </p:nvSpPr>
-        <p:spPr>
-          <a:xfrm rot="10800000">
-            <a:off x="-2" y="3756674"/>
-            <a:ext cx="2850269" cy="3101326"/>
-          </a:xfrm>
-          <a:prstGeom prst="rect">
-            <a:avLst/>
-          </a:prstGeom>
-          <a:solidFill>
-            <a:schemeClr val="tx1"/>
-          </a:solidFill>
-          <a:ln>
-            <a:noFill/>
-          </a:ln>
-        </p:spPr>
-        <p:style>
-          <a:lnRef idx="2">
-            <a:schemeClr val="accent1">
-              <a:shade val="50000"/>
-            </a:schemeClr>
-          </a:lnRef>
-          <a:fillRef idx="1">
-            <a:schemeClr val="accent1"/>
-          </a:fillRef>
-          <a:effectRef idx="0">
-            <a:schemeClr val="accent1"/>
-          </a:effectRef>
-          <a:fontRef idx="minor">
-            <a:schemeClr val="lt1"/>
-          </a:fontRef>
-        </p:style>
-        <p:txBody>
-          <a:bodyPr rtlCol="0" anchor="ctr"/>
-          <a:lstStyle/>
-          <a:p>
-            <a:pPr algn="ctr"/>
-            <a:endParaRPr lang="en-US" dirty="0">
-              <a:solidFill>
-                <a:srgbClr val="DB5B5C"/>
-              </a:solidFill>
-            </a:endParaRPr>
-          </a:p>
-        </p:txBody>
-      </p:sp>
-      <p:sp>
-        <p:nvSpPr>
-          <p:cNvPr id="23" name="Subtitle 22">
-            <a:extLst>
-              <a:ext uri="{FF2B5EF4-FFF2-40B4-BE49-F238E27FC236}">
-                <a16:creationId xmlns:a16="http://schemas.microsoft.com/office/drawing/2014/main" id="{1E5D6413-9C6F-483D-BE52-F3BBB1E74630}"/>
-              </a:ext>
-            </a:extLst>
-          </p:cNvPr>
-          <p:cNvSpPr>
-            <a:spLocks noGrp="1"/>
-          </p:cNvSpPr>
-          <p:nvPr>
-            <p:ph type="subTitle" idx="1"/>
-          </p:nvPr>
-        </p:nvSpPr>
-        <p:spPr>
-          <a:xfrm>
-            <a:off x="3007491" y="137620"/>
-            <a:ext cx="9341732" cy="1684867"/>
-          </a:xfrm>
-        </p:spPr>
-        <p:txBody>
-          <a:bodyPr>
-            <a:normAutofit/>
-          </a:bodyPr>
-          <a:lstStyle/>
-          <a:p>
-            <a:pPr algn="l"/>
-            <a:r>
-              <a:rPr lang="en-US" sz="4400" dirty="0">
-                <a:solidFill>
-                  <a:schemeClr val="bg1"/>
-                </a:solidFill>
-                <a:latin typeface="Selawik Semibold" panose="020B0702040204020203" pitchFamily="34" charset="0"/>
-              </a:rPr>
-              <a:t>Monte Carlo Simulation</a:t>
-            </a:r>
-          </a:p>
-        </p:txBody>
-      </p:sp>
-      <p:pic>
-        <p:nvPicPr>
-          <p:cNvPr id="16" name="Picture 15" descr="A close up of a toy&#10;&#10;Description automatically generated">
-            <a:extLst>
-              <a:ext uri="{FF2B5EF4-FFF2-40B4-BE49-F238E27FC236}">
-                <a16:creationId xmlns:a16="http://schemas.microsoft.com/office/drawing/2014/main" id="{94C75949-F15C-4E05-810D-EF40FCE89107}"/>
-              </a:ext>
-            </a:extLst>
-          </p:cNvPr>
-          <p:cNvPicPr>
-            <a:picLocks noChangeAspect="1"/>
-          </p:cNvPicPr>
-          <p:nvPr/>
-        </p:nvPicPr>
-        <p:blipFill>
-          <a:blip r:embed="rId3">
-            <a:extLst>
-              <a:ext uri="{28A0092B-C50C-407E-A947-70E740481C1C}">
-                <a14:useLocalDpi xmlns:a14="http://schemas.microsoft.com/office/drawing/2010/main" val="0"/>
-              </a:ext>
-            </a:extLst>
-          </a:blip>
-          <a:stretch>
-            <a:fillRect/>
-          </a:stretch>
-        </p:blipFill>
-        <p:spPr>
-          <a:xfrm>
-            <a:off x="417789" y="4380288"/>
-            <a:ext cx="2014687" cy="2014687"/>
-          </a:xfrm>
-          <a:prstGeom prst="ellipse">
-            <a:avLst/>
-          </a:prstGeom>
-          <a:ln w="63500" cap="rnd">
-            <a:solidFill>
-              <a:srgbClr val="333333"/>
-            </a:solidFill>
-          </a:ln>
-          <a:effectLst>
-            <a:outerShdw blurRad="381000" dist="292100" dir="5400000" sx="-80000" sy="-18000" rotWithShape="0">
-              <a:srgbClr val="000000">
-                <a:alpha val="22000"/>
-              </a:srgbClr>
-            </a:outerShdw>
-          </a:effectLst>
-          <a:scene3d>
-            <a:camera prst="orthographicFront"/>
-            <a:lightRig rig="contrasting" dir="t">
-              <a:rot lat="0" lon="0" rev="3000000"/>
-            </a:lightRig>
-          </a:scene3d>
-          <a:sp3d contourW="7620">
-            <a:bevelT w="95250" h="31750"/>
-            <a:contourClr>
-              <a:srgbClr val="333333"/>
-            </a:contourClr>
-          </a:sp3d>
-        </p:spPr>
-      </p:pic>
-      <p:sp>
-        <p:nvSpPr>
-          <p:cNvPr id="38" name="Rectangle 37">
-            <a:extLst>
-              <a:ext uri="{FF2B5EF4-FFF2-40B4-BE49-F238E27FC236}">
-                <a16:creationId xmlns:a16="http://schemas.microsoft.com/office/drawing/2014/main" id="{28B1909D-4141-4FB1-8633-83F335349C97}"/>
-              </a:ext>
-            </a:extLst>
-          </p:cNvPr>
-          <p:cNvSpPr/>
-          <p:nvPr/>
-        </p:nvSpPr>
-        <p:spPr>
-          <a:xfrm rot="10800000">
-            <a:off x="3007493" y="844062"/>
-            <a:ext cx="9027282" cy="137067"/>
-          </a:xfrm>
-          <a:prstGeom prst="rect">
-            <a:avLst/>
-          </a:prstGeom>
-          <a:solidFill>
-            <a:schemeClr val="tx1"/>
-          </a:solidFill>
-          <a:ln>
-            <a:noFill/>
-          </a:ln>
-        </p:spPr>
-        <p:style>
-          <a:lnRef idx="2">
-            <a:schemeClr val="accent1">
-              <a:shade val="50000"/>
-            </a:schemeClr>
-          </a:lnRef>
-          <a:fillRef idx="1">
-            <a:schemeClr val="accent1"/>
-          </a:fillRef>
-          <a:effectRef idx="0">
-            <a:schemeClr val="accent1"/>
-          </a:effectRef>
-          <a:fontRef idx="minor">
-            <a:schemeClr val="lt1"/>
-          </a:fontRef>
-        </p:style>
-        <p:txBody>
-          <a:bodyPr rtlCol="0" anchor="ctr"/>
-          <a:lstStyle/>
-          <a:p>
-            <a:pPr algn="ctr"/>
-            <a:endParaRPr lang="en-US" dirty="0">
-              <a:solidFill>
-                <a:srgbClr val="DB5B5C"/>
-              </a:solidFill>
-            </a:endParaRPr>
-          </a:p>
-        </p:txBody>
-      </p:sp>
-      <mc:AlternateContent xmlns:mc="http://schemas.openxmlformats.org/markup-compatibility/2006">
-        <mc:Choice xmlns:a14="http://schemas.microsoft.com/office/drawing/2010/main" Requires="a14">
-          <p:sp>
-            <p:nvSpPr>
-              <p:cNvPr id="10" name="TextBox 9">
-                <a:extLst>
-                  <a:ext uri="{FF2B5EF4-FFF2-40B4-BE49-F238E27FC236}">
-                    <a16:creationId xmlns:a16="http://schemas.microsoft.com/office/drawing/2014/main" id="{8A07C2CC-416F-4D29-84CF-D1F8B766EE5F}"/>
-                  </a:ext>
-                </a:extLst>
-              </p:cNvPr>
-              <p:cNvSpPr txBox="1"/>
-              <p:nvPr/>
-            </p:nvSpPr>
-            <p:spPr>
-              <a:xfrm>
-                <a:off x="3080082" y="1520792"/>
-                <a:ext cx="8522109" cy="6156494"/>
-              </a:xfrm>
-              <a:prstGeom prst="rect">
-                <a:avLst/>
-              </a:prstGeom>
-              <a:noFill/>
-            </p:spPr>
-            <p:txBody>
-              <a:bodyPr wrap="square" rtlCol="0">
-                <a:spAutoFit/>
-              </a:bodyPr>
-              <a:lstStyle/>
-              <a:p>
-                <a:pPr marL="342900" indent="-342900">
-                  <a:buFont typeface="Arial" panose="020B0604020202020204" pitchFamily="34" charset="0"/>
-                  <a:buChar char="•"/>
-                </a:pPr>
-                <a:r>
-                  <a:rPr lang="en-US" sz="2400" dirty="0">
-                    <a:solidFill>
-                      <a:schemeClr val="bg1"/>
-                    </a:solidFill>
-                    <a:latin typeface="Selawik Semibold" panose="020B0702040204020203" pitchFamily="34" charset="0"/>
-                  </a:rPr>
-                  <a:t>Simulating Runs from Team Full of </a:t>
-                </a:r>
-                <a:r>
-                  <a:rPr lang="en-US" sz="2400" dirty="0" err="1">
-                    <a:solidFill>
-                      <a:schemeClr val="bg1"/>
-                    </a:solidFill>
-                    <a:latin typeface="Selawik Semibold" panose="020B0702040204020203" pitchFamily="34" charset="0"/>
-                  </a:rPr>
-                  <a:t>Ichiros</a:t>
-                </a:r>
-                <a:endParaRPr lang="en-US" sz="2400" dirty="0">
-                  <a:solidFill>
-                    <a:schemeClr val="bg1"/>
-                  </a:solidFill>
-                  <a:latin typeface="Selawik Semibold" panose="020B0702040204020203" pitchFamily="34" charset="0"/>
-                </a:endParaRPr>
-              </a:p>
-              <a:p>
-                <a:pPr marL="800100" lvl="1" indent="-342900">
-                  <a:buFont typeface="Arial" panose="020B0604020202020204" pitchFamily="34" charset="0"/>
-                  <a:buChar char="•"/>
-                </a:pPr>
-                <a:r>
-                  <a:rPr lang="en-US" sz="2000" dirty="0">
-                    <a:solidFill>
-                      <a:schemeClr val="bg1"/>
-                    </a:solidFill>
-                    <a:latin typeface="Selawik Semibold" panose="020B0702040204020203" pitchFamily="34" charset="0"/>
-                  </a:rPr>
-                  <a:t>Probabilities of Special Cases</a:t>
-                </a:r>
-              </a:p>
-              <a:p>
-                <a:pPr marL="1257300" lvl="2" indent="-342900">
-                  <a:buFont typeface="Arial" panose="020B0604020202020204" pitchFamily="34" charset="0"/>
-                  <a:buChar char="•"/>
-                </a:pPr>
-                <a:r>
-                  <a:rPr lang="en-US" dirty="0">
-                    <a:solidFill>
-                      <a:schemeClr val="bg1"/>
-                    </a:solidFill>
-                    <a:latin typeface="Selawik Semibold" panose="020B0702040204020203" pitchFamily="34" charset="0"/>
-                  </a:rPr>
-                  <a:t>30% of Singles are Long Singles</a:t>
-                </a:r>
-              </a:p>
-              <a:p>
-                <a:pPr marL="1257300" lvl="2" indent="-342900">
-                  <a:buFont typeface="Arial" panose="020B0604020202020204" pitchFamily="34" charset="0"/>
-                  <a:buChar char="•"/>
-                </a:pPr>
-                <a:r>
-                  <a:rPr lang="en-US" dirty="0">
-                    <a:solidFill>
-                      <a:schemeClr val="bg1"/>
-                    </a:solidFill>
-                    <a:latin typeface="Selawik Semibold" panose="020B0702040204020203" pitchFamily="34" charset="0"/>
-                  </a:rPr>
-                  <a:t>50% of Singles are Medium Singles</a:t>
-                </a:r>
-              </a:p>
-              <a:p>
-                <a:pPr marL="1257300" lvl="2" indent="-342900">
-                  <a:buFont typeface="Arial" panose="020B0604020202020204" pitchFamily="34" charset="0"/>
-                  <a:buChar char="•"/>
-                </a:pPr>
-                <a:r>
-                  <a:rPr lang="en-US" dirty="0">
-                    <a:solidFill>
-                      <a:schemeClr val="bg1"/>
-                    </a:solidFill>
-                    <a:latin typeface="Selawik Semibold" panose="020B0702040204020203" pitchFamily="34" charset="0"/>
-                  </a:rPr>
-                  <a:t>20% of Singles are Short Singles</a:t>
-                </a:r>
-              </a:p>
-              <a:p>
-                <a:pPr marL="1257300" lvl="2" indent="-342900">
-                  <a:buFont typeface="Arial" panose="020B0604020202020204" pitchFamily="34" charset="0"/>
-                  <a:buChar char="•"/>
-                </a:pPr>
-                <a:r>
-                  <a:rPr lang="en-US" dirty="0">
-                    <a:solidFill>
-                      <a:schemeClr val="bg1"/>
-                    </a:solidFill>
-                    <a:latin typeface="Selawik Semibold" panose="020B0702040204020203" pitchFamily="34" charset="0"/>
-                  </a:rPr>
-                  <a:t>53.8% of Outs in Play are Ground Balls</a:t>
-                </a:r>
-              </a:p>
-              <a:p>
-                <a:pPr marL="1257300" lvl="2" indent="-342900">
-                  <a:buFont typeface="Arial" panose="020B0604020202020204" pitchFamily="34" charset="0"/>
-                  <a:buChar char="•"/>
-                </a:pPr>
-                <a:r>
-                  <a:rPr lang="en-US" dirty="0">
-                    <a:solidFill>
-                      <a:schemeClr val="bg1"/>
-                    </a:solidFill>
-                    <a:latin typeface="Selawik Semibold" panose="020B0702040204020203" pitchFamily="34" charset="0"/>
-                  </a:rPr>
-                  <a:t>15.3% of Outs in Play are Infield Flies</a:t>
-                </a:r>
-              </a:p>
-              <a:p>
-                <a:pPr marL="1257300" lvl="2" indent="-342900">
-                  <a:buFont typeface="Arial" panose="020B0604020202020204" pitchFamily="34" charset="0"/>
-                  <a:buChar char="•"/>
-                </a:pPr>
-                <a:r>
-                  <a:rPr lang="en-US" dirty="0">
-                    <a:solidFill>
-                      <a:schemeClr val="bg1"/>
-                    </a:solidFill>
-                    <a:latin typeface="Selawik Semibold" panose="020B0702040204020203" pitchFamily="34" charset="0"/>
-                  </a:rPr>
-                  <a:t>30.9% of Outs in Play are Fly Balls</a:t>
-                </a:r>
-              </a:p>
-              <a:p>
-                <a:pPr marL="1257300" lvl="2" indent="-342900">
-                  <a:buFont typeface="Arial" panose="020B0604020202020204" pitchFamily="34" charset="0"/>
-                  <a:buChar char="•"/>
-                </a:pPr>
-                <a:r>
-                  <a:rPr lang="en-US" dirty="0">
-                    <a:solidFill>
-                      <a:schemeClr val="bg1"/>
-                    </a:solidFill>
-                    <a:latin typeface="Selawik Semibold" panose="020B0702040204020203" pitchFamily="34" charset="0"/>
-                  </a:rPr>
-                  <a:t>Etc.</a:t>
-                </a:r>
-              </a:p>
-              <a:p>
-                <a:pPr marL="800100" lvl="1" indent="-342900">
-                  <a:buFont typeface="Arial" panose="020B0604020202020204" pitchFamily="34" charset="0"/>
-                  <a:buChar char="•"/>
-                </a:pPr>
-                <a:r>
-                  <a:rPr lang="en-US" sz="2000" dirty="0">
-                    <a:solidFill>
-                      <a:schemeClr val="bg1"/>
-                    </a:solidFill>
-                    <a:latin typeface="Selawik Semibold" panose="020B0702040204020203" pitchFamily="34" charset="0"/>
-                  </a:rPr>
-                  <a:t>Result of Simulation = Within 1% of True Actual Runs Per Game</a:t>
-                </a:r>
-              </a:p>
-              <a:p>
-                <a:pPr marL="800100" lvl="1" indent="-342900">
-                  <a:buFont typeface="Arial" panose="020B0604020202020204" pitchFamily="34" charset="0"/>
-                  <a:buChar char="•"/>
-                </a:pPr>
-                <a:r>
-                  <a:rPr lang="en-US" sz="2000" dirty="0">
-                    <a:solidFill>
-                      <a:schemeClr val="bg1"/>
-                    </a:solidFill>
-                    <a:latin typeface="Selawik Semibold" panose="020B0702040204020203" pitchFamily="34" charset="0"/>
-                  </a:rPr>
-                  <a:t>Specific to Ichiro</a:t>
-                </a:r>
-              </a:p>
-              <a:p>
-                <a:pPr marL="1257300" lvl="2" indent="-342900">
-                  <a:buFont typeface="Arial" panose="020B0604020202020204" pitchFamily="34" charset="0"/>
-                  <a:buChar char="•"/>
-                </a:pPr>
-                <a:r>
-                  <a:rPr lang="en-US" dirty="0">
-                    <a:solidFill>
-                      <a:schemeClr val="bg1"/>
-                    </a:solidFill>
-                    <a:latin typeface="Selawik Semibold" panose="020B0702040204020203" pitchFamily="34" charset="0"/>
-                  </a:rPr>
-                  <a:t>Random Number &lt; 0.295 = Single</a:t>
-                </a:r>
-              </a:p>
-              <a:p>
-                <a:pPr marL="1257300" lvl="2" indent="-342900">
-                  <a:buFont typeface="Arial" panose="020B0604020202020204" pitchFamily="34" charset="0"/>
-                  <a:buChar char="•"/>
-                </a:pPr>
-                <a:r>
-                  <a:rPr lang="en-US" dirty="0">
-                    <a:solidFill>
-                      <a:schemeClr val="bg1"/>
-                    </a:solidFill>
-                    <a:latin typeface="Selawik Semibold" panose="020B0702040204020203" pitchFamily="34" charset="0"/>
-                  </a:rPr>
-                  <a:t>Random Number &lt; 0.487 = Out</a:t>
-                </a:r>
-              </a:p>
-              <a:p>
-                <a:pPr marL="800100" lvl="1" indent="-342900">
-                  <a:buFont typeface="Arial" panose="020B0604020202020204" pitchFamily="34" charset="0"/>
-                  <a:buChar char="•"/>
-                </a:pPr>
-                <a:r>
-                  <a:rPr lang="en-US" sz="2000" dirty="0">
-                    <a:solidFill>
-                      <a:schemeClr val="bg1"/>
-                    </a:solidFill>
-                    <a:latin typeface="Selawik Semibold" panose="020B0702040204020203" pitchFamily="34" charset="0"/>
-                  </a:rPr>
-                  <a:t>Goal of Simulation </a:t>
-                </a:r>
-              </a:p>
-              <a:p>
-                <a:pPr marL="1257300" lvl="2" indent="-342900">
-                  <a:buFont typeface="Arial" panose="020B0604020202020204" pitchFamily="34" charset="0"/>
-                  <a:buChar char="•"/>
-                </a:pPr>
-                <a:r>
-                  <a:rPr lang="en-US" dirty="0">
-                    <a:solidFill>
-                      <a:schemeClr val="bg1"/>
-                    </a:solidFill>
-                    <a:latin typeface="Selawik Semibold" panose="020B0702040204020203" pitchFamily="34" charset="0"/>
-                  </a:rPr>
-                  <a:t>Estimate # of Runs for Thousands of Innings</a:t>
-                </a:r>
-              </a:p>
-              <a:p>
-                <a:pPr marL="1257300" lvl="2" indent="-342900">
-                  <a:buFont typeface="Arial" panose="020B0604020202020204" pitchFamily="34" charset="0"/>
-                  <a:buChar char="•"/>
-                </a:pPr>
-                <a:r>
-                  <a:rPr lang="en-US" dirty="0">
-                    <a:solidFill>
-                      <a:schemeClr val="bg1"/>
-                    </a:solidFill>
-                    <a:latin typeface="Selawik Semibold" panose="020B0702040204020203" pitchFamily="34" charset="0"/>
-                  </a:rPr>
-                  <a:t>Average Across All Innings</a:t>
-                </a:r>
-              </a:p>
-              <a:p>
-                <a:pPr marL="1257300" lvl="2" indent="-342900">
-                  <a:buFont typeface="Arial" panose="020B0604020202020204" pitchFamily="34" charset="0"/>
-                  <a:buChar char="•"/>
-                </a:pPr>
-                <a:r>
-                  <a:rPr lang="en-US" dirty="0">
-                    <a:solidFill>
-                      <a:schemeClr val="bg1"/>
-                    </a:solidFill>
-                    <a:latin typeface="Selawik Semibold" panose="020B0702040204020203" pitchFamily="34" charset="0"/>
-                  </a:rPr>
-                  <a:t>Multiply by </a:t>
-                </a:r>
-                <a14:m>
-                  <m:oMath xmlns:m="http://schemas.openxmlformats.org/officeDocument/2006/math">
-                    <m:f>
-                      <m:fPr>
-                        <m:ctrlPr>
-                          <a:rPr lang="en-US" sz="2400" b="0" i="1" smtClean="0">
-                            <a:solidFill>
-                              <a:schemeClr val="bg1"/>
-                            </a:solidFill>
-                            <a:latin typeface="Cambria Math" panose="02040503050406030204" pitchFamily="18" charset="0"/>
-                          </a:rPr>
-                        </m:ctrlPr>
-                      </m:fPr>
-                      <m:num>
-                        <m:r>
-                          <a:rPr lang="en-US" sz="2400" b="0" i="1" smtClean="0">
-                            <a:solidFill>
-                              <a:schemeClr val="bg1"/>
-                            </a:solidFill>
-                            <a:latin typeface="Cambria Math" panose="02040503050406030204" pitchFamily="18" charset="0"/>
-                          </a:rPr>
-                          <m:t>26.72</m:t>
-                        </m:r>
-                      </m:num>
-                      <m:den>
-                        <m:r>
-                          <a:rPr lang="en-US" sz="2400" b="0" i="1" smtClean="0">
-                            <a:solidFill>
-                              <a:schemeClr val="bg1"/>
-                            </a:solidFill>
-                            <a:latin typeface="Cambria Math" panose="02040503050406030204" pitchFamily="18" charset="0"/>
-                          </a:rPr>
-                          <m:t>3</m:t>
-                        </m:r>
-                      </m:den>
-                    </m:f>
-                    <m:r>
-                      <a:rPr lang="en-US" sz="2400" b="0" i="1" smtClean="0">
-                        <a:solidFill>
-                          <a:schemeClr val="bg1"/>
-                        </a:solidFill>
-                        <a:latin typeface="Cambria Math" panose="02040503050406030204" pitchFamily="18" charset="0"/>
-                        <a:ea typeface="Cambria Math" panose="02040503050406030204" pitchFamily="18" charset="0"/>
-                      </a:rPr>
-                      <m:t>≈9</m:t>
-                    </m:r>
-                  </m:oMath>
-                </a14:m>
-                <a:r>
-                  <a:rPr lang="en-US" dirty="0">
-                    <a:solidFill>
-                      <a:schemeClr val="bg1"/>
-                    </a:solidFill>
-                    <a:latin typeface="Selawik Semibold" panose="020B0702040204020203" pitchFamily="34" charset="0"/>
-                  </a:rPr>
-                  <a:t> to estimate RC/G</a:t>
-                </a:r>
-              </a:p>
-              <a:p>
-                <a:pPr marL="1257300" lvl="2" indent="-342900">
-                  <a:buFont typeface="Arial" panose="020B0604020202020204" pitchFamily="34" charset="0"/>
-                  <a:buChar char="•"/>
-                </a:pPr>
-                <a:endParaRPr lang="en-US" sz="2000" dirty="0">
-                  <a:solidFill>
-                    <a:schemeClr val="bg1"/>
-                  </a:solidFill>
-                  <a:latin typeface="Selawik Semibold" panose="020B0702040204020203" pitchFamily="34" charset="0"/>
-                </a:endParaRPr>
-              </a:p>
-              <a:p>
-                <a:pPr marL="1257300" lvl="2" indent="-342900">
-                  <a:buFont typeface="Arial" panose="020B0604020202020204" pitchFamily="34" charset="0"/>
-                  <a:buChar char="•"/>
-                </a:pPr>
-                <a:endParaRPr lang="en-US" dirty="0">
-                  <a:solidFill>
-                    <a:schemeClr val="bg1"/>
-                  </a:solidFill>
-                  <a:latin typeface="Selawik Semibold" panose="020B0702040204020203" pitchFamily="34" charset="0"/>
-                </a:endParaRPr>
-              </a:p>
-              <a:p>
-                <a:pPr marL="800100" lvl="1" indent="-342900">
-                  <a:buFont typeface="Arial" panose="020B0604020202020204" pitchFamily="34" charset="0"/>
-                  <a:buChar char="•"/>
-                </a:pPr>
-                <a:endParaRPr lang="en-US" sz="2000" dirty="0">
-                  <a:solidFill>
-                    <a:schemeClr val="bg1"/>
-                  </a:solidFill>
-                  <a:latin typeface="Selawik Semibold" panose="020B0702040204020203" pitchFamily="34" charset="0"/>
-                </a:endParaRPr>
-              </a:p>
-            </p:txBody>
-          </p:sp>
-        </mc:Choice>
-        <mc:Fallback>
-          <p:sp>
-            <p:nvSpPr>
-              <p:cNvPr id="10" name="TextBox 9">
-                <a:extLst>
-                  <a:ext uri="{FF2B5EF4-FFF2-40B4-BE49-F238E27FC236}">
-                    <a16:creationId xmlns:a16="http://schemas.microsoft.com/office/drawing/2014/main" id="{8A07C2CC-416F-4D29-84CF-D1F8B766EE5F}"/>
-                  </a:ext>
-                </a:extLst>
-              </p:cNvPr>
-              <p:cNvSpPr txBox="1">
-                <a:spLocks noRot="1" noChangeAspect="1" noMove="1" noResize="1" noEditPoints="1" noAdjustHandles="1" noChangeArrowheads="1" noChangeShapeType="1" noTextEdit="1"/>
-              </p:cNvSpPr>
-              <p:nvPr/>
-            </p:nvSpPr>
-            <p:spPr>
-              <a:xfrm>
-                <a:off x="3080082" y="1520792"/>
-                <a:ext cx="8522109" cy="6156494"/>
-              </a:xfrm>
-              <a:prstGeom prst="rect">
-                <a:avLst/>
-              </a:prstGeom>
-              <a:blipFill>
-                <a:blip r:embed="rId4"/>
-                <a:stretch>
-                  <a:fillRect l="-930" t="-693"/>
-                </a:stretch>
-              </a:blipFill>
-            </p:spPr>
-            <p:txBody>
-              <a:bodyPr/>
-              <a:lstStyle/>
-              <a:p>
-                <a:r>
-                  <a:rPr lang="en-US">
-                    <a:noFill/>
-                  </a:rPr>
-                  <a:t> </a:t>
-                </a:r>
-              </a:p>
-            </p:txBody>
-          </p:sp>
-        </mc:Fallback>
-      </mc:AlternateContent>
-    </p:spTree>
-    <p:extLst>
-      <p:ext uri="{BB962C8B-B14F-4D97-AF65-F5344CB8AC3E}">
-        <p14:creationId xmlns:p14="http://schemas.microsoft.com/office/powerpoint/2010/main" val="1889631555"/>
-      </p:ext>
-    </p:extLst>
-  </p:cSld>
-  <p:clrMapOvr>
-    <a:masterClrMapping/>
-  </p:clrMapOvr>
-</p:sld>
-</file>
-
-<file path=ppt/slides/slide19.xml><?xml version="1.0" encoding="utf-8"?>
-<p:sld xmlns:a="http://schemas.openxmlformats.org/drawingml/2006/main" xmlns:r="http://schemas.openxmlformats.org/officeDocument/2006/relationships" xmlns:p="http://schemas.openxmlformats.org/presentationml/2006/main">
-  <p:cSld>
-    <p:bg>
-      <p:bgPr>
-        <a:solidFill>
-          <a:schemeClr val="bg1"/>
-        </a:solidFill>
-        <a:effectLst/>
-      </p:bgPr>
-    </p:bg>
-    <p:spTree>
-      <p:nvGrpSpPr>
-        <p:cNvPr id="1" name=""/>
-        <p:cNvGrpSpPr/>
-        <p:nvPr/>
-      </p:nvGrpSpPr>
-      <p:grpSpPr>
-        <a:xfrm>
-          <a:off x="0" y="0"/>
-          <a:ext cx="0" cy="0"/>
-          <a:chOff x="0" y="0"/>
-          <a:chExt cx="0" cy="0"/>
-        </a:xfrm>
-      </p:grpSpPr>
-      <p:sp>
-        <p:nvSpPr>
-          <p:cNvPr id="17" name="Rectangle 16">
-            <a:extLst>
-              <a:ext uri="{FF2B5EF4-FFF2-40B4-BE49-F238E27FC236}">
-                <a16:creationId xmlns:a16="http://schemas.microsoft.com/office/drawing/2014/main" id="{0A8FE870-A334-4DE1-84A7-AB191ED10D63}"/>
-              </a:ext>
-            </a:extLst>
-          </p:cNvPr>
-          <p:cNvSpPr/>
-          <p:nvPr/>
-        </p:nvSpPr>
-        <p:spPr>
-          <a:xfrm>
-            <a:off x="0" y="-52157"/>
-            <a:ext cx="12192000" cy="6910157"/>
-          </a:xfrm>
-          <a:prstGeom prst="rect">
-            <a:avLst/>
-          </a:prstGeom>
-          <a:solidFill>
-            <a:srgbClr val="395583"/>
-          </a:solidFill>
-        </p:spPr>
-        <p:style>
-          <a:lnRef idx="2">
-            <a:schemeClr val="accent1">
-              <a:shade val="50000"/>
-            </a:schemeClr>
-          </a:lnRef>
-          <a:fillRef idx="1">
-            <a:schemeClr val="accent1"/>
-          </a:fillRef>
-          <a:effectRef idx="0">
-            <a:schemeClr val="accent1"/>
-          </a:effectRef>
-          <a:fontRef idx="minor">
-            <a:schemeClr val="lt1"/>
-          </a:fontRef>
-        </p:style>
-        <p:txBody>
-          <a:bodyPr rtlCol="0" anchor="ctr"/>
-          <a:lstStyle/>
-          <a:p>
-            <a:pPr algn="ctr"/>
-            <a:endParaRPr lang="en-US"/>
-          </a:p>
-        </p:txBody>
-      </p:sp>
-      <p:pic>
-        <p:nvPicPr>
-          <p:cNvPr id="8" name="Picture 7" descr="A close up of a toy&#10;&#10;Description automatically generated">
-            <a:extLst>
-              <a:ext uri="{FF2B5EF4-FFF2-40B4-BE49-F238E27FC236}">
-                <a16:creationId xmlns:a16="http://schemas.microsoft.com/office/drawing/2014/main" id="{131D5527-B848-4F84-9601-62DB93565332}"/>
-              </a:ext>
-            </a:extLst>
-          </p:cNvPr>
-          <p:cNvPicPr>
-            <a:picLocks noChangeAspect="1"/>
-          </p:cNvPicPr>
-          <p:nvPr/>
-        </p:nvPicPr>
-        <p:blipFill rotWithShape="1">
-          <a:blip r:embed="rId2">
-            <a:extLst>
-              <a:ext uri="{28A0092B-C50C-407E-A947-70E740481C1C}">
-                <a14:useLocalDpi xmlns:a14="http://schemas.microsoft.com/office/drawing/2010/main" val="0"/>
-              </a:ext>
-            </a:extLst>
-          </a:blip>
-          <a:srcRect l="6238" r="10796"/>
-          <a:stretch/>
-        </p:blipFill>
-        <p:spPr>
-          <a:xfrm>
-            <a:off x="0" y="-52157"/>
-            <a:ext cx="2684015" cy="3969421"/>
-          </a:xfrm>
-          <a:prstGeom prst="rect">
-            <a:avLst/>
-          </a:prstGeom>
-        </p:spPr>
-      </p:pic>
-      <p:sp>
-        <p:nvSpPr>
-          <p:cNvPr id="33" name="Rectangle 32">
-            <a:extLst>
-              <a:ext uri="{FF2B5EF4-FFF2-40B4-BE49-F238E27FC236}">
-                <a16:creationId xmlns:a16="http://schemas.microsoft.com/office/drawing/2014/main" id="{6F93929A-DE1C-47C4-AF97-F99DB104E96F}"/>
-              </a:ext>
-            </a:extLst>
-          </p:cNvPr>
-          <p:cNvSpPr/>
-          <p:nvPr/>
-        </p:nvSpPr>
-        <p:spPr>
-          <a:xfrm rot="16200000">
-            <a:off x="782431" y="1849427"/>
-            <a:ext cx="3969421" cy="166254"/>
-          </a:xfrm>
-          <a:prstGeom prst="rect">
-            <a:avLst/>
-          </a:prstGeom>
-          <a:solidFill>
-            <a:schemeClr val="tx1"/>
-          </a:solidFill>
-          <a:ln>
-            <a:noFill/>
-          </a:ln>
-        </p:spPr>
-        <p:style>
-          <a:lnRef idx="2">
-            <a:schemeClr val="accent1">
-              <a:shade val="50000"/>
-            </a:schemeClr>
-          </a:lnRef>
-          <a:fillRef idx="1">
-            <a:schemeClr val="accent1"/>
-          </a:fillRef>
-          <a:effectRef idx="0">
-            <a:schemeClr val="accent1"/>
-          </a:effectRef>
-          <a:fontRef idx="minor">
-            <a:schemeClr val="lt1"/>
-          </a:fontRef>
-        </p:style>
-        <p:txBody>
-          <a:bodyPr rtlCol="0" anchor="ctr"/>
-          <a:lstStyle/>
-          <a:p>
-            <a:pPr algn="ctr"/>
-            <a:endParaRPr lang="en-US" dirty="0">
-              <a:solidFill>
-                <a:srgbClr val="DB5B5C"/>
-              </a:solidFill>
-            </a:endParaRPr>
-          </a:p>
-        </p:txBody>
-      </p:sp>
-      <p:sp>
-        <p:nvSpPr>
-          <p:cNvPr id="35" name="Rectangle 34">
-            <a:extLst>
-              <a:ext uri="{FF2B5EF4-FFF2-40B4-BE49-F238E27FC236}">
-                <a16:creationId xmlns:a16="http://schemas.microsoft.com/office/drawing/2014/main" id="{259A39E4-556F-4581-82A2-C6B68A8147A4}"/>
-              </a:ext>
-            </a:extLst>
-          </p:cNvPr>
-          <p:cNvSpPr/>
-          <p:nvPr/>
-        </p:nvSpPr>
-        <p:spPr>
-          <a:xfrm rot="10800000">
-            <a:off x="-2" y="3756674"/>
-            <a:ext cx="2850269" cy="3101326"/>
-          </a:xfrm>
-          <a:prstGeom prst="rect">
-            <a:avLst/>
-          </a:prstGeom>
-          <a:solidFill>
-            <a:schemeClr val="tx1"/>
-          </a:solidFill>
-          <a:ln>
-            <a:noFill/>
-          </a:ln>
-        </p:spPr>
-        <p:style>
-          <a:lnRef idx="2">
-            <a:schemeClr val="accent1">
-              <a:shade val="50000"/>
-            </a:schemeClr>
-          </a:lnRef>
-          <a:fillRef idx="1">
-            <a:schemeClr val="accent1"/>
-          </a:fillRef>
-          <a:effectRef idx="0">
-            <a:schemeClr val="accent1"/>
-          </a:effectRef>
-          <a:fontRef idx="minor">
-            <a:schemeClr val="lt1"/>
-          </a:fontRef>
-        </p:style>
-        <p:txBody>
-          <a:bodyPr rtlCol="0" anchor="ctr"/>
-          <a:lstStyle/>
-          <a:p>
-            <a:pPr algn="ctr"/>
-            <a:endParaRPr lang="en-US" dirty="0">
-              <a:solidFill>
-                <a:srgbClr val="DB5B5C"/>
-              </a:solidFill>
-            </a:endParaRPr>
-          </a:p>
-        </p:txBody>
-      </p:sp>
-      <p:sp>
-        <p:nvSpPr>
-          <p:cNvPr id="23" name="Subtitle 22">
-            <a:extLst>
-              <a:ext uri="{FF2B5EF4-FFF2-40B4-BE49-F238E27FC236}">
-                <a16:creationId xmlns:a16="http://schemas.microsoft.com/office/drawing/2014/main" id="{1E5D6413-9C6F-483D-BE52-F3BBB1E74630}"/>
-              </a:ext>
-            </a:extLst>
-          </p:cNvPr>
-          <p:cNvSpPr>
-            <a:spLocks noGrp="1"/>
-          </p:cNvSpPr>
-          <p:nvPr>
-            <p:ph type="subTitle" idx="1"/>
-          </p:nvPr>
-        </p:nvSpPr>
-        <p:spPr>
-          <a:xfrm>
-            <a:off x="3007491" y="137620"/>
-            <a:ext cx="9341732" cy="1684867"/>
-          </a:xfrm>
-        </p:spPr>
-        <p:txBody>
-          <a:bodyPr>
-            <a:normAutofit/>
-          </a:bodyPr>
-          <a:lstStyle/>
-          <a:p>
-            <a:pPr algn="l"/>
-            <a:r>
-              <a:rPr lang="en-US" sz="4400" dirty="0">
-                <a:solidFill>
-                  <a:schemeClr val="bg1"/>
-                </a:solidFill>
-                <a:latin typeface="Selawik Semibold" panose="020B0702040204020203" pitchFamily="34" charset="0"/>
-              </a:rPr>
-              <a:t>Monte Carlo Simulation</a:t>
-            </a:r>
-          </a:p>
-        </p:txBody>
-      </p:sp>
-      <p:pic>
-        <p:nvPicPr>
-          <p:cNvPr id="16" name="Picture 15" descr="A close up of a toy&#10;&#10;Description automatically generated">
-            <a:extLst>
-              <a:ext uri="{FF2B5EF4-FFF2-40B4-BE49-F238E27FC236}">
-                <a16:creationId xmlns:a16="http://schemas.microsoft.com/office/drawing/2014/main" id="{94C75949-F15C-4E05-810D-EF40FCE89107}"/>
-              </a:ext>
-            </a:extLst>
-          </p:cNvPr>
-          <p:cNvPicPr>
-            <a:picLocks noChangeAspect="1"/>
-          </p:cNvPicPr>
-          <p:nvPr/>
-        </p:nvPicPr>
-        <p:blipFill>
-          <a:blip r:embed="rId3">
-            <a:extLst>
-              <a:ext uri="{28A0092B-C50C-407E-A947-70E740481C1C}">
-                <a14:useLocalDpi xmlns:a14="http://schemas.microsoft.com/office/drawing/2010/main" val="0"/>
-              </a:ext>
-            </a:extLst>
-          </a:blip>
-          <a:stretch>
-            <a:fillRect/>
-          </a:stretch>
-        </p:blipFill>
-        <p:spPr>
-          <a:xfrm>
-            <a:off x="417789" y="4380288"/>
-            <a:ext cx="2014687" cy="2014687"/>
-          </a:xfrm>
-          <a:prstGeom prst="ellipse">
-            <a:avLst/>
-          </a:prstGeom>
-          <a:ln w="63500" cap="rnd">
-            <a:solidFill>
-              <a:srgbClr val="333333"/>
-            </a:solidFill>
-          </a:ln>
-          <a:effectLst>
-            <a:outerShdw blurRad="381000" dist="292100" dir="5400000" sx="-80000" sy="-18000" rotWithShape="0">
-              <a:srgbClr val="000000">
-                <a:alpha val="22000"/>
-              </a:srgbClr>
-            </a:outerShdw>
-          </a:effectLst>
-          <a:scene3d>
-            <a:camera prst="orthographicFront"/>
-            <a:lightRig rig="contrasting" dir="t">
-              <a:rot lat="0" lon="0" rev="3000000"/>
-            </a:lightRig>
-          </a:scene3d>
-          <a:sp3d contourW="7620">
-            <a:bevelT w="95250" h="31750"/>
-            <a:contourClr>
-              <a:srgbClr val="333333"/>
-            </a:contourClr>
-          </a:sp3d>
-        </p:spPr>
-      </p:pic>
-      <p:sp>
-        <p:nvSpPr>
-          <p:cNvPr id="38" name="Rectangle 37">
-            <a:extLst>
-              <a:ext uri="{FF2B5EF4-FFF2-40B4-BE49-F238E27FC236}">
-                <a16:creationId xmlns:a16="http://schemas.microsoft.com/office/drawing/2014/main" id="{28B1909D-4141-4FB1-8633-83F335349C97}"/>
-              </a:ext>
-            </a:extLst>
-          </p:cNvPr>
-          <p:cNvSpPr/>
-          <p:nvPr/>
-        </p:nvSpPr>
-        <p:spPr>
-          <a:xfrm rot="10800000">
-            <a:off x="3007493" y="844062"/>
-            <a:ext cx="9027282" cy="137067"/>
-          </a:xfrm>
-          <a:prstGeom prst="rect">
-            <a:avLst/>
-          </a:prstGeom>
-          <a:solidFill>
-            <a:schemeClr val="tx1"/>
-          </a:solidFill>
-          <a:ln>
-            <a:noFill/>
-          </a:ln>
-        </p:spPr>
-        <p:style>
-          <a:lnRef idx="2">
-            <a:schemeClr val="accent1">
-              <a:shade val="50000"/>
-            </a:schemeClr>
-          </a:lnRef>
-          <a:fillRef idx="1">
-            <a:schemeClr val="accent1"/>
-          </a:fillRef>
-          <a:effectRef idx="0">
-            <a:schemeClr val="accent1"/>
-          </a:effectRef>
-          <a:fontRef idx="minor">
-            <a:schemeClr val="lt1"/>
-          </a:fontRef>
-        </p:style>
-        <p:txBody>
-          <a:bodyPr rtlCol="0" anchor="ctr"/>
-          <a:lstStyle/>
-          <a:p>
-            <a:pPr algn="ctr"/>
-            <a:endParaRPr lang="en-US" dirty="0">
-              <a:solidFill>
-                <a:srgbClr val="DB5B5C"/>
-              </a:solidFill>
-            </a:endParaRPr>
-          </a:p>
-        </p:txBody>
-      </p:sp>
-      <p:sp>
-        <p:nvSpPr>
-          <p:cNvPr id="10" name="TextBox 9">
-            <a:extLst>
-              <a:ext uri="{FF2B5EF4-FFF2-40B4-BE49-F238E27FC236}">
-                <a16:creationId xmlns:a16="http://schemas.microsoft.com/office/drawing/2014/main" id="{8A07C2CC-416F-4D29-84CF-D1F8B766EE5F}"/>
-              </a:ext>
-            </a:extLst>
-          </p:cNvPr>
-          <p:cNvSpPr txBox="1"/>
-          <p:nvPr/>
-        </p:nvSpPr>
-        <p:spPr>
-          <a:xfrm>
-            <a:off x="3080082" y="1520792"/>
-            <a:ext cx="8522109" cy="1354217"/>
-          </a:xfrm>
-          <a:prstGeom prst="rect">
-            <a:avLst/>
-          </a:prstGeom>
-          <a:noFill/>
-        </p:spPr>
-        <p:txBody>
-          <a:bodyPr wrap="square" rtlCol="0">
-            <a:spAutoFit/>
-          </a:bodyPr>
-          <a:lstStyle/>
-          <a:p>
-            <a:pPr marL="342900" indent="-342900">
-              <a:buFont typeface="Arial" panose="020B0604020202020204" pitchFamily="34" charset="0"/>
-              <a:buChar char="•"/>
-            </a:pPr>
-            <a:r>
-              <a:rPr lang="en-US" sz="2400" dirty="0">
-                <a:solidFill>
-                  <a:schemeClr val="bg1"/>
-                </a:solidFill>
-                <a:latin typeface="Selawik Semibold" panose="020B0702040204020203" pitchFamily="34" charset="0"/>
-              </a:rPr>
-              <a:t>Results Under Simulation</a:t>
-            </a:r>
-            <a:endParaRPr lang="en-US" dirty="0">
-              <a:solidFill>
-                <a:schemeClr val="bg1"/>
-              </a:solidFill>
-              <a:latin typeface="Selawik Semibold" panose="020B0702040204020203" pitchFamily="34" charset="0"/>
-            </a:endParaRPr>
-          </a:p>
-          <a:p>
-            <a:pPr marL="1257300" lvl="2" indent="-342900">
-              <a:buFont typeface="Arial" panose="020B0604020202020204" pitchFamily="34" charset="0"/>
-              <a:buChar char="•"/>
-            </a:pPr>
-            <a:endParaRPr lang="en-US" sz="2000" dirty="0">
-              <a:solidFill>
-                <a:schemeClr val="bg1"/>
-              </a:solidFill>
-              <a:latin typeface="Selawik Semibold" panose="020B0702040204020203" pitchFamily="34" charset="0"/>
-            </a:endParaRPr>
-          </a:p>
-          <a:p>
-            <a:pPr marL="1257300" lvl="2" indent="-342900">
-              <a:buFont typeface="Arial" panose="020B0604020202020204" pitchFamily="34" charset="0"/>
-              <a:buChar char="•"/>
-            </a:pPr>
-            <a:endParaRPr lang="en-US" dirty="0">
-              <a:solidFill>
-                <a:schemeClr val="bg1"/>
-              </a:solidFill>
-              <a:latin typeface="Selawik Semibold" panose="020B0702040204020203" pitchFamily="34" charset="0"/>
-            </a:endParaRPr>
-          </a:p>
-          <a:p>
-            <a:pPr marL="800100" lvl="1" indent="-342900">
-              <a:buFont typeface="Arial" panose="020B0604020202020204" pitchFamily="34" charset="0"/>
-              <a:buChar char="•"/>
-            </a:pPr>
-            <a:endParaRPr lang="en-US" sz="2000" dirty="0">
-              <a:solidFill>
-                <a:schemeClr val="bg1"/>
-              </a:solidFill>
-              <a:latin typeface="Selawik Semibold" panose="020B0702040204020203" pitchFamily="34" charset="0"/>
-            </a:endParaRPr>
-          </a:p>
-        </p:txBody>
-      </p:sp>
-      <p:graphicFrame>
-        <p:nvGraphicFramePr>
-          <p:cNvPr id="11" name="Table 3">
-            <a:extLst>
-              <a:ext uri="{FF2B5EF4-FFF2-40B4-BE49-F238E27FC236}">
-                <a16:creationId xmlns:a16="http://schemas.microsoft.com/office/drawing/2014/main" id="{F43DC29C-AECF-4E3D-8287-38F389FB4DD1}"/>
-              </a:ext>
-            </a:extLst>
-          </p:cNvPr>
-          <p:cNvGraphicFramePr>
-            <a:graphicFrameLocks noGrp="1"/>
-          </p:cNvGraphicFramePr>
-          <p:nvPr>
-            <p:extLst>
-              <p:ext uri="{D42A27DB-BD31-4B8C-83A1-F6EECF244321}">
-                <p14:modId xmlns:p14="http://schemas.microsoft.com/office/powerpoint/2010/main" val="1601068105"/>
-              </p:ext>
-            </p:extLst>
-          </p:nvPr>
-        </p:nvGraphicFramePr>
-        <p:xfrm>
-          <a:off x="3587854" y="2143858"/>
-          <a:ext cx="5395299" cy="2072640"/>
-        </p:xfrm>
-        <a:graphic>
-          <a:graphicData uri="http://schemas.openxmlformats.org/drawingml/2006/table">
-            <a:tbl>
-              <a:tblPr firstRow="1" bandRow="1">
-                <a:tableStyleId>{073A0DAA-6AF3-43AB-8588-CEC1D06C72B9}</a:tableStyleId>
-              </a:tblPr>
-              <a:tblGrid>
-                <a:gridCol w="1515161">
-                  <a:extLst>
-                    <a:ext uri="{9D8B030D-6E8A-4147-A177-3AD203B41FA5}">
-                      <a16:colId xmlns:a16="http://schemas.microsoft.com/office/drawing/2014/main" val="2835210186"/>
-                    </a:ext>
-                  </a:extLst>
-                </a:gridCol>
-                <a:gridCol w="1940069">
-                  <a:extLst>
-                    <a:ext uri="{9D8B030D-6E8A-4147-A177-3AD203B41FA5}">
-                      <a16:colId xmlns:a16="http://schemas.microsoft.com/office/drawing/2014/main" val="4130495014"/>
-                    </a:ext>
-                  </a:extLst>
-                </a:gridCol>
-                <a:gridCol w="1940069">
-                  <a:extLst>
-                    <a:ext uri="{9D8B030D-6E8A-4147-A177-3AD203B41FA5}">
-                      <a16:colId xmlns:a16="http://schemas.microsoft.com/office/drawing/2014/main" val="1150487233"/>
-                    </a:ext>
-                  </a:extLst>
-                </a:gridCol>
-              </a:tblGrid>
-              <a:tr h="370840">
-                <a:tc>
-                  <a:txBody>
-                    <a:bodyPr/>
-                    <a:lstStyle/>
-                    <a:p>
-                      <a:pPr algn="ctr"/>
-                      <a:r>
-                        <a:rPr lang="en-US" sz="2800" dirty="0"/>
-                        <a:t>Player</a:t>
-                      </a:r>
-                    </a:p>
-                  </a:txBody>
-                  <a:tcPr anchor="ctr"/>
-                </a:tc>
-                <a:tc>
-                  <a:txBody>
-                    <a:bodyPr/>
-                    <a:lstStyle/>
-                    <a:p>
-                      <a:pPr algn="ctr"/>
-                      <a:r>
-                        <a:rPr lang="en-US" sz="2800" dirty="0"/>
-                        <a:t>Year</a:t>
-                      </a:r>
-                    </a:p>
-                  </a:txBody>
-                  <a:tcPr anchor="ctr"/>
-                </a:tc>
-                <a:tc>
-                  <a:txBody>
-                    <a:bodyPr/>
-                    <a:lstStyle/>
-                    <a:p>
-                      <a:pPr algn="ctr"/>
-                      <a:r>
-                        <a:rPr lang="en-US" sz="2800" dirty="0"/>
-                        <a:t>RC/G</a:t>
-                      </a:r>
-                    </a:p>
-                  </a:txBody>
-                  <a:tcPr anchor="ctr"/>
-                </a:tc>
-                <a:extLst>
-                  <a:ext uri="{0D108BD9-81ED-4DB2-BD59-A6C34878D82A}">
-                    <a16:rowId xmlns:a16="http://schemas.microsoft.com/office/drawing/2014/main" val="3242976283"/>
-                  </a:ext>
-                </a:extLst>
-              </a:tr>
-              <a:tr h="370840">
-                <a:tc>
-                  <a:txBody>
-                    <a:bodyPr/>
-                    <a:lstStyle/>
-                    <a:p>
-                      <a:pPr algn="ctr"/>
-                      <a:r>
-                        <a:rPr lang="en-US" sz="2800" dirty="0"/>
-                        <a:t>Ichiro</a:t>
-                      </a:r>
-                    </a:p>
-                  </a:txBody>
-                  <a:tcPr anchor="ctr"/>
-                </a:tc>
-                <a:tc>
-                  <a:txBody>
-                    <a:bodyPr/>
-                    <a:lstStyle/>
-                    <a:p>
-                      <a:pPr algn="ctr"/>
-                      <a:r>
-                        <a:rPr lang="en-US" sz="2800" dirty="0"/>
-                        <a:t>2004</a:t>
-                      </a:r>
-                    </a:p>
-                  </a:txBody>
-                  <a:tcPr anchor="ctr"/>
-                </a:tc>
-                <a:tc>
-                  <a:txBody>
-                    <a:bodyPr/>
-                    <a:lstStyle/>
-                    <a:p>
-                      <a:pPr algn="ctr"/>
-                      <a:r>
-                        <a:rPr lang="en-US" sz="2800" dirty="0"/>
-                        <a:t>6.92</a:t>
-                      </a:r>
-                    </a:p>
-                  </a:txBody>
-                  <a:tcPr anchor="ctr"/>
-                </a:tc>
-                <a:extLst>
-                  <a:ext uri="{0D108BD9-81ED-4DB2-BD59-A6C34878D82A}">
-                    <a16:rowId xmlns:a16="http://schemas.microsoft.com/office/drawing/2014/main" val="3435646284"/>
-                  </a:ext>
-                </a:extLst>
-              </a:tr>
-              <a:tr h="370840">
-                <a:tc>
-                  <a:txBody>
-                    <a:bodyPr/>
-                    <a:lstStyle/>
-                    <a:p>
-                      <a:pPr algn="ctr"/>
-                      <a:r>
-                        <a:rPr lang="en-US" sz="2800" dirty="0" err="1"/>
-                        <a:t>Nomar</a:t>
-                      </a:r>
-                      <a:endParaRPr lang="en-US" sz="2800" dirty="0"/>
-                    </a:p>
-                  </a:txBody>
-                  <a:tcPr anchor="ctr"/>
-                </a:tc>
-                <a:tc>
-                  <a:txBody>
-                    <a:bodyPr/>
-                    <a:lstStyle/>
-                    <a:p>
-                      <a:pPr algn="ctr"/>
-                      <a:r>
-                        <a:rPr lang="en-US" sz="2800" dirty="0"/>
-                        <a:t>1997</a:t>
-                      </a:r>
-                    </a:p>
-                  </a:txBody>
-                  <a:tcPr anchor="ctr"/>
-                </a:tc>
-                <a:tc>
-                  <a:txBody>
-                    <a:bodyPr/>
-                    <a:lstStyle/>
-                    <a:p>
-                      <a:pPr algn="ctr"/>
-                      <a:r>
-                        <a:rPr lang="en-US" sz="2800" dirty="0"/>
-                        <a:t>5.91</a:t>
-                      </a:r>
-                    </a:p>
-                  </a:txBody>
-                  <a:tcPr anchor="ctr"/>
-                </a:tc>
-                <a:extLst>
-                  <a:ext uri="{0D108BD9-81ED-4DB2-BD59-A6C34878D82A}">
-                    <a16:rowId xmlns:a16="http://schemas.microsoft.com/office/drawing/2014/main" val="3892039362"/>
-                  </a:ext>
-                </a:extLst>
-              </a:tr>
-              <a:tr h="370840">
-                <a:tc>
-                  <a:txBody>
-                    <a:bodyPr/>
-                    <a:lstStyle/>
-                    <a:p>
-                      <a:pPr algn="ctr"/>
-                      <a:r>
-                        <a:rPr lang="en-US" sz="2800" dirty="0"/>
-                        <a:t>Bonds</a:t>
-                      </a:r>
-                    </a:p>
-                  </a:txBody>
-                  <a:tcPr anchor="ctr"/>
-                </a:tc>
-                <a:tc>
-                  <a:txBody>
-                    <a:bodyPr/>
-                    <a:lstStyle/>
-                    <a:p>
-                      <a:pPr algn="ctr"/>
-                      <a:r>
-                        <a:rPr lang="en-US" sz="2800" dirty="0"/>
-                        <a:t>0.72</a:t>
-                      </a:r>
-                    </a:p>
-                  </a:txBody>
-                  <a:tcPr anchor="ctr"/>
-                </a:tc>
-                <a:tc>
-                  <a:txBody>
-                    <a:bodyPr/>
-                    <a:lstStyle/>
-                    <a:p>
-                      <a:pPr algn="ctr"/>
-                      <a:r>
-                        <a:rPr lang="en-US" sz="2800" dirty="0"/>
-                        <a:t>21.02</a:t>
-                      </a:r>
-                    </a:p>
-                  </a:txBody>
-                  <a:tcPr anchor="ctr"/>
-                </a:tc>
-                <a:extLst>
-                  <a:ext uri="{0D108BD9-81ED-4DB2-BD59-A6C34878D82A}">
-                    <a16:rowId xmlns:a16="http://schemas.microsoft.com/office/drawing/2014/main" val="2405592873"/>
-                  </a:ext>
-                </a:extLst>
-              </a:tr>
-            </a:tbl>
-          </a:graphicData>
-        </a:graphic>
-      </p:graphicFrame>
-      <p:sp>
-        <p:nvSpPr>
-          <p:cNvPr id="2" name="Oval 1">
-            <a:extLst>
-              <a:ext uri="{FF2B5EF4-FFF2-40B4-BE49-F238E27FC236}">
-                <a16:creationId xmlns:a16="http://schemas.microsoft.com/office/drawing/2014/main" id="{CE147101-A491-49A3-B0FB-45262C3F937C}"/>
-              </a:ext>
-            </a:extLst>
-          </p:cNvPr>
-          <p:cNvSpPr/>
-          <p:nvPr/>
-        </p:nvSpPr>
-        <p:spPr>
-          <a:xfrm>
-            <a:off x="7424261" y="3680171"/>
-            <a:ext cx="1175657" cy="605641"/>
-          </a:xfrm>
-          <a:prstGeom prst="ellipse">
-            <a:avLst/>
-          </a:prstGeom>
-          <a:noFill/>
-          <a:ln w="38100">
-            <a:solidFill>
-              <a:schemeClr val="tx1"/>
-            </a:solidFill>
-          </a:ln>
-        </p:spPr>
-        <p:style>
-          <a:lnRef idx="2">
-            <a:schemeClr val="accent1">
-              <a:shade val="50000"/>
-            </a:schemeClr>
-          </a:lnRef>
-          <a:fillRef idx="1">
-            <a:schemeClr val="accent1"/>
-          </a:fillRef>
-          <a:effectRef idx="0">
-            <a:schemeClr val="accent1"/>
-          </a:effectRef>
-          <a:fontRef idx="minor">
-            <a:schemeClr val="lt1"/>
-          </a:fontRef>
-        </p:style>
-        <p:txBody>
-          <a:bodyPr rtlCol="0" anchor="ctr"/>
-          <a:lstStyle/>
-          <a:p>
-            <a:pPr algn="ctr"/>
-            <a:endParaRPr lang="en-US"/>
-          </a:p>
-        </p:txBody>
-      </p:sp>
-      <p:cxnSp>
-        <p:nvCxnSpPr>
-          <p:cNvPr id="4" name="Straight Arrow Connector 3">
-            <a:extLst>
-              <a:ext uri="{FF2B5EF4-FFF2-40B4-BE49-F238E27FC236}">
-                <a16:creationId xmlns:a16="http://schemas.microsoft.com/office/drawing/2014/main" id="{AD6EFC9B-26AB-4DB3-A4B4-5385B0FB0879}"/>
-              </a:ext>
-            </a:extLst>
-          </p:cNvPr>
-          <p:cNvCxnSpPr>
-            <a:cxnSpLocks/>
-            <a:stCxn id="2" idx="4"/>
-          </p:cNvCxnSpPr>
-          <p:nvPr/>
-        </p:nvCxnSpPr>
-        <p:spPr>
-          <a:xfrm>
-            <a:off x="8012090" y="4285812"/>
-            <a:ext cx="0" cy="1051396"/>
-          </a:xfrm>
-          <a:prstGeom prst="straightConnector1">
-            <a:avLst/>
-          </a:prstGeom>
-          <a:ln w="57150">
-            <a:solidFill>
-              <a:schemeClr val="tx1"/>
-            </a:solidFill>
-            <a:tailEnd type="triangle"/>
-          </a:ln>
-        </p:spPr>
-        <p:style>
-          <a:lnRef idx="1">
-            <a:schemeClr val="accent1"/>
-          </a:lnRef>
-          <a:fillRef idx="0">
-            <a:schemeClr val="accent1"/>
-          </a:fillRef>
-          <a:effectRef idx="0">
-            <a:schemeClr val="accent1"/>
-          </a:effectRef>
-          <a:fontRef idx="minor">
-            <a:schemeClr val="tx1"/>
-          </a:fontRef>
-        </p:style>
-      </p:cxnSp>
-      <p:sp>
-        <p:nvSpPr>
-          <p:cNvPr id="14" name="TextBox 13">
-            <a:extLst>
-              <a:ext uri="{FF2B5EF4-FFF2-40B4-BE49-F238E27FC236}">
-                <a16:creationId xmlns:a16="http://schemas.microsoft.com/office/drawing/2014/main" id="{29BBACC5-EB37-46B7-BB84-EF500ABB1EAA}"/>
-              </a:ext>
-            </a:extLst>
-          </p:cNvPr>
-          <p:cNvSpPr txBox="1"/>
-          <p:nvPr/>
-        </p:nvSpPr>
-        <p:spPr>
-          <a:xfrm>
-            <a:off x="3587854" y="5387631"/>
-            <a:ext cx="7114033" cy="1077218"/>
-          </a:xfrm>
-          <a:prstGeom prst="rect">
-            <a:avLst/>
-          </a:prstGeom>
-        </p:spPr>
-        <p:style>
-          <a:lnRef idx="2">
-            <a:schemeClr val="dk1">
-              <a:shade val="50000"/>
-            </a:schemeClr>
-          </a:lnRef>
-          <a:fillRef idx="1">
-            <a:schemeClr val="dk1"/>
-          </a:fillRef>
-          <a:effectRef idx="0">
-            <a:schemeClr val="dk1"/>
-          </a:effectRef>
-          <a:fontRef idx="minor">
-            <a:schemeClr val="lt1"/>
-          </a:fontRef>
-        </p:style>
-        <p:txBody>
-          <a:bodyPr wrap="square" rtlCol="0">
-            <a:spAutoFit/>
-          </a:bodyPr>
-          <a:lstStyle/>
-          <a:p>
-            <a:pPr algn="ctr"/>
-            <a:r>
-              <a:rPr lang="en-US" sz="3200" b="0" dirty="0">
-                <a:solidFill>
-                  <a:schemeClr val="bg1"/>
-                </a:solidFill>
-              </a:rPr>
-              <a:t>Problem: Unusual # of Intentional Walks</a:t>
-            </a:r>
-          </a:p>
-          <a:p>
-            <a:pPr algn="ctr"/>
-            <a:r>
-              <a:rPr lang="en-US" sz="3200" dirty="0">
-                <a:solidFill>
-                  <a:schemeClr val="bg1"/>
-                </a:solidFill>
-              </a:rPr>
-              <a:t>Eliminating Intentional Walks: 15.98 RC/G</a:t>
-            </a:r>
-            <a:endParaRPr lang="en-US" sz="3200" b="0" dirty="0">
-              <a:solidFill>
-                <a:schemeClr val="bg1"/>
-              </a:solidFill>
-            </a:endParaRPr>
-          </a:p>
-        </p:txBody>
-      </p:sp>
-    </p:spTree>
-    <p:extLst>
-      <p:ext uri="{BB962C8B-B14F-4D97-AF65-F5344CB8AC3E}">
-        <p14:creationId xmlns:p14="http://schemas.microsoft.com/office/powerpoint/2010/main" val="4134742878"/>
-      </p:ext>
-    </p:extLst>
-  </p:cSld>
-  <p:clrMapOvr>
-    <a:masterClrMapping/>
-  </p:clrMapOvr>
-</p:sld>
-</file>
-
-<file path=ppt/slides/slide2.xml><?xml version="1.0" encoding="utf-8"?>
-<p:sld xmlns:a="http://schemas.openxmlformats.org/drawingml/2006/main" xmlns:r="http://schemas.openxmlformats.org/officeDocument/2006/relationships" xmlns:p="http://schemas.openxmlformats.org/presentationml/2006/main">
-  <p:cSld>
-    <p:bg>
-      <p:bgPr>
-        <a:solidFill>
-          <a:schemeClr val="bg1"/>
-        </a:solidFill>
-        <a:effectLst/>
-      </p:bgPr>
-    </p:bg>
-    <p:spTree>
-      <p:nvGrpSpPr>
-        <p:cNvPr id="1" name=""/>
-        <p:cNvGrpSpPr/>
-        <p:nvPr/>
-      </p:nvGrpSpPr>
-      <p:grpSpPr>
-        <a:xfrm>
-          <a:off x="0" y="0"/>
-          <a:ext cx="0" cy="0"/>
-          <a:chOff x="0" y="0"/>
-          <a:chExt cx="0" cy="0"/>
-        </a:xfrm>
-      </p:grpSpPr>
-      <p:sp>
-        <p:nvSpPr>
-          <p:cNvPr id="17" name="Rectangle 16">
-            <a:extLst>
-              <a:ext uri="{FF2B5EF4-FFF2-40B4-BE49-F238E27FC236}">
-                <a16:creationId xmlns:a16="http://schemas.microsoft.com/office/drawing/2014/main" id="{0A8FE870-A334-4DE1-84A7-AB191ED10D63}"/>
-              </a:ext>
-            </a:extLst>
-          </p:cNvPr>
-          <p:cNvSpPr/>
-          <p:nvPr/>
-        </p:nvSpPr>
-        <p:spPr>
-          <a:xfrm>
-            <a:off x="0" y="-52157"/>
-            <a:ext cx="12192000" cy="6910157"/>
-          </a:xfrm>
-          <a:prstGeom prst="rect">
-            <a:avLst/>
-          </a:prstGeom>
-          <a:solidFill>
-            <a:srgbClr val="395583"/>
-          </a:solidFill>
-        </p:spPr>
-        <p:style>
-          <a:lnRef idx="2">
-            <a:schemeClr val="accent1">
-              <a:shade val="50000"/>
-            </a:schemeClr>
-          </a:lnRef>
-          <a:fillRef idx="1">
-            <a:schemeClr val="accent1"/>
-          </a:fillRef>
-          <a:effectRef idx="0">
-            <a:schemeClr val="accent1"/>
-          </a:effectRef>
-          <a:fontRef idx="minor">
-            <a:schemeClr val="lt1"/>
-          </a:fontRef>
-        </p:style>
-        <p:txBody>
-          <a:bodyPr rtlCol="0" anchor="ctr"/>
-          <a:lstStyle/>
-          <a:p>
-            <a:pPr algn="ctr"/>
-            <a:endParaRPr lang="en-US"/>
-          </a:p>
-        </p:txBody>
-      </p:sp>
-      <p:pic>
-        <p:nvPicPr>
-          <p:cNvPr id="8" name="Picture 7" descr="A close up of a toy&#10;&#10;Description automatically generated">
-            <a:extLst>
-              <a:ext uri="{FF2B5EF4-FFF2-40B4-BE49-F238E27FC236}">
-                <a16:creationId xmlns:a16="http://schemas.microsoft.com/office/drawing/2014/main" id="{131D5527-B848-4F84-9601-62DB93565332}"/>
-              </a:ext>
-            </a:extLst>
-          </p:cNvPr>
-          <p:cNvPicPr>
-            <a:picLocks noChangeAspect="1"/>
-          </p:cNvPicPr>
-          <p:nvPr/>
-        </p:nvPicPr>
-        <p:blipFill rotWithShape="1">
-          <a:blip r:embed="rId2">
-            <a:extLst>
-              <a:ext uri="{28A0092B-C50C-407E-A947-70E740481C1C}">
-                <a14:useLocalDpi xmlns:a14="http://schemas.microsoft.com/office/drawing/2010/main" val="0"/>
-              </a:ext>
-            </a:extLst>
-          </a:blip>
-          <a:srcRect l="6238" r="10796"/>
-          <a:stretch/>
-        </p:blipFill>
-        <p:spPr>
-          <a:xfrm>
-            <a:off x="0" y="-52157"/>
-            <a:ext cx="2684015" cy="3969421"/>
-          </a:xfrm>
-          <a:prstGeom prst="rect">
-            <a:avLst/>
-          </a:prstGeom>
-        </p:spPr>
-      </p:pic>
-      <p:sp>
-        <p:nvSpPr>
-          <p:cNvPr id="33" name="Rectangle 32">
-            <a:extLst>
-              <a:ext uri="{FF2B5EF4-FFF2-40B4-BE49-F238E27FC236}">
-                <a16:creationId xmlns:a16="http://schemas.microsoft.com/office/drawing/2014/main" id="{6F93929A-DE1C-47C4-AF97-F99DB104E96F}"/>
-              </a:ext>
-            </a:extLst>
-          </p:cNvPr>
-          <p:cNvSpPr/>
-          <p:nvPr/>
-        </p:nvSpPr>
-        <p:spPr>
-          <a:xfrm rot="16200000">
-            <a:off x="782431" y="1849427"/>
-            <a:ext cx="3969421" cy="166254"/>
-          </a:xfrm>
-          <a:prstGeom prst="rect">
-            <a:avLst/>
-          </a:prstGeom>
-          <a:solidFill>
-            <a:schemeClr val="tx1"/>
-          </a:solidFill>
-          <a:ln>
-            <a:noFill/>
-          </a:ln>
-        </p:spPr>
-        <p:style>
-          <a:lnRef idx="2">
-            <a:schemeClr val="accent1">
-              <a:shade val="50000"/>
-            </a:schemeClr>
-          </a:lnRef>
-          <a:fillRef idx="1">
-            <a:schemeClr val="accent1"/>
-          </a:fillRef>
-          <a:effectRef idx="0">
-            <a:schemeClr val="accent1"/>
-          </a:effectRef>
-          <a:fontRef idx="minor">
-            <a:schemeClr val="lt1"/>
-          </a:fontRef>
-        </p:style>
-        <p:txBody>
-          <a:bodyPr rtlCol="0" anchor="ctr"/>
-          <a:lstStyle/>
-          <a:p>
-            <a:pPr algn="ctr"/>
-            <a:endParaRPr lang="en-US" dirty="0">
-              <a:solidFill>
-                <a:srgbClr val="DB5B5C"/>
-              </a:solidFill>
-            </a:endParaRPr>
-          </a:p>
-        </p:txBody>
-      </p:sp>
-      <p:sp>
-        <p:nvSpPr>
-          <p:cNvPr id="35" name="Rectangle 34">
-            <a:extLst>
-              <a:ext uri="{FF2B5EF4-FFF2-40B4-BE49-F238E27FC236}">
-                <a16:creationId xmlns:a16="http://schemas.microsoft.com/office/drawing/2014/main" id="{259A39E4-556F-4581-82A2-C6B68A8147A4}"/>
-              </a:ext>
-            </a:extLst>
-          </p:cNvPr>
-          <p:cNvSpPr/>
-          <p:nvPr/>
-        </p:nvSpPr>
-        <p:spPr>
-          <a:xfrm rot="10800000">
-            <a:off x="-2" y="3756674"/>
-            <a:ext cx="2850269" cy="3101326"/>
-          </a:xfrm>
-          <a:prstGeom prst="rect">
-            <a:avLst/>
-          </a:prstGeom>
-          <a:solidFill>
-            <a:schemeClr val="tx1"/>
-          </a:solidFill>
-          <a:ln>
-            <a:noFill/>
-          </a:ln>
-        </p:spPr>
-        <p:style>
-          <a:lnRef idx="2">
-            <a:schemeClr val="accent1">
-              <a:shade val="50000"/>
-            </a:schemeClr>
-          </a:lnRef>
-          <a:fillRef idx="1">
-            <a:schemeClr val="accent1"/>
-          </a:fillRef>
-          <a:effectRef idx="0">
-            <a:schemeClr val="accent1"/>
-          </a:effectRef>
-          <a:fontRef idx="minor">
-            <a:schemeClr val="lt1"/>
-          </a:fontRef>
-        </p:style>
-        <p:txBody>
-          <a:bodyPr rtlCol="0" anchor="ctr"/>
-          <a:lstStyle/>
-          <a:p>
-            <a:pPr algn="ctr"/>
-            <a:endParaRPr lang="en-US" dirty="0">
-              <a:solidFill>
-                <a:srgbClr val="DB5B5C"/>
-              </a:solidFill>
-            </a:endParaRPr>
-          </a:p>
-        </p:txBody>
-      </p:sp>
-      <p:sp>
-        <p:nvSpPr>
-          <p:cNvPr id="23" name="Subtitle 22">
-            <a:extLst>
-              <a:ext uri="{FF2B5EF4-FFF2-40B4-BE49-F238E27FC236}">
-                <a16:creationId xmlns:a16="http://schemas.microsoft.com/office/drawing/2014/main" id="{1E5D6413-9C6F-483D-BE52-F3BBB1E74630}"/>
-              </a:ext>
-            </a:extLst>
-          </p:cNvPr>
-          <p:cNvSpPr>
-            <a:spLocks noGrp="1"/>
-          </p:cNvSpPr>
-          <p:nvPr>
-            <p:ph type="subTitle" idx="1"/>
-          </p:nvPr>
-        </p:nvSpPr>
-        <p:spPr>
-          <a:xfrm>
-            <a:off x="3007491" y="137620"/>
-            <a:ext cx="9341732" cy="1684867"/>
-          </a:xfrm>
-        </p:spPr>
-        <p:txBody>
-          <a:bodyPr>
-            <a:normAutofit/>
-          </a:bodyPr>
-          <a:lstStyle/>
-          <a:p>
-            <a:pPr algn="l"/>
-            <a:r>
-              <a:rPr lang="en-US" sz="4400" dirty="0">
-                <a:solidFill>
-                  <a:schemeClr val="bg1"/>
-                </a:solidFill>
-                <a:latin typeface="Selawik Semibold" panose="020B0702040204020203" pitchFamily="34" charset="0"/>
-              </a:rPr>
-              <a:t>Linear Weights</a:t>
-            </a:r>
-          </a:p>
-        </p:txBody>
-      </p:sp>
-      <p:pic>
-        <p:nvPicPr>
-          <p:cNvPr id="16" name="Picture 15" descr="A close up of a toy&#10;&#10;Description automatically generated">
-            <a:extLst>
-              <a:ext uri="{FF2B5EF4-FFF2-40B4-BE49-F238E27FC236}">
-                <a16:creationId xmlns:a16="http://schemas.microsoft.com/office/drawing/2014/main" id="{94C75949-F15C-4E05-810D-EF40FCE89107}"/>
-              </a:ext>
-            </a:extLst>
-          </p:cNvPr>
-          <p:cNvPicPr>
-            <a:picLocks noChangeAspect="1"/>
-          </p:cNvPicPr>
-          <p:nvPr/>
-        </p:nvPicPr>
-        <p:blipFill>
-          <a:blip r:embed="rId3">
-            <a:extLst>
-              <a:ext uri="{28A0092B-C50C-407E-A947-70E740481C1C}">
-                <a14:useLocalDpi xmlns:a14="http://schemas.microsoft.com/office/drawing/2010/main" val="0"/>
-              </a:ext>
-            </a:extLst>
-          </a:blip>
-          <a:stretch>
-            <a:fillRect/>
-          </a:stretch>
-        </p:blipFill>
-        <p:spPr>
-          <a:xfrm>
-            <a:off x="417789" y="4380288"/>
-            <a:ext cx="2014687" cy="2014687"/>
-          </a:xfrm>
-          <a:prstGeom prst="ellipse">
-            <a:avLst/>
-          </a:prstGeom>
-          <a:ln w="63500" cap="rnd">
-            <a:solidFill>
-              <a:srgbClr val="333333"/>
-            </a:solidFill>
-          </a:ln>
-          <a:effectLst>
-            <a:outerShdw blurRad="381000" dist="292100" dir="5400000" sx="-80000" sy="-18000" rotWithShape="0">
-              <a:srgbClr val="000000">
-                <a:alpha val="22000"/>
-              </a:srgbClr>
-            </a:outerShdw>
-          </a:effectLst>
-          <a:scene3d>
-            <a:camera prst="orthographicFront"/>
-            <a:lightRig rig="contrasting" dir="t">
-              <a:rot lat="0" lon="0" rev="3000000"/>
-            </a:lightRig>
-          </a:scene3d>
-          <a:sp3d contourW="7620">
-            <a:bevelT w="95250" h="31750"/>
-            <a:contourClr>
-              <a:srgbClr val="333333"/>
-            </a:contourClr>
-          </a:sp3d>
-        </p:spPr>
-      </p:pic>
-      <p:sp>
-        <p:nvSpPr>
-          <p:cNvPr id="38" name="Rectangle 37">
-            <a:extLst>
-              <a:ext uri="{FF2B5EF4-FFF2-40B4-BE49-F238E27FC236}">
-                <a16:creationId xmlns:a16="http://schemas.microsoft.com/office/drawing/2014/main" id="{28B1909D-4141-4FB1-8633-83F335349C97}"/>
-              </a:ext>
-            </a:extLst>
-          </p:cNvPr>
-          <p:cNvSpPr/>
-          <p:nvPr/>
-        </p:nvSpPr>
-        <p:spPr>
-          <a:xfrm rot="10800000">
-            <a:off x="3007493" y="844062"/>
-            <a:ext cx="9027282" cy="137067"/>
-          </a:xfrm>
-          <a:prstGeom prst="rect">
-            <a:avLst/>
-          </a:prstGeom>
-          <a:solidFill>
-            <a:schemeClr val="tx1"/>
-          </a:solidFill>
-          <a:ln>
-            <a:noFill/>
-          </a:ln>
-        </p:spPr>
-        <p:style>
-          <a:lnRef idx="2">
-            <a:schemeClr val="accent1">
-              <a:shade val="50000"/>
-            </a:schemeClr>
-          </a:lnRef>
-          <a:fillRef idx="1">
-            <a:schemeClr val="accent1"/>
-          </a:fillRef>
-          <a:effectRef idx="0">
-            <a:schemeClr val="accent1"/>
-          </a:effectRef>
-          <a:fontRef idx="minor">
-            <a:schemeClr val="lt1"/>
-          </a:fontRef>
-        </p:style>
-        <p:txBody>
-          <a:bodyPr rtlCol="0" anchor="ctr"/>
-          <a:lstStyle/>
-          <a:p>
-            <a:pPr algn="ctr"/>
-            <a:endParaRPr lang="en-US" dirty="0">
-              <a:solidFill>
-                <a:srgbClr val="DB5B5C"/>
-              </a:solidFill>
-            </a:endParaRPr>
-          </a:p>
-        </p:txBody>
-      </p:sp>
-      <mc:AlternateContent xmlns:mc="http://schemas.openxmlformats.org/markup-compatibility/2006">
-        <mc:Choice xmlns:a14="http://schemas.microsoft.com/office/drawing/2010/main" Requires="a14">
+      <mc:AlternateContent xmlns:mc="http://schemas.openxmlformats.org/markup-compatibility/2006" xmlns:a14="http://schemas.microsoft.com/office/drawing/2010/main">
+        <mc:Choice Requires="a14">
           <p:sp>
             <p:nvSpPr>
               <p:cNvPr id="10" name="TextBox 9">
@@ -13316,7 +10145,7 @@
             </p:txBody>
           </p:sp>
         </mc:Choice>
-        <mc:Fallback>
+        <mc:Fallback xmlns="">
           <p:sp>
             <p:nvSpPr>
               <p:cNvPr id="10" name="TextBox 9">
@@ -13361,8 +10190,8 @@
           </p:sp>
         </mc:Fallback>
       </mc:AlternateContent>
-      <mc:AlternateContent xmlns:mc="http://schemas.openxmlformats.org/markup-compatibility/2006">
-        <mc:Choice xmlns:a14="http://schemas.microsoft.com/office/drawing/2010/main" Requires="a14">
+      <mc:AlternateContent xmlns:mc="http://schemas.openxmlformats.org/markup-compatibility/2006" xmlns:a14="http://schemas.microsoft.com/office/drawing/2010/main">
+        <mc:Choice Requires="a14">
           <p:sp>
             <p:nvSpPr>
               <p:cNvPr id="15" name="TextBox 14">
@@ -13391,6 +10220,7 @@
               </a:bodyPr>
               <a:lstStyle/>
               <a:p>
+                <a:pPr/>
                 <a14:m>
                   <m:oMathPara xmlns:m="http://schemas.openxmlformats.org/officeDocument/2006/math">
                     <m:oMathParaPr>
@@ -13636,7 +10466,7 @@
             </p:txBody>
           </p:sp>
         </mc:Choice>
-        <mc:Fallback>
+        <mc:Fallback xmlns="">
           <p:sp>
             <p:nvSpPr>
               <p:cNvPr id="15" name="TextBox 14">
@@ -13958,7 +10788,7 @@
 </p:sld>
 </file>
 
-<file path=ppt/slides/slide20.xml><?xml version="1.0" encoding="utf-8"?>
+<file path=ppt/slides/slide3.xml><?xml version="1.0" encoding="utf-8"?>
 <p:sld xmlns:a="http://schemas.openxmlformats.org/drawingml/2006/main" xmlns:r="http://schemas.openxmlformats.org/officeDocument/2006/relationships" xmlns:p="http://schemas.openxmlformats.org/presentationml/2006/main">
   <p:cSld>
     <p:bg>
@@ -13997,7 +10827,7 @@
         </p:nvSpPr>
         <p:spPr>
           <a:xfrm>
-            <a:off x="0" y="-52157"/>
+            <a:off x="-3" y="-26079"/>
             <a:ext cx="12192000" cy="6910157"/>
           </a:xfrm>
           <a:prstGeom prst="rect">
@@ -14028,7 +10858,7 @@
           <a:lstStyle/>
           <a:p>
             <a:pPr algn="ctr"/>
-            <a:endParaRPr lang="en-US"/>
+            <a:endParaRPr lang="en-US" sz="2400" dirty="0"/>
           </a:p>
         </p:txBody>
       </p:sp>
@@ -14215,7 +11045,7 @@
                 </a:solidFill>
                 <a:latin typeface="Selawik Semibold" panose="020B0702040204020203" pitchFamily="34" charset="0"/>
               </a:rPr>
-              <a:t>Monte Carlo Simulation</a:t>
+              <a:t>Linear Weights</a:t>
             </a:r>
           </a:p>
         </p:txBody>
@@ -14336,1844 +11166,8 @@
           </a:p>
         </p:txBody>
       </p:sp>
-      <p:sp>
-        <p:nvSpPr>
-          <p:cNvPr id="10" name="TextBox 9">
-            <a:extLst>
-              <a:ext uri="{FF2B5EF4-FFF2-40B4-BE49-F238E27FC236}">
-                <a16:creationId xmlns:a16="http://schemas.microsoft.com/office/drawing/2014/main" id="{8A07C2CC-416F-4D29-84CF-D1F8B766EE5F}"/>
-              </a:ext>
-            </a:extLst>
-          </p:cNvPr>
-          <p:cNvSpPr txBox="1"/>
-          <p:nvPr/>
-        </p:nvSpPr>
-        <p:spPr>
-          <a:xfrm>
-            <a:off x="3080082" y="1520792"/>
-            <a:ext cx="8522109" cy="1354217"/>
-          </a:xfrm>
-          <a:prstGeom prst="rect">
-            <a:avLst/>
-          </a:prstGeom>
-          <a:noFill/>
-        </p:spPr>
-        <p:txBody>
-          <a:bodyPr wrap="square" rtlCol="0">
-            <a:spAutoFit/>
-          </a:bodyPr>
-          <a:lstStyle/>
-          <a:p>
-            <a:pPr marL="342900" indent="-342900">
-              <a:buFont typeface="Arial" panose="020B0604020202020204" pitchFamily="34" charset="0"/>
-              <a:buChar char="•"/>
-            </a:pPr>
-            <a:r>
-              <a:rPr lang="en-US" sz="2400" dirty="0">
-                <a:solidFill>
-                  <a:schemeClr val="bg1"/>
-                </a:solidFill>
-                <a:latin typeface="Selawik Semibold" panose="020B0702040204020203" pitchFamily="34" charset="0"/>
-              </a:rPr>
-              <a:t>Added Value of Albert Pujols Measured by Runs</a:t>
-            </a:r>
-            <a:endParaRPr lang="en-US" dirty="0">
-              <a:solidFill>
-                <a:schemeClr val="bg1"/>
-              </a:solidFill>
-              <a:latin typeface="Selawik Semibold" panose="020B0702040204020203" pitchFamily="34" charset="0"/>
-            </a:endParaRPr>
-          </a:p>
-          <a:p>
-            <a:pPr marL="1257300" lvl="2" indent="-342900">
-              <a:buFont typeface="Arial" panose="020B0604020202020204" pitchFamily="34" charset="0"/>
-              <a:buChar char="•"/>
-            </a:pPr>
-            <a:endParaRPr lang="en-US" sz="2000" dirty="0">
-              <a:solidFill>
-                <a:schemeClr val="bg1"/>
-              </a:solidFill>
-              <a:latin typeface="Selawik Semibold" panose="020B0702040204020203" pitchFamily="34" charset="0"/>
-            </a:endParaRPr>
-          </a:p>
-          <a:p>
-            <a:pPr marL="1257300" lvl="2" indent="-342900">
-              <a:buFont typeface="Arial" panose="020B0604020202020204" pitchFamily="34" charset="0"/>
-              <a:buChar char="•"/>
-            </a:pPr>
-            <a:endParaRPr lang="en-US" dirty="0">
-              <a:solidFill>
-                <a:schemeClr val="bg1"/>
-              </a:solidFill>
-              <a:latin typeface="Selawik Semibold" panose="020B0702040204020203" pitchFamily="34" charset="0"/>
-            </a:endParaRPr>
-          </a:p>
-          <a:p>
-            <a:pPr marL="800100" lvl="1" indent="-342900">
-              <a:buFont typeface="Arial" panose="020B0604020202020204" pitchFamily="34" charset="0"/>
-              <a:buChar char="•"/>
-            </a:pPr>
-            <a:endParaRPr lang="en-US" sz="2000" dirty="0">
-              <a:solidFill>
-                <a:schemeClr val="bg1"/>
-              </a:solidFill>
-              <a:latin typeface="Selawik Semibold" panose="020B0702040204020203" pitchFamily="34" charset="0"/>
-            </a:endParaRPr>
-          </a:p>
-        </p:txBody>
-      </p:sp>
-      <p:pic>
-        <p:nvPicPr>
-          <p:cNvPr id="3" name="Picture 2">
-            <a:extLst>
-              <a:ext uri="{FF2B5EF4-FFF2-40B4-BE49-F238E27FC236}">
-                <a16:creationId xmlns:a16="http://schemas.microsoft.com/office/drawing/2014/main" id="{B5CB5EBC-1403-4369-A978-07758612E715}"/>
-              </a:ext>
-            </a:extLst>
-          </p:cNvPr>
-          <p:cNvPicPr>
-            <a:picLocks noChangeAspect="1"/>
-          </p:cNvPicPr>
-          <p:nvPr/>
-        </p:nvPicPr>
-        <p:blipFill>
-          <a:blip r:embed="rId4"/>
-          <a:stretch>
-            <a:fillRect/>
-          </a:stretch>
-        </p:blipFill>
-        <p:spPr>
-          <a:xfrm>
-            <a:off x="3007491" y="4370190"/>
-            <a:ext cx="2968128" cy="2350190"/>
-          </a:xfrm>
-          <a:prstGeom prst="rect">
-            <a:avLst/>
-          </a:prstGeom>
-        </p:spPr>
-      </p:pic>
-      <p:pic>
-        <p:nvPicPr>
-          <p:cNvPr id="5" name="Picture 4">
-            <a:extLst>
-              <a:ext uri="{FF2B5EF4-FFF2-40B4-BE49-F238E27FC236}">
-                <a16:creationId xmlns:a16="http://schemas.microsoft.com/office/drawing/2014/main" id="{C014DE4E-5E9D-4312-846E-D12AC2ED35FF}"/>
-              </a:ext>
-            </a:extLst>
-          </p:cNvPr>
-          <p:cNvPicPr>
-            <a:picLocks noChangeAspect="1"/>
-          </p:cNvPicPr>
-          <p:nvPr/>
-        </p:nvPicPr>
-        <p:blipFill>
-          <a:blip r:embed="rId5"/>
-          <a:stretch>
-            <a:fillRect/>
-          </a:stretch>
-        </p:blipFill>
-        <p:spPr>
-          <a:xfrm>
-            <a:off x="6203336" y="1995933"/>
-            <a:ext cx="2740774" cy="2344310"/>
-          </a:xfrm>
-          <a:prstGeom prst="rect">
-            <a:avLst/>
-          </a:prstGeom>
-        </p:spPr>
-      </p:pic>
-      <p:pic>
-        <p:nvPicPr>
-          <p:cNvPr id="6" name="Picture 5">
-            <a:extLst>
-              <a:ext uri="{FF2B5EF4-FFF2-40B4-BE49-F238E27FC236}">
-                <a16:creationId xmlns:a16="http://schemas.microsoft.com/office/drawing/2014/main" id="{C1C532B6-1A0B-4DD1-B46D-09C43A70B3DC}"/>
-              </a:ext>
-            </a:extLst>
-          </p:cNvPr>
-          <p:cNvPicPr>
-            <a:picLocks noChangeAspect="1"/>
-          </p:cNvPicPr>
-          <p:nvPr/>
-        </p:nvPicPr>
-        <p:blipFill>
-          <a:blip r:embed="rId6"/>
-          <a:stretch>
-            <a:fillRect/>
-          </a:stretch>
-        </p:blipFill>
-        <p:spPr>
-          <a:xfrm>
-            <a:off x="9172698" y="4376070"/>
-            <a:ext cx="2749393" cy="2344310"/>
-          </a:xfrm>
-          <a:prstGeom prst="rect">
-            <a:avLst/>
-          </a:prstGeom>
-        </p:spPr>
-      </p:pic>
-      <p:sp>
-        <p:nvSpPr>
-          <p:cNvPr id="7" name="Arrow: Bent 6">
-            <a:extLst>
-              <a:ext uri="{FF2B5EF4-FFF2-40B4-BE49-F238E27FC236}">
-                <a16:creationId xmlns:a16="http://schemas.microsoft.com/office/drawing/2014/main" id="{5F240EE3-7CF6-4ABA-99FB-951DDE869C03}"/>
-              </a:ext>
-            </a:extLst>
-          </p:cNvPr>
-          <p:cNvSpPr/>
-          <p:nvPr/>
-        </p:nvSpPr>
-        <p:spPr>
-          <a:xfrm rot="5400000">
-            <a:off x="9009221" y="3350268"/>
-            <a:ext cx="997527" cy="914400"/>
-          </a:xfrm>
-          <a:prstGeom prst="bentArrow">
-            <a:avLst/>
-          </a:prstGeom>
-        </p:spPr>
-        <p:style>
-          <a:lnRef idx="2">
-            <a:schemeClr val="dk1">
-              <a:shade val="50000"/>
-            </a:schemeClr>
-          </a:lnRef>
-          <a:fillRef idx="1">
-            <a:schemeClr val="dk1"/>
-          </a:fillRef>
-          <a:effectRef idx="0">
-            <a:schemeClr val="dk1"/>
-          </a:effectRef>
-          <a:fontRef idx="minor">
-            <a:schemeClr val="lt1"/>
-          </a:fontRef>
-        </p:style>
-        <p:txBody>
-          <a:bodyPr rtlCol="0" anchor="ctr"/>
-          <a:lstStyle/>
-          <a:p>
-            <a:pPr algn="ctr"/>
-            <a:endParaRPr lang="en-US">
-              <a:solidFill>
-                <a:schemeClr val="tx1"/>
-              </a:solidFill>
-            </a:endParaRPr>
-          </a:p>
-        </p:txBody>
-      </p:sp>
-      <p:sp>
-        <p:nvSpPr>
-          <p:cNvPr id="19" name="Arrow: Bent 18">
-            <a:extLst>
-              <a:ext uri="{FF2B5EF4-FFF2-40B4-BE49-F238E27FC236}">
-                <a16:creationId xmlns:a16="http://schemas.microsoft.com/office/drawing/2014/main" id="{E4BCCEF3-3C20-4F0A-A84D-A3031C0E2EA4}"/>
-              </a:ext>
-            </a:extLst>
-          </p:cNvPr>
-          <p:cNvSpPr/>
-          <p:nvPr/>
-        </p:nvSpPr>
-        <p:spPr>
-          <a:xfrm rot="16200000" flipH="1">
-            <a:off x="5174781" y="3299474"/>
-            <a:ext cx="997527" cy="914400"/>
-          </a:xfrm>
-          <a:prstGeom prst="bentArrow">
-            <a:avLst/>
-          </a:prstGeom>
-        </p:spPr>
-        <p:style>
-          <a:lnRef idx="2">
-            <a:schemeClr val="dk1">
-              <a:shade val="50000"/>
-            </a:schemeClr>
-          </a:lnRef>
-          <a:fillRef idx="1">
-            <a:schemeClr val="dk1"/>
-          </a:fillRef>
-          <a:effectRef idx="0">
-            <a:schemeClr val="dk1"/>
-          </a:effectRef>
-          <a:fontRef idx="minor">
-            <a:schemeClr val="lt1"/>
-          </a:fontRef>
-        </p:style>
-        <p:txBody>
-          <a:bodyPr rtlCol="0" anchor="ctr"/>
-          <a:lstStyle/>
-          <a:p>
-            <a:pPr algn="ctr"/>
-            <a:endParaRPr lang="en-US">
-              <a:solidFill>
-                <a:schemeClr val="tx1"/>
-              </a:solidFill>
-            </a:endParaRPr>
-          </a:p>
-        </p:txBody>
-      </p:sp>
-      <p:sp>
-        <p:nvSpPr>
-          <p:cNvPr id="20" name="TextBox 19">
-            <a:extLst>
-              <a:ext uri="{FF2B5EF4-FFF2-40B4-BE49-F238E27FC236}">
-                <a16:creationId xmlns:a16="http://schemas.microsoft.com/office/drawing/2014/main" id="{2FB23025-1981-4430-AD71-DD09DECC4818}"/>
-              </a:ext>
-            </a:extLst>
-          </p:cNvPr>
-          <p:cNvSpPr txBox="1"/>
-          <p:nvPr/>
-        </p:nvSpPr>
-        <p:spPr>
-          <a:xfrm>
-            <a:off x="6405965" y="4340243"/>
-            <a:ext cx="2349922" cy="584775"/>
-          </a:xfrm>
-          <a:prstGeom prst="rect">
-            <a:avLst/>
-          </a:prstGeom>
-        </p:spPr>
-        <p:style>
-          <a:lnRef idx="2">
-            <a:schemeClr val="dk1">
-              <a:shade val="50000"/>
-            </a:schemeClr>
-          </a:lnRef>
-          <a:fillRef idx="1">
-            <a:schemeClr val="dk1"/>
-          </a:fillRef>
-          <a:effectRef idx="0">
-            <a:schemeClr val="dk1"/>
-          </a:effectRef>
-          <a:fontRef idx="minor">
-            <a:schemeClr val="lt1"/>
-          </a:fontRef>
-        </p:style>
-        <p:txBody>
-          <a:bodyPr wrap="square" rtlCol="0">
-            <a:spAutoFit/>
-          </a:bodyPr>
-          <a:lstStyle/>
-          <a:p>
-            <a:pPr algn="ctr"/>
-            <a:r>
-              <a:rPr lang="en-US" sz="3200" b="0" dirty="0">
-                <a:solidFill>
-                  <a:schemeClr val="bg1"/>
-                </a:solidFill>
-              </a:rPr>
-              <a:t>Pujols Alone</a:t>
-            </a:r>
-          </a:p>
-        </p:txBody>
-      </p:sp>
-      <p:sp>
-        <p:nvSpPr>
-          <p:cNvPr id="21" name="TextBox 20">
-            <a:extLst>
-              <a:ext uri="{FF2B5EF4-FFF2-40B4-BE49-F238E27FC236}">
-                <a16:creationId xmlns:a16="http://schemas.microsoft.com/office/drawing/2014/main" id="{A2DC2E4C-4981-4207-AAF1-EA0D2855EB73}"/>
-              </a:ext>
-            </a:extLst>
-          </p:cNvPr>
-          <p:cNvSpPr txBox="1"/>
-          <p:nvPr/>
-        </p:nvSpPr>
-        <p:spPr>
-          <a:xfrm>
-            <a:off x="3011737" y="3321175"/>
-            <a:ext cx="1629972" cy="1077218"/>
-          </a:xfrm>
-          <a:prstGeom prst="rect">
-            <a:avLst/>
-          </a:prstGeom>
-        </p:spPr>
-        <p:style>
-          <a:lnRef idx="2">
-            <a:schemeClr val="dk1">
-              <a:shade val="50000"/>
-            </a:schemeClr>
-          </a:lnRef>
-          <a:fillRef idx="1">
-            <a:schemeClr val="dk1"/>
-          </a:fillRef>
-          <a:effectRef idx="0">
-            <a:schemeClr val="dk1"/>
-          </a:effectRef>
-          <a:fontRef idx="minor">
-            <a:schemeClr val="lt1"/>
-          </a:fontRef>
-        </p:style>
-        <p:txBody>
-          <a:bodyPr wrap="square" rtlCol="0">
-            <a:spAutoFit/>
-          </a:bodyPr>
-          <a:lstStyle/>
-          <a:p>
-            <a:pPr algn="ctr"/>
-            <a:r>
-              <a:rPr lang="en-US" sz="3200" dirty="0">
-                <a:solidFill>
-                  <a:schemeClr val="bg1"/>
-                </a:solidFill>
-              </a:rPr>
-              <a:t>Team Without</a:t>
-            </a:r>
-            <a:endParaRPr lang="en-US" sz="3200" b="0" dirty="0">
-              <a:solidFill>
-                <a:schemeClr val="bg1"/>
-              </a:solidFill>
-            </a:endParaRPr>
-          </a:p>
-        </p:txBody>
-      </p:sp>
-      <p:sp>
-        <p:nvSpPr>
-          <p:cNvPr id="22" name="TextBox 21">
-            <a:extLst>
-              <a:ext uri="{FF2B5EF4-FFF2-40B4-BE49-F238E27FC236}">
-                <a16:creationId xmlns:a16="http://schemas.microsoft.com/office/drawing/2014/main" id="{D40851A7-A00D-4D98-A47B-A41EA77ADB44}"/>
-              </a:ext>
-            </a:extLst>
-          </p:cNvPr>
-          <p:cNvSpPr txBox="1"/>
-          <p:nvPr/>
-        </p:nvSpPr>
-        <p:spPr>
-          <a:xfrm>
-            <a:off x="10292119" y="3321175"/>
-            <a:ext cx="1629972" cy="1077218"/>
-          </a:xfrm>
-          <a:prstGeom prst="rect">
-            <a:avLst/>
-          </a:prstGeom>
-        </p:spPr>
-        <p:style>
-          <a:lnRef idx="2">
-            <a:schemeClr val="dk1">
-              <a:shade val="50000"/>
-            </a:schemeClr>
-          </a:lnRef>
-          <a:fillRef idx="1">
-            <a:schemeClr val="dk1"/>
-          </a:fillRef>
-          <a:effectRef idx="0">
-            <a:schemeClr val="dk1"/>
-          </a:effectRef>
-          <a:fontRef idx="minor">
-            <a:schemeClr val="lt1"/>
-          </a:fontRef>
-        </p:style>
-        <p:txBody>
-          <a:bodyPr wrap="square" rtlCol="0">
-            <a:spAutoFit/>
-          </a:bodyPr>
-          <a:lstStyle/>
-          <a:p>
-            <a:pPr algn="ctr"/>
-            <a:r>
-              <a:rPr lang="en-US" sz="3200" dirty="0">
-                <a:solidFill>
-                  <a:schemeClr val="bg1"/>
-                </a:solidFill>
-              </a:rPr>
-              <a:t>Average</a:t>
-            </a:r>
-          </a:p>
-          <a:p>
-            <a:pPr algn="ctr"/>
-            <a:r>
-              <a:rPr lang="en-US" sz="3200" b="0" dirty="0">
-                <a:solidFill>
-                  <a:schemeClr val="bg1"/>
-                </a:solidFill>
-              </a:rPr>
-              <a:t>Team</a:t>
-            </a:r>
-          </a:p>
-        </p:txBody>
-      </p:sp>
-    </p:spTree>
-    <p:extLst>
-      <p:ext uri="{BB962C8B-B14F-4D97-AF65-F5344CB8AC3E}">
-        <p14:creationId xmlns:p14="http://schemas.microsoft.com/office/powerpoint/2010/main" val="1315830825"/>
-      </p:ext>
-    </p:extLst>
-  </p:cSld>
-  <p:clrMapOvr>
-    <a:masterClrMapping/>
-  </p:clrMapOvr>
-</p:sld>
-</file>
-
-<file path=ppt/slides/slide21.xml><?xml version="1.0" encoding="utf-8"?>
-<p:sld xmlns:a="http://schemas.openxmlformats.org/drawingml/2006/main" xmlns:r="http://schemas.openxmlformats.org/officeDocument/2006/relationships" xmlns:p="http://schemas.openxmlformats.org/presentationml/2006/main">
-  <p:cSld>
-    <p:bg>
-      <p:bgPr>
-        <a:solidFill>
-          <a:schemeClr val="bg1"/>
-        </a:solidFill>
-        <a:effectLst/>
-      </p:bgPr>
-    </p:bg>
-    <p:spTree>
-      <p:nvGrpSpPr>
-        <p:cNvPr id="1" name=""/>
-        <p:cNvGrpSpPr/>
-        <p:nvPr/>
-      </p:nvGrpSpPr>
-      <p:grpSpPr>
-        <a:xfrm>
-          <a:off x="0" y="0"/>
-          <a:ext cx="0" cy="0"/>
-          <a:chOff x="0" y="0"/>
-          <a:chExt cx="0" cy="0"/>
-        </a:xfrm>
-      </p:grpSpPr>
-      <p:sp>
-        <p:nvSpPr>
-          <p:cNvPr id="17" name="Rectangle 16">
-            <a:extLst>
-              <a:ext uri="{FF2B5EF4-FFF2-40B4-BE49-F238E27FC236}">
-                <a16:creationId xmlns:a16="http://schemas.microsoft.com/office/drawing/2014/main" id="{0A8FE870-A334-4DE1-84A7-AB191ED10D63}"/>
-              </a:ext>
-            </a:extLst>
-          </p:cNvPr>
-          <p:cNvSpPr/>
-          <p:nvPr/>
-        </p:nvSpPr>
-        <p:spPr>
-          <a:xfrm>
-            <a:off x="0" y="-52157"/>
-            <a:ext cx="12192000" cy="6910157"/>
-          </a:xfrm>
-          <a:prstGeom prst="rect">
-            <a:avLst/>
-          </a:prstGeom>
-          <a:solidFill>
-            <a:srgbClr val="395583"/>
-          </a:solidFill>
-        </p:spPr>
-        <p:style>
-          <a:lnRef idx="2">
-            <a:schemeClr val="accent1">
-              <a:shade val="50000"/>
-            </a:schemeClr>
-          </a:lnRef>
-          <a:fillRef idx="1">
-            <a:schemeClr val="accent1"/>
-          </a:fillRef>
-          <a:effectRef idx="0">
-            <a:schemeClr val="accent1"/>
-          </a:effectRef>
-          <a:fontRef idx="minor">
-            <a:schemeClr val="lt1"/>
-          </a:fontRef>
-        </p:style>
-        <p:txBody>
-          <a:bodyPr rtlCol="0" anchor="ctr"/>
-          <a:lstStyle/>
-          <a:p>
-            <a:pPr algn="ctr"/>
-            <a:endParaRPr lang="en-US"/>
-          </a:p>
-        </p:txBody>
-      </p:sp>
-      <p:pic>
-        <p:nvPicPr>
-          <p:cNvPr id="8" name="Picture 7" descr="A close up of a toy&#10;&#10;Description automatically generated">
-            <a:extLst>
-              <a:ext uri="{FF2B5EF4-FFF2-40B4-BE49-F238E27FC236}">
-                <a16:creationId xmlns:a16="http://schemas.microsoft.com/office/drawing/2014/main" id="{131D5527-B848-4F84-9601-62DB93565332}"/>
-              </a:ext>
-            </a:extLst>
-          </p:cNvPr>
-          <p:cNvPicPr>
-            <a:picLocks noChangeAspect="1"/>
-          </p:cNvPicPr>
-          <p:nvPr/>
-        </p:nvPicPr>
-        <p:blipFill rotWithShape="1">
-          <a:blip r:embed="rId3">
-            <a:extLst>
-              <a:ext uri="{28A0092B-C50C-407E-A947-70E740481C1C}">
-                <a14:useLocalDpi xmlns:a14="http://schemas.microsoft.com/office/drawing/2010/main" val="0"/>
-              </a:ext>
-            </a:extLst>
-          </a:blip>
-          <a:srcRect l="6238" r="10796"/>
-          <a:stretch/>
-        </p:blipFill>
-        <p:spPr>
-          <a:xfrm>
-            <a:off x="0" y="-52157"/>
-            <a:ext cx="2684015" cy="3969421"/>
-          </a:xfrm>
-          <a:prstGeom prst="rect">
-            <a:avLst/>
-          </a:prstGeom>
-        </p:spPr>
-      </p:pic>
-      <p:sp>
-        <p:nvSpPr>
-          <p:cNvPr id="33" name="Rectangle 32">
-            <a:extLst>
-              <a:ext uri="{FF2B5EF4-FFF2-40B4-BE49-F238E27FC236}">
-                <a16:creationId xmlns:a16="http://schemas.microsoft.com/office/drawing/2014/main" id="{6F93929A-DE1C-47C4-AF97-F99DB104E96F}"/>
-              </a:ext>
-            </a:extLst>
-          </p:cNvPr>
-          <p:cNvSpPr/>
-          <p:nvPr/>
-        </p:nvSpPr>
-        <p:spPr>
-          <a:xfrm rot="16200000">
-            <a:off x="782431" y="1849427"/>
-            <a:ext cx="3969421" cy="166254"/>
-          </a:xfrm>
-          <a:prstGeom prst="rect">
-            <a:avLst/>
-          </a:prstGeom>
-          <a:solidFill>
-            <a:schemeClr val="tx1"/>
-          </a:solidFill>
-          <a:ln>
-            <a:noFill/>
-          </a:ln>
-        </p:spPr>
-        <p:style>
-          <a:lnRef idx="2">
-            <a:schemeClr val="accent1">
-              <a:shade val="50000"/>
-            </a:schemeClr>
-          </a:lnRef>
-          <a:fillRef idx="1">
-            <a:schemeClr val="accent1"/>
-          </a:fillRef>
-          <a:effectRef idx="0">
-            <a:schemeClr val="accent1"/>
-          </a:effectRef>
-          <a:fontRef idx="minor">
-            <a:schemeClr val="lt1"/>
-          </a:fontRef>
-        </p:style>
-        <p:txBody>
-          <a:bodyPr rtlCol="0" anchor="ctr"/>
-          <a:lstStyle/>
-          <a:p>
-            <a:pPr algn="ctr"/>
-            <a:endParaRPr lang="en-US" dirty="0">
-              <a:solidFill>
-                <a:srgbClr val="DB5B5C"/>
-              </a:solidFill>
-            </a:endParaRPr>
-          </a:p>
-        </p:txBody>
-      </p:sp>
-      <p:sp>
-        <p:nvSpPr>
-          <p:cNvPr id="35" name="Rectangle 34">
-            <a:extLst>
-              <a:ext uri="{FF2B5EF4-FFF2-40B4-BE49-F238E27FC236}">
-                <a16:creationId xmlns:a16="http://schemas.microsoft.com/office/drawing/2014/main" id="{259A39E4-556F-4581-82A2-C6B68A8147A4}"/>
-              </a:ext>
-            </a:extLst>
-          </p:cNvPr>
-          <p:cNvSpPr/>
-          <p:nvPr/>
-        </p:nvSpPr>
-        <p:spPr>
-          <a:xfrm rot="10800000">
-            <a:off x="-2" y="3756674"/>
-            <a:ext cx="2850269" cy="3101326"/>
-          </a:xfrm>
-          <a:prstGeom prst="rect">
-            <a:avLst/>
-          </a:prstGeom>
-          <a:solidFill>
-            <a:schemeClr val="tx1"/>
-          </a:solidFill>
-          <a:ln>
-            <a:noFill/>
-          </a:ln>
-        </p:spPr>
-        <p:style>
-          <a:lnRef idx="2">
-            <a:schemeClr val="accent1">
-              <a:shade val="50000"/>
-            </a:schemeClr>
-          </a:lnRef>
-          <a:fillRef idx="1">
-            <a:schemeClr val="accent1"/>
-          </a:fillRef>
-          <a:effectRef idx="0">
-            <a:schemeClr val="accent1"/>
-          </a:effectRef>
-          <a:fontRef idx="minor">
-            <a:schemeClr val="lt1"/>
-          </a:fontRef>
-        </p:style>
-        <p:txBody>
-          <a:bodyPr rtlCol="0" anchor="ctr"/>
-          <a:lstStyle/>
-          <a:p>
-            <a:pPr algn="ctr"/>
-            <a:endParaRPr lang="en-US" dirty="0">
-              <a:solidFill>
-                <a:srgbClr val="DB5B5C"/>
-              </a:solidFill>
-            </a:endParaRPr>
-          </a:p>
-        </p:txBody>
-      </p:sp>
-      <p:sp>
-        <p:nvSpPr>
-          <p:cNvPr id="23" name="Subtitle 22">
-            <a:extLst>
-              <a:ext uri="{FF2B5EF4-FFF2-40B4-BE49-F238E27FC236}">
-                <a16:creationId xmlns:a16="http://schemas.microsoft.com/office/drawing/2014/main" id="{1E5D6413-9C6F-483D-BE52-F3BBB1E74630}"/>
-              </a:ext>
-            </a:extLst>
-          </p:cNvPr>
-          <p:cNvSpPr>
-            <a:spLocks noGrp="1"/>
-          </p:cNvSpPr>
-          <p:nvPr>
-            <p:ph type="subTitle" idx="1"/>
-          </p:nvPr>
-        </p:nvSpPr>
-        <p:spPr>
-          <a:xfrm>
-            <a:off x="3007491" y="137620"/>
-            <a:ext cx="9341732" cy="1684867"/>
-          </a:xfrm>
-        </p:spPr>
-        <p:txBody>
-          <a:bodyPr>
-            <a:normAutofit/>
-          </a:bodyPr>
-          <a:lstStyle/>
-          <a:p>
-            <a:pPr algn="l"/>
-            <a:r>
-              <a:rPr lang="en-US" sz="4400" dirty="0">
-                <a:solidFill>
-                  <a:schemeClr val="bg1"/>
-                </a:solidFill>
-                <a:latin typeface="Selawik Semibold" panose="020B0702040204020203" pitchFamily="34" charset="0"/>
-              </a:rPr>
-              <a:t>America’s Greatest Pastime</a:t>
-            </a:r>
-          </a:p>
-        </p:txBody>
-      </p:sp>
-      <p:pic>
-        <p:nvPicPr>
-          <p:cNvPr id="16" name="Picture 15" descr="A close up of a toy&#10;&#10;Description automatically generated">
-            <a:extLst>
-              <a:ext uri="{FF2B5EF4-FFF2-40B4-BE49-F238E27FC236}">
-                <a16:creationId xmlns:a16="http://schemas.microsoft.com/office/drawing/2014/main" id="{94C75949-F15C-4E05-810D-EF40FCE89107}"/>
-              </a:ext>
-            </a:extLst>
-          </p:cNvPr>
-          <p:cNvPicPr>
-            <a:picLocks noChangeAspect="1"/>
-          </p:cNvPicPr>
-          <p:nvPr/>
-        </p:nvPicPr>
-        <p:blipFill>
-          <a:blip r:embed="rId4">
-            <a:extLst>
-              <a:ext uri="{28A0092B-C50C-407E-A947-70E740481C1C}">
-                <a14:useLocalDpi xmlns:a14="http://schemas.microsoft.com/office/drawing/2010/main" val="0"/>
-              </a:ext>
-            </a:extLst>
-          </a:blip>
-          <a:stretch>
-            <a:fillRect/>
-          </a:stretch>
-        </p:blipFill>
-        <p:spPr>
-          <a:xfrm>
-            <a:off x="417789" y="4380288"/>
-            <a:ext cx="2014687" cy="2014687"/>
-          </a:xfrm>
-          <a:prstGeom prst="ellipse">
-            <a:avLst/>
-          </a:prstGeom>
-          <a:ln w="63500" cap="rnd">
-            <a:solidFill>
-              <a:srgbClr val="333333"/>
-            </a:solidFill>
-          </a:ln>
-          <a:effectLst>
-            <a:outerShdw blurRad="381000" dist="292100" dir="5400000" sx="-80000" sy="-18000" rotWithShape="0">
-              <a:srgbClr val="000000">
-                <a:alpha val="22000"/>
-              </a:srgbClr>
-            </a:outerShdw>
-          </a:effectLst>
-          <a:scene3d>
-            <a:camera prst="orthographicFront"/>
-            <a:lightRig rig="contrasting" dir="t">
-              <a:rot lat="0" lon="0" rev="3000000"/>
-            </a:lightRig>
-          </a:scene3d>
-          <a:sp3d contourW="7620">
-            <a:bevelT w="95250" h="31750"/>
-            <a:contourClr>
-              <a:srgbClr val="333333"/>
-            </a:contourClr>
-          </a:sp3d>
-        </p:spPr>
-      </p:pic>
-      <p:sp>
-        <p:nvSpPr>
-          <p:cNvPr id="38" name="Rectangle 37">
-            <a:extLst>
-              <a:ext uri="{FF2B5EF4-FFF2-40B4-BE49-F238E27FC236}">
-                <a16:creationId xmlns:a16="http://schemas.microsoft.com/office/drawing/2014/main" id="{28B1909D-4141-4FB1-8633-83F335349C97}"/>
-              </a:ext>
-            </a:extLst>
-          </p:cNvPr>
-          <p:cNvSpPr/>
-          <p:nvPr/>
-        </p:nvSpPr>
-        <p:spPr>
-          <a:xfrm rot="10800000">
-            <a:off x="3007493" y="844062"/>
-            <a:ext cx="9027282" cy="137067"/>
-          </a:xfrm>
-          <a:prstGeom prst="rect">
-            <a:avLst/>
-          </a:prstGeom>
-          <a:solidFill>
-            <a:schemeClr val="tx1"/>
-          </a:solidFill>
-          <a:ln>
-            <a:noFill/>
-          </a:ln>
-        </p:spPr>
-        <p:style>
-          <a:lnRef idx="2">
-            <a:schemeClr val="accent1">
-              <a:shade val="50000"/>
-            </a:schemeClr>
-          </a:lnRef>
-          <a:fillRef idx="1">
-            <a:schemeClr val="accent1"/>
-          </a:fillRef>
-          <a:effectRef idx="0">
-            <a:schemeClr val="accent1"/>
-          </a:effectRef>
-          <a:fontRef idx="minor">
-            <a:schemeClr val="lt1"/>
-          </a:fontRef>
-        </p:style>
-        <p:txBody>
-          <a:bodyPr rtlCol="0" anchor="ctr"/>
-          <a:lstStyle/>
-          <a:p>
-            <a:pPr algn="ctr"/>
-            <a:endParaRPr lang="en-US" dirty="0">
-              <a:solidFill>
-                <a:srgbClr val="DB5B5C"/>
-              </a:solidFill>
-            </a:endParaRPr>
-          </a:p>
-        </p:txBody>
-      </p:sp>
-      <p:pic>
-        <p:nvPicPr>
-          <p:cNvPr id="3" name="Online Media 2" title="10 Worst Celebrity MLB First Pitches!">
-            <a:hlinkClick r:id="" action="ppaction://media"/>
-            <a:extLst>
-              <a:ext uri="{FF2B5EF4-FFF2-40B4-BE49-F238E27FC236}">
-                <a16:creationId xmlns:a16="http://schemas.microsoft.com/office/drawing/2014/main" id="{0D2B18F4-B997-47F8-9C29-E1678C89B445}"/>
-              </a:ext>
-            </a:extLst>
-          </p:cNvPr>
-          <p:cNvPicPr>
-            <a:picLocks noRot="1" noChangeAspect="1"/>
-          </p:cNvPicPr>
-          <p:nvPr>
-            <a:videoFile r:link="rId1"/>
-          </p:nvPr>
-        </p:nvPicPr>
-        <p:blipFill>
-          <a:blip r:embed="rId5"/>
-          <a:stretch>
-            <a:fillRect/>
-          </a:stretch>
-        </p:blipFill>
-        <p:spPr>
-          <a:xfrm>
-            <a:off x="3007490" y="1118152"/>
-            <a:ext cx="9037982" cy="5083865"/>
-          </a:xfrm>
-          <a:prstGeom prst="rect">
-            <a:avLst/>
-          </a:prstGeom>
-        </p:spPr>
-      </p:pic>
-    </p:spTree>
-    <p:extLst>
-      <p:ext uri="{BB962C8B-B14F-4D97-AF65-F5344CB8AC3E}">
-        <p14:creationId xmlns:p14="http://schemas.microsoft.com/office/powerpoint/2010/main" val="1899017918"/>
-      </p:ext>
-    </p:extLst>
-  </p:cSld>
-  <p:clrMapOvr>
-    <a:masterClrMapping/>
-  </p:clrMapOvr>
-  <p:timing>
-    <p:tnLst>
-      <p:par>
-        <p:cTn id="1" dur="indefinite" restart="never" nodeType="tmRoot">
-          <p:childTnLst>
-            <p:seq concurrent="1" nextAc="seek">
-              <p:cTn id="2" dur="indefinite" nodeType="mainSeq">
-                <p:childTnLst>
-                  <p:par>
-                    <p:cTn id="3" fill="hold">
-                      <p:stCondLst>
-                        <p:cond delay="indefinite"/>
-                      </p:stCondLst>
-                      <p:childTnLst>
-                        <p:par>
-                          <p:cTn id="4" fill="hold">
-                            <p:stCondLst>
-                              <p:cond delay="0"/>
-                            </p:stCondLst>
-                            <p:childTnLst>
-                              <p:par>
-                                <p:cTn id="5" presetID="1" presetClass="mediacall" presetSubtype="0" fill="hold" nodeType="clickEffect">
-                                  <p:stCondLst>
-                                    <p:cond delay="0"/>
-                                  </p:stCondLst>
-                                  <p:childTnLst>
-                                    <p:cmd type="call" cmd="playFrom(0.0)">
-                                      <p:cBhvr>
-                                        <p:cTn id="6" dur="1" fill="hold"/>
-                                        <p:tgtEl>
-                                          <p:spTgt spid="3"/>
-                                        </p:tgtEl>
-                                      </p:cBhvr>
-                                    </p:cmd>
-                                  </p:childTnLst>
-                                </p:cTn>
-                              </p:par>
-                            </p:childTnLst>
-                          </p:cTn>
-                        </p:par>
-                      </p:childTnLst>
-                    </p:cTn>
-                  </p:par>
-                </p:childTnLst>
-              </p:cTn>
-              <p:prevCondLst>
-                <p:cond evt="onPrev" delay="0">
-                  <p:tgtEl>
-                    <p:sldTgt/>
-                  </p:tgtEl>
-                </p:cond>
-              </p:prevCondLst>
-              <p:nextCondLst>
-                <p:cond evt="onNext" delay="0">
-                  <p:tgtEl>
-                    <p:sldTgt/>
-                  </p:tgtEl>
-                </p:cond>
-              </p:nextCondLst>
-            </p:seq>
-            <p:video>
-              <p:cMediaNode vol="80000">
-                <p:cTn id="7" fill="hold" display="0">
-                  <p:stCondLst>
-                    <p:cond delay="indefinite"/>
-                  </p:stCondLst>
-                </p:cTn>
-                <p:tgtEl>
-                  <p:spTgt spid="3"/>
-                </p:tgtEl>
-              </p:cMediaNode>
-            </p:video>
-            <p:seq concurrent="1" nextAc="seek">
-              <p:cTn id="8" restart="whenNotActive" fill="hold" evtFilter="cancelBubble" nodeType="interactiveSeq">
-                <p:stCondLst>
-                  <p:cond evt="onClick" delay="0">
-                    <p:tgtEl>
-                      <p:spTgt spid="3"/>
-                    </p:tgtEl>
-                  </p:cond>
-                </p:stCondLst>
-                <p:endSync evt="end" delay="0">
-                  <p:rtn val="all"/>
-                </p:endSync>
-                <p:childTnLst>
-                  <p:par>
-                    <p:cTn id="9" fill="hold">
-                      <p:stCondLst>
-                        <p:cond delay="0"/>
-                      </p:stCondLst>
-                      <p:childTnLst>
-                        <p:par>
-                          <p:cTn id="10" fill="hold">
-                            <p:stCondLst>
-                              <p:cond delay="0"/>
-                            </p:stCondLst>
-                            <p:childTnLst>
-                              <p:par>
-                                <p:cTn id="11" presetID="2" presetClass="mediacall" presetSubtype="0" fill="hold" nodeType="clickEffect">
-                                  <p:stCondLst>
-                                    <p:cond delay="0"/>
-                                  </p:stCondLst>
-                                  <p:childTnLst>
-                                    <p:cmd type="call" cmd="togglePause">
-                                      <p:cBhvr>
-                                        <p:cTn id="12" dur="1" fill="hold"/>
-                                        <p:tgtEl>
-                                          <p:spTgt spid="3"/>
-                                        </p:tgtEl>
-                                      </p:cBhvr>
-                                    </p:cmd>
-                                  </p:childTnLst>
-                                </p:cTn>
-                              </p:par>
-                            </p:childTnLst>
-                          </p:cTn>
-                        </p:par>
-                      </p:childTnLst>
-                    </p:cTn>
-                  </p:par>
-                </p:childTnLst>
-              </p:cTn>
-              <p:nextCondLst>
-                <p:cond evt="onClick" delay="0">
-                  <p:tgtEl>
-                    <p:spTgt spid="3"/>
-                  </p:tgtEl>
-                </p:cond>
-              </p:nextCondLst>
-            </p:seq>
-          </p:childTnLst>
-        </p:cTn>
-      </p:par>
-    </p:tnLst>
-  </p:timing>
-</p:sld>
-</file>
-
-<file path=ppt/slides/slide22.xml><?xml version="1.0" encoding="utf-8"?>
-<p:sld xmlns:a="http://schemas.openxmlformats.org/drawingml/2006/main" xmlns:r="http://schemas.openxmlformats.org/officeDocument/2006/relationships" xmlns:p="http://schemas.openxmlformats.org/presentationml/2006/main">
-  <p:cSld>
-    <p:bg>
-      <p:bgPr>
-        <a:solidFill>
-          <a:srgbClr val="395583"/>
-        </a:solidFill>
-        <a:effectLst/>
-      </p:bgPr>
-    </p:bg>
-    <p:spTree>
-      <p:nvGrpSpPr>
-        <p:cNvPr id="1" name=""/>
-        <p:cNvGrpSpPr/>
-        <p:nvPr/>
-      </p:nvGrpSpPr>
-      <p:grpSpPr>
-        <a:xfrm>
-          <a:off x="0" y="0"/>
-          <a:ext cx="0" cy="0"/>
-          <a:chOff x="0" y="0"/>
-          <a:chExt cx="0" cy="0"/>
-        </a:xfrm>
-      </p:grpSpPr>
-      <p:pic>
-        <p:nvPicPr>
-          <p:cNvPr id="5" name="Picture 4" descr="A picture containing indoor&#10;&#10;Description automatically generated">
-            <a:extLst>
-              <a:ext uri="{FF2B5EF4-FFF2-40B4-BE49-F238E27FC236}">
-                <a16:creationId xmlns:a16="http://schemas.microsoft.com/office/drawing/2014/main" id="{48589EA3-03B9-4D42-8282-8AC52D63CBF3}"/>
-              </a:ext>
-            </a:extLst>
-          </p:cNvPr>
-          <p:cNvPicPr>
-            <a:picLocks noChangeAspect="1"/>
-          </p:cNvPicPr>
-          <p:nvPr/>
-        </p:nvPicPr>
-        <p:blipFill rotWithShape="1">
-          <a:blip r:embed="rId2">
-            <a:extLst>
-              <a:ext uri="{28A0092B-C50C-407E-A947-70E740481C1C}">
-                <a14:useLocalDpi xmlns:a14="http://schemas.microsoft.com/office/drawing/2010/main" val="0"/>
-              </a:ext>
-            </a:extLst>
-          </a:blip>
-          <a:srcRect l="19805" r="19804" b="-1"/>
-          <a:stretch/>
-        </p:blipFill>
-        <p:spPr>
-          <a:xfrm>
-            <a:off x="20" y="10"/>
-            <a:ext cx="6024134" cy="6857990"/>
-          </a:xfrm>
-          <a:custGeom>
-            <a:avLst/>
-            <a:gdLst>
-              <a:gd name="connsiteX0" fmla="*/ 0 w 6024154"/>
-              <a:gd name="connsiteY0" fmla="*/ 0 h 6858000"/>
-              <a:gd name="connsiteX1" fmla="*/ 5953780 w 6024154"/>
-              <a:gd name="connsiteY1" fmla="*/ 0 h 6858000"/>
-              <a:gd name="connsiteX2" fmla="*/ 5989880 w 6024154"/>
-              <a:gd name="connsiteY2" fmla="*/ 284091 h 6858000"/>
-              <a:gd name="connsiteX3" fmla="*/ 6024154 w 6024154"/>
-              <a:gd name="connsiteY3" fmla="*/ 962844 h 6858000"/>
-              <a:gd name="connsiteX4" fmla="*/ 2549934 w 6024154"/>
-              <a:gd name="connsiteY4" fmla="*/ 6800152 h 6858000"/>
-              <a:gd name="connsiteX5" fmla="*/ 2436987 w 6024154"/>
-              <a:gd name="connsiteY5" fmla="*/ 6858000 h 6858000"/>
-              <a:gd name="connsiteX6" fmla="*/ 0 w 6024154"/>
-              <a:gd name="connsiteY6" fmla="*/ 6858000 h 6858000"/>
-            </a:gdLst>
-            <a:ahLst/>
-            <a:cxnLst>
-              <a:cxn ang="0">
-                <a:pos x="connsiteX0" y="connsiteY0"/>
-              </a:cxn>
-              <a:cxn ang="0">
-                <a:pos x="connsiteX1" y="connsiteY1"/>
-              </a:cxn>
-              <a:cxn ang="0">
-                <a:pos x="connsiteX2" y="connsiteY2"/>
-              </a:cxn>
-              <a:cxn ang="0">
-                <a:pos x="connsiteX3" y="connsiteY3"/>
-              </a:cxn>
-              <a:cxn ang="0">
-                <a:pos x="connsiteX4" y="connsiteY4"/>
-              </a:cxn>
-              <a:cxn ang="0">
-                <a:pos x="connsiteX5" y="connsiteY5"/>
-              </a:cxn>
-              <a:cxn ang="0">
-                <a:pos x="connsiteX6" y="connsiteY6"/>
-              </a:cxn>
-            </a:cxnLst>
-            <a:rect l="l" t="t" r="r" b="b"/>
-            <a:pathLst>
-              <a:path w="6024154" h="6858000">
-                <a:moveTo>
-                  <a:pt x="0" y="0"/>
-                </a:moveTo>
-                <a:lnTo>
-                  <a:pt x="5953780" y="0"/>
-                </a:lnTo>
-                <a:lnTo>
-                  <a:pt x="5989880" y="284091"/>
-                </a:lnTo>
-                <a:cubicBezTo>
-                  <a:pt x="6012544" y="507260"/>
-                  <a:pt x="6024154" y="733696"/>
-                  <a:pt x="6024154" y="962844"/>
-                </a:cubicBezTo>
-                <a:cubicBezTo>
-                  <a:pt x="6024154" y="3483472"/>
-                  <a:pt x="4619336" y="5675986"/>
-                  <a:pt x="2549934" y="6800152"/>
-                </a:cubicBezTo>
-                <a:lnTo>
-                  <a:pt x="2436987" y="6858000"/>
-                </a:lnTo>
-                <a:lnTo>
-                  <a:pt x="0" y="6858000"/>
-                </a:lnTo>
-                <a:close/>
-              </a:path>
-            </a:pathLst>
-          </a:custGeom>
-          <a:ln w="28575">
-            <a:noFill/>
-          </a:ln>
-        </p:spPr>
-      </p:pic>
-      <p:sp>
-        <p:nvSpPr>
-          <p:cNvPr id="12" name="Title 1">
-            <a:extLst>
-              <a:ext uri="{FF2B5EF4-FFF2-40B4-BE49-F238E27FC236}">
-                <a16:creationId xmlns:a16="http://schemas.microsoft.com/office/drawing/2014/main" id="{0B9C460C-DD3D-4F1C-9FEE-8EC7228DF8C8}"/>
-              </a:ext>
-            </a:extLst>
-          </p:cNvPr>
-          <p:cNvSpPr>
-            <a:spLocks noGrp="1"/>
-          </p:cNvSpPr>
-          <p:nvPr>
-            <p:ph type="ctrTitle"/>
-          </p:nvPr>
-        </p:nvSpPr>
-        <p:spPr>
-          <a:xfrm>
-            <a:off x="4232779" y="359964"/>
-            <a:ext cx="7834193" cy="1264588"/>
-          </a:xfrm>
-        </p:spPr>
-        <p:txBody>
-          <a:bodyPr anchor="ctr">
-            <a:normAutofit/>
-          </a:bodyPr>
-          <a:lstStyle/>
-          <a:p>
-            <a:pPr algn="r"/>
-            <a:r>
-              <a:rPr lang="en-US" dirty="0">
-                <a:latin typeface="Selawik Semibold" panose="020B0702040204020203" pitchFamily="34" charset="0"/>
-              </a:rPr>
-              <a:t>Final Inspiration</a:t>
-            </a:r>
-          </a:p>
-        </p:txBody>
-      </p:sp>
-      <p:sp>
-        <p:nvSpPr>
-          <p:cNvPr id="16" name="Content Placeholder 8">
-            <a:extLst>
-              <a:ext uri="{FF2B5EF4-FFF2-40B4-BE49-F238E27FC236}">
-                <a16:creationId xmlns:a16="http://schemas.microsoft.com/office/drawing/2014/main" id="{EFC1D832-5298-413A-ACCB-93C0C72C636D}"/>
-              </a:ext>
-            </a:extLst>
-          </p:cNvPr>
-          <p:cNvSpPr txBox="1">
-            <a:spLocks/>
-          </p:cNvSpPr>
-          <p:nvPr/>
-        </p:nvSpPr>
-        <p:spPr>
-          <a:xfrm>
-            <a:off x="5160335" y="4357577"/>
-            <a:ext cx="6725573" cy="3247008"/>
-          </a:xfrm>
-          <a:prstGeom prst="rect">
-            <a:avLst/>
-          </a:prstGeom>
-        </p:spPr>
-        <p:txBody>
-          <a:bodyPr vert="horz" lIns="91440" tIns="45720" rIns="91440" bIns="45720" rtlCol="0">
-            <a:normAutofit/>
-          </a:bodyPr>
-          <a:lstStyle>
-            <a:lvl1pPr marL="0" indent="0" algn="ctr" defTabSz="914400" rtl="0" eaLnBrk="1" latinLnBrk="0" hangingPunct="1">
-              <a:lnSpc>
-                <a:spcPct val="90000"/>
-              </a:lnSpc>
-              <a:spcBef>
-                <a:spcPts val="1000"/>
-              </a:spcBef>
-              <a:buFont typeface="Arial" panose="020B0604020202020204" pitchFamily="34" charset="0"/>
-              <a:buNone/>
-              <a:defRPr sz="2400" kern="1200">
-                <a:solidFill>
-                  <a:schemeClr val="tx1"/>
-                </a:solidFill>
-                <a:latin typeface="+mn-lt"/>
-                <a:ea typeface="+mn-ea"/>
-                <a:cs typeface="+mn-cs"/>
-              </a:defRPr>
-            </a:lvl1pPr>
-            <a:lvl2pPr marL="457200" indent="0" algn="ctr" defTabSz="914400" rtl="0" eaLnBrk="1" latinLnBrk="0" hangingPunct="1">
-              <a:lnSpc>
-                <a:spcPct val="90000"/>
-              </a:lnSpc>
-              <a:spcBef>
-                <a:spcPts val="500"/>
-              </a:spcBef>
-              <a:buFont typeface="Arial" panose="020B0604020202020204" pitchFamily="34" charset="0"/>
-              <a:buNone/>
-              <a:defRPr sz="2000" kern="1200">
-                <a:solidFill>
-                  <a:schemeClr val="tx1"/>
-                </a:solidFill>
-                <a:latin typeface="+mn-lt"/>
-                <a:ea typeface="+mn-ea"/>
-                <a:cs typeface="+mn-cs"/>
-              </a:defRPr>
-            </a:lvl2pPr>
-            <a:lvl3pPr marL="914400" indent="0" algn="ctr" defTabSz="914400" rtl="0" eaLnBrk="1" latinLnBrk="0" hangingPunct="1">
-              <a:lnSpc>
-                <a:spcPct val="90000"/>
-              </a:lnSpc>
-              <a:spcBef>
-                <a:spcPts val="500"/>
-              </a:spcBef>
-              <a:buFont typeface="Arial" panose="020B0604020202020204" pitchFamily="34" charset="0"/>
-              <a:buNone/>
-              <a:defRPr sz="1800" kern="1200">
-                <a:solidFill>
-                  <a:schemeClr val="tx1"/>
-                </a:solidFill>
-                <a:latin typeface="+mn-lt"/>
-                <a:ea typeface="+mn-ea"/>
-                <a:cs typeface="+mn-cs"/>
-              </a:defRPr>
-            </a:lvl3pPr>
-            <a:lvl4pPr marL="1371600" indent="0" algn="ctr" defTabSz="914400" rtl="0" eaLnBrk="1" latinLnBrk="0" hangingPunct="1">
-              <a:lnSpc>
-                <a:spcPct val="90000"/>
-              </a:lnSpc>
-              <a:spcBef>
-                <a:spcPts val="500"/>
-              </a:spcBef>
-              <a:buFont typeface="Arial" panose="020B0604020202020204" pitchFamily="34" charset="0"/>
-              <a:buNone/>
-              <a:defRPr sz="1600" kern="1200">
-                <a:solidFill>
-                  <a:schemeClr val="tx1"/>
-                </a:solidFill>
-                <a:latin typeface="+mn-lt"/>
-                <a:ea typeface="+mn-ea"/>
-                <a:cs typeface="+mn-cs"/>
-              </a:defRPr>
-            </a:lvl4pPr>
-            <a:lvl5pPr marL="1828800" indent="0" algn="ctr" defTabSz="914400" rtl="0" eaLnBrk="1" latinLnBrk="0" hangingPunct="1">
-              <a:lnSpc>
-                <a:spcPct val="90000"/>
-              </a:lnSpc>
-              <a:spcBef>
-                <a:spcPts val="500"/>
-              </a:spcBef>
-              <a:buFont typeface="Arial" panose="020B0604020202020204" pitchFamily="34" charset="0"/>
-              <a:buNone/>
-              <a:defRPr sz="1600" kern="1200">
-                <a:solidFill>
-                  <a:schemeClr val="tx1"/>
-                </a:solidFill>
-                <a:latin typeface="+mn-lt"/>
-                <a:ea typeface="+mn-ea"/>
-                <a:cs typeface="+mn-cs"/>
-              </a:defRPr>
-            </a:lvl5pPr>
-            <a:lvl6pPr marL="2286000" indent="0" algn="ctr" defTabSz="914400" rtl="0" eaLnBrk="1" latinLnBrk="0" hangingPunct="1">
-              <a:lnSpc>
-                <a:spcPct val="90000"/>
-              </a:lnSpc>
-              <a:spcBef>
-                <a:spcPts val="500"/>
-              </a:spcBef>
-              <a:buFont typeface="Arial" panose="020B0604020202020204" pitchFamily="34" charset="0"/>
-              <a:buNone/>
-              <a:defRPr sz="1600" kern="1200">
-                <a:solidFill>
-                  <a:schemeClr val="tx1"/>
-                </a:solidFill>
-                <a:latin typeface="+mn-lt"/>
-                <a:ea typeface="+mn-ea"/>
-                <a:cs typeface="+mn-cs"/>
-              </a:defRPr>
-            </a:lvl6pPr>
-            <a:lvl7pPr marL="2743200" indent="0" algn="ctr" defTabSz="914400" rtl="0" eaLnBrk="1" latinLnBrk="0" hangingPunct="1">
-              <a:lnSpc>
-                <a:spcPct val="90000"/>
-              </a:lnSpc>
-              <a:spcBef>
-                <a:spcPts val="500"/>
-              </a:spcBef>
-              <a:buFont typeface="Arial" panose="020B0604020202020204" pitchFamily="34" charset="0"/>
-              <a:buNone/>
-              <a:defRPr sz="1600" kern="1200">
-                <a:solidFill>
-                  <a:schemeClr val="tx1"/>
-                </a:solidFill>
-                <a:latin typeface="+mn-lt"/>
-                <a:ea typeface="+mn-ea"/>
-                <a:cs typeface="+mn-cs"/>
-              </a:defRPr>
-            </a:lvl7pPr>
-            <a:lvl8pPr marL="3200400" indent="0" algn="ctr" defTabSz="914400" rtl="0" eaLnBrk="1" latinLnBrk="0" hangingPunct="1">
-              <a:lnSpc>
-                <a:spcPct val="90000"/>
-              </a:lnSpc>
-              <a:spcBef>
-                <a:spcPts val="500"/>
-              </a:spcBef>
-              <a:buFont typeface="Arial" panose="020B0604020202020204" pitchFamily="34" charset="0"/>
-              <a:buNone/>
-              <a:defRPr sz="1600" kern="1200">
-                <a:solidFill>
-                  <a:schemeClr val="tx1"/>
-                </a:solidFill>
-                <a:latin typeface="+mn-lt"/>
-                <a:ea typeface="+mn-ea"/>
-                <a:cs typeface="+mn-cs"/>
-              </a:defRPr>
-            </a:lvl8pPr>
-            <a:lvl9pPr marL="3657600" indent="0" algn="ctr" defTabSz="914400" rtl="0" eaLnBrk="1" latinLnBrk="0" hangingPunct="1">
-              <a:lnSpc>
-                <a:spcPct val="90000"/>
-              </a:lnSpc>
-              <a:spcBef>
-                <a:spcPts val="500"/>
-              </a:spcBef>
-              <a:buFont typeface="Arial" panose="020B0604020202020204" pitchFamily="34" charset="0"/>
-              <a:buNone/>
-              <a:defRPr sz="1600" kern="1200">
-                <a:solidFill>
-                  <a:schemeClr val="tx1"/>
-                </a:solidFill>
-                <a:latin typeface="+mn-lt"/>
-                <a:ea typeface="+mn-ea"/>
-                <a:cs typeface="+mn-cs"/>
-              </a:defRPr>
-            </a:lvl9pPr>
-          </a:lstStyle>
-          <a:p>
-            <a:pPr algn="r"/>
-            <a:r>
-              <a:rPr lang="en-US" sz="2800" dirty="0">
-                <a:latin typeface="Selawik Semibold" panose="020B0702040204020203" pitchFamily="34" charset="0"/>
-              </a:rPr>
-              <a:t>If you don’t like sports, </a:t>
-            </a:r>
-          </a:p>
-          <a:p>
-            <a:pPr algn="r"/>
-            <a:r>
-              <a:rPr lang="en-US" sz="2800" dirty="0">
-                <a:latin typeface="Selawik Semibold" panose="020B0702040204020203" pitchFamily="34" charset="0"/>
-              </a:rPr>
-              <a:t>you may like baseball.</a:t>
-            </a:r>
-          </a:p>
-          <a:p>
-            <a:pPr algn="r"/>
-            <a:endParaRPr lang="en-US" sz="2800" dirty="0">
-              <a:latin typeface="Selawik Semibold" panose="020B0702040204020203" pitchFamily="34" charset="0"/>
-            </a:endParaRPr>
-          </a:p>
-          <a:p>
-            <a:pPr algn="r"/>
-            <a:r>
-              <a:rPr lang="en-US" sz="2800" dirty="0">
-                <a:latin typeface="Selawik Semibold" panose="020B0702040204020203" pitchFamily="34" charset="0"/>
-              </a:rPr>
-              <a:t>- Mahatma Mario</a:t>
-            </a:r>
-          </a:p>
-          <a:p>
-            <a:pPr lvl="2" algn="r"/>
-            <a:endParaRPr lang="en-US" sz="2800" dirty="0">
-              <a:latin typeface="Selawik Semibold" panose="020B0702040204020203" pitchFamily="34" charset="0"/>
-            </a:endParaRPr>
-          </a:p>
-          <a:p>
-            <a:pPr lvl="2" algn="r"/>
-            <a:endParaRPr lang="en-US" sz="2800" dirty="0">
-              <a:latin typeface="Selawik Semibold" panose="020B0702040204020203" pitchFamily="34" charset="0"/>
-            </a:endParaRPr>
-          </a:p>
-          <a:p>
-            <a:pPr lvl="2" algn="r"/>
-            <a:endParaRPr lang="en-US" sz="2800" dirty="0">
-              <a:latin typeface="Selawik Semibold" panose="020B0702040204020203" pitchFamily="34" charset="0"/>
-            </a:endParaRPr>
-          </a:p>
-        </p:txBody>
-      </p:sp>
-    </p:spTree>
-    <p:extLst>
-      <p:ext uri="{BB962C8B-B14F-4D97-AF65-F5344CB8AC3E}">
-        <p14:creationId xmlns:p14="http://schemas.microsoft.com/office/powerpoint/2010/main" val="1593475065"/>
-      </p:ext>
-    </p:extLst>
-  </p:cSld>
-  <p:clrMapOvr>
-    <a:overrideClrMapping bg1="dk1" tx1="lt1" bg2="dk2" tx2="lt2" accent1="accent1" accent2="accent2" accent3="accent3" accent4="accent4" accent5="accent5" accent6="accent6" hlink="hlink" folHlink="folHlink"/>
-  </p:clrMapOvr>
-</p:sld>
-</file>
-
-<file path=ppt/slides/slide3.xml><?xml version="1.0" encoding="utf-8"?>
-<p:sld xmlns:a="http://schemas.openxmlformats.org/drawingml/2006/main" xmlns:r="http://schemas.openxmlformats.org/officeDocument/2006/relationships" xmlns:p="http://schemas.openxmlformats.org/presentationml/2006/main">
-  <p:cSld>
-    <p:bg>
-      <p:bgPr>
-        <a:solidFill>
-          <a:schemeClr val="bg1"/>
-        </a:solidFill>
-        <a:effectLst/>
-      </p:bgPr>
-    </p:bg>
-    <p:spTree>
-      <p:nvGrpSpPr>
-        <p:cNvPr id="1" name=""/>
-        <p:cNvGrpSpPr/>
-        <p:nvPr/>
-      </p:nvGrpSpPr>
-      <p:grpSpPr>
-        <a:xfrm>
-          <a:off x="0" y="0"/>
-          <a:ext cx="0" cy="0"/>
-          <a:chOff x="0" y="0"/>
-          <a:chExt cx="0" cy="0"/>
-        </a:xfrm>
-      </p:grpSpPr>
-      <p:sp>
-        <p:nvSpPr>
-          <p:cNvPr id="17" name="Rectangle 16">
-            <a:extLst>
-              <a:ext uri="{FF2B5EF4-FFF2-40B4-BE49-F238E27FC236}">
-                <a16:creationId xmlns:a16="http://schemas.microsoft.com/office/drawing/2014/main" id="{0A8FE870-A334-4DE1-84A7-AB191ED10D63}"/>
-              </a:ext>
-            </a:extLst>
-          </p:cNvPr>
-          <p:cNvSpPr/>
-          <p:nvPr/>
-        </p:nvSpPr>
-        <p:spPr>
-          <a:xfrm>
-            <a:off x="-3" y="-26079"/>
-            <a:ext cx="12192000" cy="6910157"/>
-          </a:xfrm>
-          <a:prstGeom prst="rect">
-            <a:avLst/>
-          </a:prstGeom>
-          <a:solidFill>
-            <a:srgbClr val="395583"/>
-          </a:solidFill>
-        </p:spPr>
-        <p:style>
-          <a:lnRef idx="2">
-            <a:schemeClr val="accent1">
-              <a:shade val="50000"/>
-            </a:schemeClr>
-          </a:lnRef>
-          <a:fillRef idx="1">
-            <a:schemeClr val="accent1"/>
-          </a:fillRef>
-          <a:effectRef idx="0">
-            <a:schemeClr val="accent1"/>
-          </a:effectRef>
-          <a:fontRef idx="minor">
-            <a:schemeClr val="lt1"/>
-          </a:fontRef>
-        </p:style>
-        <p:txBody>
-          <a:bodyPr rtlCol="0" anchor="ctr"/>
-          <a:lstStyle/>
-          <a:p>
-            <a:pPr algn="ctr"/>
-            <a:endParaRPr lang="en-US" sz="2400" dirty="0"/>
-          </a:p>
-        </p:txBody>
-      </p:sp>
-      <p:pic>
-        <p:nvPicPr>
-          <p:cNvPr id="8" name="Picture 7" descr="A close up of a toy&#10;&#10;Description automatically generated">
-            <a:extLst>
-              <a:ext uri="{FF2B5EF4-FFF2-40B4-BE49-F238E27FC236}">
-                <a16:creationId xmlns:a16="http://schemas.microsoft.com/office/drawing/2014/main" id="{131D5527-B848-4F84-9601-62DB93565332}"/>
-              </a:ext>
-            </a:extLst>
-          </p:cNvPr>
-          <p:cNvPicPr>
-            <a:picLocks noChangeAspect="1"/>
-          </p:cNvPicPr>
-          <p:nvPr/>
-        </p:nvPicPr>
-        <p:blipFill rotWithShape="1">
-          <a:blip r:embed="rId2">
-            <a:extLst>
-              <a:ext uri="{28A0092B-C50C-407E-A947-70E740481C1C}">
-                <a14:useLocalDpi xmlns:a14="http://schemas.microsoft.com/office/drawing/2010/main" val="0"/>
-              </a:ext>
-            </a:extLst>
-          </a:blip>
-          <a:srcRect l="6238" r="10796"/>
-          <a:stretch/>
-        </p:blipFill>
-        <p:spPr>
-          <a:xfrm>
-            <a:off x="0" y="-52157"/>
-            <a:ext cx="2684015" cy="3969421"/>
-          </a:xfrm>
-          <a:prstGeom prst="rect">
-            <a:avLst/>
-          </a:prstGeom>
-        </p:spPr>
-      </p:pic>
-      <p:sp>
-        <p:nvSpPr>
-          <p:cNvPr id="33" name="Rectangle 32">
-            <a:extLst>
-              <a:ext uri="{FF2B5EF4-FFF2-40B4-BE49-F238E27FC236}">
-                <a16:creationId xmlns:a16="http://schemas.microsoft.com/office/drawing/2014/main" id="{6F93929A-DE1C-47C4-AF97-F99DB104E96F}"/>
-              </a:ext>
-            </a:extLst>
-          </p:cNvPr>
-          <p:cNvSpPr/>
-          <p:nvPr/>
-        </p:nvSpPr>
-        <p:spPr>
-          <a:xfrm rot="16200000">
-            <a:off x="782431" y="1849427"/>
-            <a:ext cx="3969421" cy="166254"/>
-          </a:xfrm>
-          <a:prstGeom prst="rect">
-            <a:avLst/>
-          </a:prstGeom>
-          <a:solidFill>
-            <a:schemeClr val="tx1"/>
-          </a:solidFill>
-          <a:ln>
-            <a:noFill/>
-          </a:ln>
-        </p:spPr>
-        <p:style>
-          <a:lnRef idx="2">
-            <a:schemeClr val="accent1">
-              <a:shade val="50000"/>
-            </a:schemeClr>
-          </a:lnRef>
-          <a:fillRef idx="1">
-            <a:schemeClr val="accent1"/>
-          </a:fillRef>
-          <a:effectRef idx="0">
-            <a:schemeClr val="accent1"/>
-          </a:effectRef>
-          <a:fontRef idx="minor">
-            <a:schemeClr val="lt1"/>
-          </a:fontRef>
-        </p:style>
-        <p:txBody>
-          <a:bodyPr rtlCol="0" anchor="ctr"/>
-          <a:lstStyle/>
-          <a:p>
-            <a:pPr algn="ctr"/>
-            <a:endParaRPr lang="en-US" dirty="0">
-              <a:solidFill>
-                <a:srgbClr val="DB5B5C"/>
-              </a:solidFill>
-            </a:endParaRPr>
-          </a:p>
-        </p:txBody>
-      </p:sp>
-      <p:sp>
-        <p:nvSpPr>
-          <p:cNvPr id="35" name="Rectangle 34">
-            <a:extLst>
-              <a:ext uri="{FF2B5EF4-FFF2-40B4-BE49-F238E27FC236}">
-                <a16:creationId xmlns:a16="http://schemas.microsoft.com/office/drawing/2014/main" id="{259A39E4-556F-4581-82A2-C6B68A8147A4}"/>
-              </a:ext>
-            </a:extLst>
-          </p:cNvPr>
-          <p:cNvSpPr/>
-          <p:nvPr/>
-        </p:nvSpPr>
-        <p:spPr>
-          <a:xfrm rot="10800000">
-            <a:off x="-2" y="3756674"/>
-            <a:ext cx="2850269" cy="3101326"/>
-          </a:xfrm>
-          <a:prstGeom prst="rect">
-            <a:avLst/>
-          </a:prstGeom>
-          <a:solidFill>
-            <a:schemeClr val="tx1"/>
-          </a:solidFill>
-          <a:ln>
-            <a:noFill/>
-          </a:ln>
-        </p:spPr>
-        <p:style>
-          <a:lnRef idx="2">
-            <a:schemeClr val="accent1">
-              <a:shade val="50000"/>
-            </a:schemeClr>
-          </a:lnRef>
-          <a:fillRef idx="1">
-            <a:schemeClr val="accent1"/>
-          </a:fillRef>
-          <a:effectRef idx="0">
-            <a:schemeClr val="accent1"/>
-          </a:effectRef>
-          <a:fontRef idx="minor">
-            <a:schemeClr val="lt1"/>
-          </a:fontRef>
-        </p:style>
-        <p:txBody>
-          <a:bodyPr rtlCol="0" anchor="ctr"/>
-          <a:lstStyle/>
-          <a:p>
-            <a:pPr algn="ctr"/>
-            <a:endParaRPr lang="en-US" dirty="0">
-              <a:solidFill>
-                <a:srgbClr val="DB5B5C"/>
-              </a:solidFill>
-            </a:endParaRPr>
-          </a:p>
-        </p:txBody>
-      </p:sp>
-      <p:sp>
-        <p:nvSpPr>
-          <p:cNvPr id="23" name="Subtitle 22">
-            <a:extLst>
-              <a:ext uri="{FF2B5EF4-FFF2-40B4-BE49-F238E27FC236}">
-                <a16:creationId xmlns:a16="http://schemas.microsoft.com/office/drawing/2014/main" id="{1E5D6413-9C6F-483D-BE52-F3BBB1E74630}"/>
-              </a:ext>
-            </a:extLst>
-          </p:cNvPr>
-          <p:cNvSpPr>
-            <a:spLocks noGrp="1"/>
-          </p:cNvSpPr>
-          <p:nvPr>
-            <p:ph type="subTitle" idx="1"/>
-          </p:nvPr>
-        </p:nvSpPr>
-        <p:spPr>
-          <a:xfrm>
-            <a:off x="3007491" y="137620"/>
-            <a:ext cx="9341732" cy="1684867"/>
-          </a:xfrm>
-        </p:spPr>
-        <p:txBody>
-          <a:bodyPr>
-            <a:normAutofit/>
-          </a:bodyPr>
-          <a:lstStyle/>
-          <a:p>
-            <a:pPr algn="l"/>
-            <a:r>
-              <a:rPr lang="en-US" sz="4400" dirty="0">
-                <a:solidFill>
-                  <a:schemeClr val="bg1"/>
-                </a:solidFill>
-                <a:latin typeface="Selawik Semibold" panose="020B0702040204020203" pitchFamily="34" charset="0"/>
-              </a:rPr>
-              <a:t>Linear Weights</a:t>
-            </a:r>
-          </a:p>
-        </p:txBody>
-      </p:sp>
-      <p:pic>
-        <p:nvPicPr>
-          <p:cNvPr id="16" name="Picture 15" descr="A close up of a toy&#10;&#10;Description automatically generated">
-            <a:extLst>
-              <a:ext uri="{FF2B5EF4-FFF2-40B4-BE49-F238E27FC236}">
-                <a16:creationId xmlns:a16="http://schemas.microsoft.com/office/drawing/2014/main" id="{94C75949-F15C-4E05-810D-EF40FCE89107}"/>
-              </a:ext>
-            </a:extLst>
-          </p:cNvPr>
-          <p:cNvPicPr>
-            <a:picLocks noChangeAspect="1"/>
-          </p:cNvPicPr>
-          <p:nvPr/>
-        </p:nvPicPr>
-        <p:blipFill>
-          <a:blip r:embed="rId3">
-            <a:extLst>
-              <a:ext uri="{28A0092B-C50C-407E-A947-70E740481C1C}">
-                <a14:useLocalDpi xmlns:a14="http://schemas.microsoft.com/office/drawing/2010/main" val="0"/>
-              </a:ext>
-            </a:extLst>
-          </a:blip>
-          <a:stretch>
-            <a:fillRect/>
-          </a:stretch>
-        </p:blipFill>
-        <p:spPr>
-          <a:xfrm>
-            <a:off x="417789" y="4380288"/>
-            <a:ext cx="2014687" cy="2014687"/>
-          </a:xfrm>
-          <a:prstGeom prst="ellipse">
-            <a:avLst/>
-          </a:prstGeom>
-          <a:ln w="63500" cap="rnd">
-            <a:solidFill>
-              <a:srgbClr val="333333"/>
-            </a:solidFill>
-          </a:ln>
-          <a:effectLst>
-            <a:outerShdw blurRad="381000" dist="292100" dir="5400000" sx="-80000" sy="-18000" rotWithShape="0">
-              <a:srgbClr val="000000">
-                <a:alpha val="22000"/>
-              </a:srgbClr>
-            </a:outerShdw>
-          </a:effectLst>
-          <a:scene3d>
-            <a:camera prst="orthographicFront"/>
-            <a:lightRig rig="contrasting" dir="t">
-              <a:rot lat="0" lon="0" rev="3000000"/>
-            </a:lightRig>
-          </a:scene3d>
-          <a:sp3d contourW="7620">
-            <a:bevelT w="95250" h="31750"/>
-            <a:contourClr>
-              <a:srgbClr val="333333"/>
-            </a:contourClr>
-          </a:sp3d>
-        </p:spPr>
-      </p:pic>
-      <p:sp>
-        <p:nvSpPr>
-          <p:cNvPr id="38" name="Rectangle 37">
-            <a:extLst>
-              <a:ext uri="{FF2B5EF4-FFF2-40B4-BE49-F238E27FC236}">
-                <a16:creationId xmlns:a16="http://schemas.microsoft.com/office/drawing/2014/main" id="{28B1909D-4141-4FB1-8633-83F335349C97}"/>
-              </a:ext>
-            </a:extLst>
-          </p:cNvPr>
-          <p:cNvSpPr/>
-          <p:nvPr/>
-        </p:nvSpPr>
-        <p:spPr>
-          <a:xfrm rot="10800000">
-            <a:off x="3007493" y="844062"/>
-            <a:ext cx="9027282" cy="137067"/>
-          </a:xfrm>
-          <a:prstGeom prst="rect">
-            <a:avLst/>
-          </a:prstGeom>
-          <a:solidFill>
-            <a:schemeClr val="tx1"/>
-          </a:solidFill>
-          <a:ln>
-            <a:noFill/>
-          </a:ln>
-        </p:spPr>
-        <p:style>
-          <a:lnRef idx="2">
-            <a:schemeClr val="accent1">
-              <a:shade val="50000"/>
-            </a:schemeClr>
-          </a:lnRef>
-          <a:fillRef idx="1">
-            <a:schemeClr val="accent1"/>
-          </a:fillRef>
-          <a:effectRef idx="0">
-            <a:schemeClr val="accent1"/>
-          </a:effectRef>
-          <a:fontRef idx="minor">
-            <a:schemeClr val="lt1"/>
-          </a:fontRef>
-        </p:style>
-        <p:txBody>
-          <a:bodyPr rtlCol="0" anchor="ctr"/>
-          <a:lstStyle/>
-          <a:p>
-            <a:pPr algn="ctr"/>
-            <a:endParaRPr lang="en-US" dirty="0">
-              <a:solidFill>
-                <a:srgbClr val="DB5B5C"/>
-              </a:solidFill>
-            </a:endParaRPr>
-          </a:p>
-        </p:txBody>
-      </p:sp>
-      <mc:AlternateContent xmlns:mc="http://schemas.openxmlformats.org/markup-compatibility/2006">
-        <mc:Choice xmlns:a14="http://schemas.microsoft.com/office/drawing/2010/main" Requires="a14">
+      <mc:AlternateContent xmlns:mc="http://schemas.openxmlformats.org/markup-compatibility/2006" xmlns:a14="http://schemas.microsoft.com/office/drawing/2010/main">
+        <mc:Choice Requires="a14">
           <p:sp>
             <p:nvSpPr>
               <p:cNvPr id="10" name="TextBox 9">
@@ -17252,7 +12246,7 @@
             </p:txBody>
           </p:sp>
         </mc:Choice>
-        <mc:Fallback>
+        <mc:Fallback xmlns="">
           <p:sp>
             <p:nvSpPr>
               <p:cNvPr id="10" name="TextBox 9">
@@ -17297,8 +12291,8 @@
           </p:sp>
         </mc:Fallback>
       </mc:AlternateContent>
-      <mc:AlternateContent xmlns:mc="http://schemas.openxmlformats.org/markup-compatibility/2006">
-        <mc:Choice xmlns:a14="http://schemas.microsoft.com/office/drawing/2010/main" Requires="a14">
+      <mc:AlternateContent xmlns:mc="http://schemas.openxmlformats.org/markup-compatibility/2006" xmlns:a14="http://schemas.microsoft.com/office/drawing/2010/main">
+        <mc:Choice Requires="a14">
           <p:sp>
             <p:nvSpPr>
               <p:cNvPr id="6" name="TextBox 5">
@@ -17327,6 +12321,7 @@
               </a:bodyPr>
               <a:lstStyle/>
               <a:p>
+                <a:pPr/>
                 <a14:m>
                   <m:oMathPara xmlns:m="http://schemas.openxmlformats.org/officeDocument/2006/math">
                     <m:oMathParaPr>
@@ -17424,7 +12419,7 @@
             </p:txBody>
           </p:sp>
         </mc:Choice>
-        <mc:Fallback>
+        <mc:Fallback xmlns="">
           <p:sp>
             <p:nvSpPr>
               <p:cNvPr id="6" name="TextBox 5">
@@ -18453,8 +13448,8 @@
           </a:fontRef>
         </p:style>
       </p:cxnSp>
-      <mc:AlternateContent xmlns:mc="http://schemas.openxmlformats.org/markup-compatibility/2006">
-        <mc:Choice xmlns:a14="http://schemas.microsoft.com/office/drawing/2010/main" Requires="a14">
+      <mc:AlternateContent xmlns:mc="http://schemas.openxmlformats.org/markup-compatibility/2006" xmlns:a14="http://schemas.microsoft.com/office/drawing/2010/main">
+        <mc:Choice Requires="a14">
           <p:sp>
             <p:nvSpPr>
               <p:cNvPr id="24" name="TextBox 23">
@@ -18674,7 +13669,7 @@
             </p:txBody>
           </p:sp>
         </mc:Choice>
-        <mc:Fallback>
+        <mc:Fallback xmlns="">
           <p:sp>
             <p:nvSpPr>
               <p:cNvPr id="24" name="TextBox 23">
@@ -19656,8 +14651,8 @@
           </a:p>
         </p:txBody>
       </p:sp>
-      <mc:AlternateContent xmlns:mc="http://schemas.openxmlformats.org/markup-compatibility/2006">
-        <mc:Choice xmlns:a14="http://schemas.microsoft.com/office/drawing/2010/main" Requires="a14">
+      <mc:AlternateContent xmlns:mc="http://schemas.openxmlformats.org/markup-compatibility/2006" xmlns:a14="http://schemas.microsoft.com/office/drawing/2010/main">
+        <mc:Choice Requires="a14">
           <p:sp>
             <p:nvSpPr>
               <p:cNvPr id="10" name="TextBox 9">
@@ -19999,7 +14994,7 @@
             </p:txBody>
           </p:sp>
         </mc:Choice>
-        <mc:Fallback>
+        <mc:Fallback xmlns="">
           <p:sp>
             <p:nvSpPr>
               <p:cNvPr id="10" name="TextBox 9">
@@ -21334,8 +16329,8 @@
           </a:p>
         </p:txBody>
       </p:sp>
-      <mc:AlternateContent xmlns:mc="http://schemas.openxmlformats.org/markup-compatibility/2006">
-        <mc:Choice xmlns:a14="http://schemas.microsoft.com/office/drawing/2010/main" Requires="a14">
+      <mc:AlternateContent xmlns:mc="http://schemas.openxmlformats.org/markup-compatibility/2006" xmlns:a14="http://schemas.microsoft.com/office/drawing/2010/main">
+        <mc:Choice Requires="a14">
           <p:sp>
             <p:nvSpPr>
               <p:cNvPr id="4" name="Rectangle 3">
@@ -21363,6 +16358,7 @@
               </a:bodyPr>
               <a:lstStyle/>
               <a:p>
+                <a:pPr/>
                 <a14:m>
                   <m:oMathPara xmlns:m="http://schemas.openxmlformats.org/officeDocument/2006/math">
                     <m:oMathParaPr>
@@ -21435,7 +16431,7 @@
             </p:txBody>
           </p:sp>
         </mc:Choice>
-        <mc:Fallback>
+        <mc:Fallback xmlns="">
           <p:sp>
             <p:nvSpPr>
               <p:cNvPr id="4" name="Rectangle 3">
@@ -21480,8 +16476,8 @@
           </p:sp>
         </mc:Fallback>
       </mc:AlternateContent>
-      <mc:AlternateContent xmlns:mc="http://schemas.openxmlformats.org/markup-compatibility/2006">
-        <mc:Choice xmlns:a14="http://schemas.microsoft.com/office/drawing/2010/main" Requires="a14">
+      <mc:AlternateContent xmlns:mc="http://schemas.openxmlformats.org/markup-compatibility/2006" xmlns:a14="http://schemas.microsoft.com/office/drawing/2010/main">
+        <mc:Choice Requires="a14">
           <p:sp>
             <p:nvSpPr>
               <p:cNvPr id="18" name="Rectangle 17">
@@ -21509,6 +16505,7 @@
               </a:bodyPr>
               <a:lstStyle/>
               <a:p>
+                <a:pPr/>
                 <a14:m>
                   <m:oMathPara xmlns:m="http://schemas.openxmlformats.org/officeDocument/2006/math">
                     <m:oMathParaPr>
@@ -21633,7 +16630,7 @@
             </p:txBody>
           </p:sp>
         </mc:Choice>
-        <mc:Fallback>
+        <mc:Fallback xmlns="">
           <p:sp>
             <p:nvSpPr>
               <p:cNvPr id="18" name="Rectangle 17">
@@ -21678,8 +16675,8 @@
           </p:sp>
         </mc:Fallback>
       </mc:AlternateContent>
-      <mc:AlternateContent xmlns:mc="http://schemas.openxmlformats.org/markup-compatibility/2006">
-        <mc:Choice xmlns:a14="http://schemas.microsoft.com/office/drawing/2010/main" Requires="a14">
+      <mc:AlternateContent xmlns:mc="http://schemas.openxmlformats.org/markup-compatibility/2006" xmlns:a14="http://schemas.microsoft.com/office/drawing/2010/main">
+        <mc:Choice Requires="a14">
           <p:sp>
             <p:nvSpPr>
               <p:cNvPr id="5" name="Rectangle 4">
@@ -21707,6 +16704,7 @@
               </a:bodyPr>
               <a:lstStyle/>
               <a:p>
+                <a:pPr/>
                 <a14:m>
                   <m:oMathPara xmlns:m="http://schemas.openxmlformats.org/officeDocument/2006/math">
                     <m:oMathParaPr>
@@ -21854,7 +16852,7 @@
             </p:txBody>
           </p:sp>
         </mc:Choice>
-        <mc:Fallback>
+        <mc:Fallback xmlns="">
           <p:sp>
             <p:nvSpPr>
               <p:cNvPr id="5" name="Rectangle 4">
@@ -22514,8 +17512,8 @@
           </a:p>
         </p:txBody>
       </p:sp>
-      <mc:AlternateContent xmlns:mc="http://schemas.openxmlformats.org/markup-compatibility/2006">
-        <mc:Choice xmlns:a14="http://schemas.microsoft.com/office/drawing/2010/main" Requires="a14">
+      <mc:AlternateContent xmlns:mc="http://schemas.openxmlformats.org/markup-compatibility/2006" xmlns:a14="http://schemas.microsoft.com/office/drawing/2010/main">
+        <mc:Choice Requires="a14">
           <p:sp>
             <p:nvSpPr>
               <p:cNvPr id="13" name="Rectangle 12">
@@ -22543,6 +17541,7 @@
               </a:bodyPr>
               <a:lstStyle/>
               <a:p>
+                <a:pPr/>
                 <a14:m>
                   <m:oMathPara xmlns:m="http://schemas.openxmlformats.org/officeDocument/2006/math">
                     <m:oMathParaPr>
@@ -22680,7 +17679,7 @@
             </p:txBody>
           </p:sp>
         </mc:Choice>
-        <mc:Fallback>
+        <mc:Fallback xmlns="">
           <p:sp>
             <p:nvSpPr>
               <p:cNvPr id="13" name="Rectangle 12">
